--- a/instructions.pptx
+++ b/instructions.pptx
@@ -1,23 +1,23 @@
 
 <file path=ppt/presentation.xml><?xml version="1.0" encoding="utf-8"?>
-<p:presentation xmlns:a="http://schemas.openxmlformats.org/drawingml/2006/main" xmlns:r="http://schemas.openxmlformats.org/officeDocument/2006/relationships" xmlns:mc="http://schemas.openxmlformats.org/markup-compatibility/2006" xmlns:mv="urn:schemas-microsoft-com:mac:vml" xmlns:p="http://schemas.openxmlformats.org/presentationml/2006/main" xmlns:c="http://schemas.openxmlformats.org/drawingml/2006/chart" xmlns:dgm="http://schemas.openxmlformats.org/drawingml/2006/diagram" xmlns:o="urn:schemas-microsoft-com:office:office" xmlns:v="urn:schemas-microsoft-com:vml" xmlns:pvml="urn:schemas-microsoft-com:office:powerpoint" xmlns:com="http://schemas.openxmlformats.org/drawingml/2006/compatibility" xmlns:p14="http://schemas.microsoft.com/office/powerpoint/2010/main" xmlns:p15="http://schemas.microsoft.com/office/powerpoint/2012/main" xmlns:ahyp="http://schemas.microsoft.com/office/drawing/2018/hyperlinkcolor" autoCompressPictures="0" strictFirstAndLastChars="0" saveSubsetFonts="1">
+<p:presentation xmlns:a="http://schemas.openxmlformats.org/drawingml/2006/main" xmlns:r="http://schemas.openxmlformats.org/officeDocument/2006/relationships" xmlns:p="http://schemas.openxmlformats.org/presentationml/2006/main" strictFirstAndLastChars="0" saveSubsetFonts="1" autoCompressPictures="0">
   <p:sldMasterIdLst>
-    <p:sldMasterId id="2147483659" r:id="rId4"/>
+    <p:sldMasterId id="2147483659" r:id="rId1"/>
   </p:sldMasterIdLst>
   <p:notesMasterIdLst>
-    <p:notesMasterId r:id="rId5"/>
+    <p:notesMasterId r:id="rId7"/>
   </p:notesMasterIdLst>
   <p:sldIdLst>
-    <p:sldId id="256" r:id="rId6"/>
-    <p:sldId id="257" r:id="rId7"/>
-    <p:sldId id="258" r:id="rId8"/>
-    <p:sldId id="259" r:id="rId9"/>
-    <p:sldId id="260" r:id="rId10"/>
+    <p:sldId id="256" r:id="rId2"/>
+    <p:sldId id="257" r:id="rId3"/>
+    <p:sldId id="258" r:id="rId4"/>
+    <p:sldId id="259" r:id="rId5"/>
+    <p:sldId id="260" r:id="rId6"/>
   </p:sldIdLst>
-  <p:sldSz cy="5143500" cx="9144000"/>
+  <p:sldSz cx="9144000" cy="5143500" type="screen16x9"/>
   <p:notesSz cx="6858000" cy="9144000"/>
   <p:defaultTextStyle>
-    <a:defPPr lvl="0" marR="0" rtl="0" algn="l">
+    <a:defPPr marR="0" lvl="0" algn="l" rtl="0">
       <a:lnSpc>
         <a:spcPct val="100000"/>
       </a:lnSpc>
@@ -28,7 +28,7 @@
         <a:spcPts val="0"/>
       </a:spcAft>
     </a:defPPr>
-    <a:lvl1pPr lvl="0" marR="0" rtl="0" algn="l">
+    <a:lvl1pPr marR="0" lvl="0" algn="l" rtl="0">
       <a:lnSpc>
         <a:spcPct val="100000"/>
       </a:lnSpc>
@@ -42,7 +42,7 @@
         <a:srgbClr val="000000"/>
       </a:buClr>
       <a:buFont typeface="Arial"/>
-      <a:defRPr b="0" i="0" sz="1400" u="none" cap="none" strike="noStrike">
+      <a:defRPr sz="1400" b="0" i="0" u="none" strike="noStrike" cap="none">
         <a:solidFill>
           <a:srgbClr val="000000"/>
         </a:solidFill>
@@ -52,7 +52,7 @@
         <a:sym typeface="Arial"/>
       </a:defRPr>
     </a:lvl1pPr>
-    <a:lvl2pPr lvl="1" marR="0" rtl="0" algn="l">
+    <a:lvl2pPr marR="0" lvl="1" algn="l" rtl="0">
       <a:lnSpc>
         <a:spcPct val="100000"/>
       </a:lnSpc>
@@ -66,7 +66,7 @@
         <a:srgbClr val="000000"/>
       </a:buClr>
       <a:buFont typeface="Arial"/>
-      <a:defRPr b="0" i="0" sz="1400" u="none" cap="none" strike="noStrike">
+      <a:defRPr sz="1400" b="0" i="0" u="none" strike="noStrike" cap="none">
         <a:solidFill>
           <a:srgbClr val="000000"/>
         </a:solidFill>
@@ -76,7 +76,7 @@
         <a:sym typeface="Arial"/>
       </a:defRPr>
     </a:lvl2pPr>
-    <a:lvl3pPr lvl="2" marR="0" rtl="0" algn="l">
+    <a:lvl3pPr marR="0" lvl="2" algn="l" rtl="0">
       <a:lnSpc>
         <a:spcPct val="100000"/>
       </a:lnSpc>
@@ -90,7 +90,7 @@
         <a:srgbClr val="000000"/>
       </a:buClr>
       <a:buFont typeface="Arial"/>
-      <a:defRPr b="0" i="0" sz="1400" u="none" cap="none" strike="noStrike">
+      <a:defRPr sz="1400" b="0" i="0" u="none" strike="noStrike" cap="none">
         <a:solidFill>
           <a:srgbClr val="000000"/>
         </a:solidFill>
@@ -100,7 +100,7 @@
         <a:sym typeface="Arial"/>
       </a:defRPr>
     </a:lvl3pPr>
-    <a:lvl4pPr lvl="3" marR="0" rtl="0" algn="l">
+    <a:lvl4pPr marR="0" lvl="3" algn="l" rtl="0">
       <a:lnSpc>
         <a:spcPct val="100000"/>
       </a:lnSpc>
@@ -114,7 +114,7 @@
         <a:srgbClr val="000000"/>
       </a:buClr>
       <a:buFont typeface="Arial"/>
-      <a:defRPr b="0" i="0" sz="1400" u="none" cap="none" strike="noStrike">
+      <a:defRPr sz="1400" b="0" i="0" u="none" strike="noStrike" cap="none">
         <a:solidFill>
           <a:srgbClr val="000000"/>
         </a:solidFill>
@@ -124,7 +124,7 @@
         <a:sym typeface="Arial"/>
       </a:defRPr>
     </a:lvl4pPr>
-    <a:lvl5pPr lvl="4" marR="0" rtl="0" algn="l">
+    <a:lvl5pPr marR="0" lvl="4" algn="l" rtl="0">
       <a:lnSpc>
         <a:spcPct val="100000"/>
       </a:lnSpc>
@@ -138,7 +138,7 @@
         <a:srgbClr val="000000"/>
       </a:buClr>
       <a:buFont typeface="Arial"/>
-      <a:defRPr b="0" i="0" sz="1400" u="none" cap="none" strike="noStrike">
+      <a:defRPr sz="1400" b="0" i="0" u="none" strike="noStrike" cap="none">
         <a:solidFill>
           <a:srgbClr val="000000"/>
         </a:solidFill>
@@ -148,7 +148,7 @@
         <a:sym typeface="Arial"/>
       </a:defRPr>
     </a:lvl5pPr>
-    <a:lvl6pPr lvl="5" marR="0" rtl="0" algn="l">
+    <a:lvl6pPr marR="0" lvl="5" algn="l" rtl="0">
       <a:lnSpc>
         <a:spcPct val="100000"/>
       </a:lnSpc>
@@ -162,7 +162,7 @@
         <a:srgbClr val="000000"/>
       </a:buClr>
       <a:buFont typeface="Arial"/>
-      <a:defRPr b="0" i="0" sz="1400" u="none" cap="none" strike="noStrike">
+      <a:defRPr sz="1400" b="0" i="0" u="none" strike="noStrike" cap="none">
         <a:solidFill>
           <a:srgbClr val="000000"/>
         </a:solidFill>
@@ -172,7 +172,7 @@
         <a:sym typeface="Arial"/>
       </a:defRPr>
     </a:lvl6pPr>
-    <a:lvl7pPr lvl="6" marR="0" rtl="0" algn="l">
+    <a:lvl7pPr marR="0" lvl="6" algn="l" rtl="0">
       <a:lnSpc>
         <a:spcPct val="100000"/>
       </a:lnSpc>
@@ -186,7 +186,7 @@
         <a:srgbClr val="000000"/>
       </a:buClr>
       <a:buFont typeface="Arial"/>
-      <a:defRPr b="0" i="0" sz="1400" u="none" cap="none" strike="noStrike">
+      <a:defRPr sz="1400" b="0" i="0" u="none" strike="noStrike" cap="none">
         <a:solidFill>
           <a:srgbClr val="000000"/>
         </a:solidFill>
@@ -196,7 +196,7 @@
         <a:sym typeface="Arial"/>
       </a:defRPr>
     </a:lvl7pPr>
-    <a:lvl8pPr lvl="7" marR="0" rtl="0" algn="l">
+    <a:lvl8pPr marR="0" lvl="7" algn="l" rtl="0">
       <a:lnSpc>
         <a:spcPct val="100000"/>
       </a:lnSpc>
@@ -210,7 +210,7 @@
         <a:srgbClr val="000000"/>
       </a:buClr>
       <a:buFont typeface="Arial"/>
-      <a:defRPr b="0" i="0" sz="1400" u="none" cap="none" strike="noStrike">
+      <a:defRPr sz="1400" b="0" i="0" u="none" strike="noStrike" cap="none">
         <a:solidFill>
           <a:srgbClr val="000000"/>
         </a:solidFill>
@@ -220,7 +220,7 @@
         <a:sym typeface="Arial"/>
       </a:defRPr>
     </a:lvl8pPr>
-    <a:lvl9pPr lvl="8" marR="0" rtl="0" algn="l">
+    <a:lvl9pPr marR="0" lvl="8" algn="l" rtl="0">
       <a:lnSpc>
         <a:spcPct val="100000"/>
       </a:lnSpc>
@@ -234,7 +234,7 @@
         <a:srgbClr val="000000"/>
       </a:buClr>
       <a:buFont typeface="Arial"/>
-      <a:defRPr b="0" i="0" sz="1400" u="none" cap="none" strike="noStrike">
+      <a:defRPr sz="1400" b="0" i="0" u="none" strike="noStrike" cap="none">
         <a:solidFill>
           <a:srgbClr val="000000"/>
         </a:solidFill>
@@ -247,7 +247,7 @@
   </p:defaultTextStyle>
   <p:extLst>
     <p:ext uri="{EFAFB233-063F-42B5-8137-9DF3F51BA10A}">
-      <p15:sldGuideLst>
+      <p15:sldGuideLst xmlns:p15="http://schemas.microsoft.com/office/powerpoint/2012/main">
         <p15:guide id="1" orient="horz" pos="1620">
           <p15:clr>
             <a:srgbClr val="747775"/>
@@ -265,11 +265,16 @@
 </file>
 
 <file path=ppt/notesMasters/notesMaster1.xml><?xml version="1.0" encoding="utf-8"?>
-<p:notesMaster xmlns:a="http://schemas.openxmlformats.org/drawingml/2006/main" xmlns:r="http://schemas.openxmlformats.org/officeDocument/2006/relationships" xmlns:mc="http://schemas.openxmlformats.org/markup-compatibility/2006" xmlns:mv="urn:schemas-microsoft-com:mac:vml" xmlns:p="http://schemas.openxmlformats.org/presentationml/2006/main" xmlns:c="http://schemas.openxmlformats.org/drawingml/2006/chart" xmlns:dgm="http://schemas.openxmlformats.org/drawingml/2006/diagram" xmlns:o="urn:schemas-microsoft-com:office:office" xmlns:v="urn:schemas-microsoft-com:vml" xmlns:pvml="urn:schemas-microsoft-com:office:powerpoint" xmlns:com="http://schemas.openxmlformats.org/drawingml/2006/compatibility" xmlns:p14="http://schemas.microsoft.com/office/powerpoint/2010/main" xmlns:p15="http://schemas.microsoft.com/office/powerpoint/2012/main" xmlns:ahyp="http://schemas.microsoft.com/office/drawing/2018/hyperlinkcolor">
+<p:notesMaster xmlns:a="http://schemas.openxmlformats.org/drawingml/2006/main" xmlns:r="http://schemas.openxmlformats.org/officeDocument/2006/relationships" xmlns:p="http://schemas.openxmlformats.org/presentationml/2006/main">
   <p:cSld>
+    <p:bg>
+      <p:bgRef idx="1001">
+        <a:schemeClr val="bg1"/>
+      </p:bgRef>
+    </p:bg>
     <p:spTree>
       <p:nvGrpSpPr>
-        <p:cNvPr id="2" name="Shape 2"/>
+        <p:cNvPr id="1" name="Shape 2"/>
         <p:cNvGrpSpPr/>
         <p:nvPr/>
       </p:nvGrpSpPr>
@@ -284,9 +289,11 @@
       <p:sp>
         <p:nvSpPr>
           <p:cNvPr id="3" name="Google Shape;3;n"/>
-          <p:cNvSpPr/>
+          <p:cNvSpPr>
+            <a:spLocks noGrp="1" noRot="1" noChangeAspect="1"/>
+          </p:cNvSpPr>
           <p:nvPr>
-            <p:ph idx="2" type="sldImg"/>
+            <p:ph type="sldImg" idx="2"/>
           </p:nvPr>
         </p:nvSpPr>
         <p:spPr>
@@ -295,9 +302,13 @@
             <a:ext cx="6096075" cy="3429000"/>
           </a:xfrm>
           <a:custGeom>
-            <a:rect b="b" l="l" r="r" t="t"/>
+            <a:avLst/>
+            <a:gdLst/>
+            <a:ahLst/>
+            <a:cxnLst/>
+            <a:rect l="l" t="t" r="r" b="b"/>
             <a:pathLst>
-              <a:path extrusionOk="0" h="120000" w="120000">
+              <a:path w="120000" h="120000" extrusionOk="0">
                 <a:moveTo>
                   <a:pt x="0" y="0"/>
                 </a:moveTo>
@@ -315,23 +326,25 @@
             </a:pathLst>
           </a:custGeom>
           <a:noFill/>
-          <a:ln cap="flat" cmpd="sng" w="9525">
+          <a:ln w="9525" cap="flat" cmpd="sng">
             <a:solidFill>
               <a:srgbClr val="000000"/>
             </a:solidFill>
             <a:prstDash val="solid"/>
             <a:round/>
-            <a:headEnd len="sm" w="sm" type="none"/>
-            <a:tailEnd len="sm" w="sm" type="none"/>
+            <a:headEnd type="none" w="sm" len="sm"/>
+            <a:tailEnd type="none" w="sm" len="sm"/>
           </a:ln>
         </p:spPr>
       </p:sp>
       <p:sp>
         <p:nvSpPr>
           <p:cNvPr id="4" name="Google Shape;4;n"/>
-          <p:cNvSpPr txBox="1"/>
+          <p:cNvSpPr txBox="1">
+            <a:spLocks noGrp="1"/>
+          </p:cNvSpPr>
           <p:nvPr>
-            <p:ph idx="1" type="body"/>
+            <p:ph type="body" idx="1"/>
           </p:nvPr>
         </p:nvSpPr>
         <p:spPr>
@@ -348,11 +361,11 @@
           </a:ln>
         </p:spPr>
         <p:txBody>
-          <a:bodyPr anchorCtr="0" anchor="t" bIns="91425" lIns="91425" spcFirstLastPara="1" rIns="91425" wrap="square" tIns="91425">
+          <a:bodyPr spcFirstLastPara="1" wrap="square" lIns="91425" tIns="91425" rIns="91425" bIns="91425" anchor="t" anchorCtr="0">
             <a:noAutofit/>
           </a:bodyPr>
           <a:lstStyle>
-            <a:lvl1pPr indent="-298450" lvl="0" marL="457200">
+            <a:lvl1pPr marL="457200" lvl="0" indent="-298450">
               <a:spcBef>
                 <a:spcPts val="0"/>
               </a:spcBef>
@@ -363,7 +376,7 @@
               <a:buChar char="●"/>
               <a:defRPr sz="1100"/>
             </a:lvl1pPr>
-            <a:lvl2pPr indent="-298450" lvl="1" marL="914400">
+            <a:lvl2pPr marL="914400" lvl="1" indent="-298450">
               <a:spcBef>
                 <a:spcPts val="0"/>
               </a:spcBef>
@@ -374,7 +387,7 @@
               <a:buChar char="○"/>
               <a:defRPr sz="1100"/>
             </a:lvl2pPr>
-            <a:lvl3pPr indent="-298450" lvl="2" marL="1371600">
+            <a:lvl3pPr marL="1371600" lvl="2" indent="-298450">
               <a:spcBef>
                 <a:spcPts val="0"/>
               </a:spcBef>
@@ -385,7 +398,7 @@
               <a:buChar char="■"/>
               <a:defRPr sz="1100"/>
             </a:lvl3pPr>
-            <a:lvl4pPr indent="-298450" lvl="3" marL="1828800">
+            <a:lvl4pPr marL="1828800" lvl="3" indent="-298450">
               <a:spcBef>
                 <a:spcPts val="0"/>
               </a:spcBef>
@@ -396,7 +409,7 @@
               <a:buChar char="●"/>
               <a:defRPr sz="1100"/>
             </a:lvl4pPr>
-            <a:lvl5pPr indent="-298450" lvl="4" marL="2286000">
+            <a:lvl5pPr marL="2286000" lvl="4" indent="-298450">
               <a:spcBef>
                 <a:spcPts val="0"/>
               </a:spcBef>
@@ -407,7 +420,7 @@
               <a:buChar char="○"/>
               <a:defRPr sz="1100"/>
             </a:lvl5pPr>
-            <a:lvl6pPr indent="-298450" lvl="5" marL="2743200">
+            <a:lvl6pPr marL="2743200" lvl="5" indent="-298450">
               <a:spcBef>
                 <a:spcPts val="0"/>
               </a:spcBef>
@@ -418,7 +431,7 @@
               <a:buChar char="■"/>
               <a:defRPr sz="1100"/>
             </a:lvl6pPr>
-            <a:lvl7pPr indent="-298450" lvl="6" marL="3200400">
+            <a:lvl7pPr marL="3200400" lvl="6" indent="-298450">
               <a:spcBef>
                 <a:spcPts val="0"/>
               </a:spcBef>
@@ -429,7 +442,7 @@
               <a:buChar char="●"/>
               <a:defRPr sz="1100"/>
             </a:lvl7pPr>
-            <a:lvl8pPr indent="-298450" lvl="7" marL="3657600">
+            <a:lvl8pPr marL="3657600" lvl="7" indent="-298450">
               <a:spcBef>
                 <a:spcPts val="0"/>
               </a:spcBef>
@@ -440,7 +453,7 @@
               <a:buChar char="○"/>
               <a:defRPr sz="1100"/>
             </a:lvl8pPr>
-            <a:lvl9pPr indent="-298450" lvl="8" marL="4114800">
+            <a:lvl9pPr marL="4114800" lvl="8" indent="-298450">
               <a:spcBef>
                 <a:spcPts val="0"/>
               </a:spcBef>
@@ -452,14 +465,16 @@
               <a:defRPr sz="1100"/>
             </a:lvl9pPr>
           </a:lstStyle>
-          <a:p/>
+          <a:p>
+            <a:endParaRPr/>
+          </a:p>
         </p:txBody>
       </p:sp>
     </p:spTree>
   </p:cSld>
-  <p:clrMap accent1="accent1" accent2="accent2" accent3="accent3" accent4="accent4" accent5="accent5" accent6="accent6" bg1="lt1" bg2="dk2" tx1="dk1" tx2="lt2" folHlink="folHlink" hlink="hlink"/>
+  <p:clrMap bg1="lt1" tx1="dk1" bg2="dk2" tx2="lt2" accent1="accent1" accent2="accent2" accent3="accent3" accent4="accent4" accent5="accent5" accent6="accent6" hlink="hlink" folHlink="folHlink"/>
   <p:notesStyle>
-    <a:defPPr lvl="0" marR="0" rtl="0" algn="l">
+    <a:defPPr marR="0" lvl="0" algn="l" rtl="0">
       <a:lnSpc>
         <a:spcPct val="100000"/>
       </a:lnSpc>
@@ -470,7 +485,7 @@
         <a:spcPts val="0"/>
       </a:spcAft>
     </a:defPPr>
-    <a:lvl1pPr lvl="0" marR="0" rtl="0" algn="l">
+    <a:lvl1pPr marR="0" lvl="0" algn="l" rtl="0">
       <a:lnSpc>
         <a:spcPct val="100000"/>
       </a:lnSpc>
@@ -484,7 +499,7 @@
         <a:srgbClr val="000000"/>
       </a:buClr>
       <a:buFont typeface="Arial"/>
-      <a:defRPr b="0" i="0" sz="1400" u="none" cap="none" strike="noStrike">
+      <a:defRPr sz="1400" b="0" i="0" u="none" strike="noStrike" cap="none">
         <a:solidFill>
           <a:srgbClr val="000000"/>
         </a:solidFill>
@@ -494,7 +509,7 @@
         <a:sym typeface="Arial"/>
       </a:defRPr>
     </a:lvl1pPr>
-    <a:lvl2pPr lvl="1" marR="0" rtl="0" algn="l">
+    <a:lvl2pPr marR="0" lvl="1" algn="l" rtl="0">
       <a:lnSpc>
         <a:spcPct val="100000"/>
       </a:lnSpc>
@@ -508,7 +523,7 @@
         <a:srgbClr val="000000"/>
       </a:buClr>
       <a:buFont typeface="Arial"/>
-      <a:defRPr b="0" i="0" sz="1400" u="none" cap="none" strike="noStrike">
+      <a:defRPr sz="1400" b="0" i="0" u="none" strike="noStrike" cap="none">
         <a:solidFill>
           <a:srgbClr val="000000"/>
         </a:solidFill>
@@ -518,7 +533,7 @@
         <a:sym typeface="Arial"/>
       </a:defRPr>
     </a:lvl2pPr>
-    <a:lvl3pPr lvl="2" marR="0" rtl="0" algn="l">
+    <a:lvl3pPr marR="0" lvl="2" algn="l" rtl="0">
       <a:lnSpc>
         <a:spcPct val="100000"/>
       </a:lnSpc>
@@ -532,7 +547,7 @@
         <a:srgbClr val="000000"/>
       </a:buClr>
       <a:buFont typeface="Arial"/>
-      <a:defRPr b="0" i="0" sz="1400" u="none" cap="none" strike="noStrike">
+      <a:defRPr sz="1400" b="0" i="0" u="none" strike="noStrike" cap="none">
         <a:solidFill>
           <a:srgbClr val="000000"/>
         </a:solidFill>
@@ -542,7 +557,7 @@
         <a:sym typeface="Arial"/>
       </a:defRPr>
     </a:lvl3pPr>
-    <a:lvl4pPr lvl="3" marR="0" rtl="0" algn="l">
+    <a:lvl4pPr marR="0" lvl="3" algn="l" rtl="0">
       <a:lnSpc>
         <a:spcPct val="100000"/>
       </a:lnSpc>
@@ -556,7 +571,7 @@
         <a:srgbClr val="000000"/>
       </a:buClr>
       <a:buFont typeface="Arial"/>
-      <a:defRPr b="0" i="0" sz="1400" u="none" cap="none" strike="noStrike">
+      <a:defRPr sz="1400" b="0" i="0" u="none" strike="noStrike" cap="none">
         <a:solidFill>
           <a:srgbClr val="000000"/>
         </a:solidFill>
@@ -566,7 +581,7 @@
         <a:sym typeface="Arial"/>
       </a:defRPr>
     </a:lvl4pPr>
-    <a:lvl5pPr lvl="4" marR="0" rtl="0" algn="l">
+    <a:lvl5pPr marR="0" lvl="4" algn="l" rtl="0">
       <a:lnSpc>
         <a:spcPct val="100000"/>
       </a:lnSpc>
@@ -580,7 +595,7 @@
         <a:srgbClr val="000000"/>
       </a:buClr>
       <a:buFont typeface="Arial"/>
-      <a:defRPr b="0" i="0" sz="1400" u="none" cap="none" strike="noStrike">
+      <a:defRPr sz="1400" b="0" i="0" u="none" strike="noStrike" cap="none">
         <a:solidFill>
           <a:srgbClr val="000000"/>
         </a:solidFill>
@@ -590,7 +605,7 @@
         <a:sym typeface="Arial"/>
       </a:defRPr>
     </a:lvl5pPr>
-    <a:lvl6pPr lvl="5" marR="0" rtl="0" algn="l">
+    <a:lvl6pPr marR="0" lvl="5" algn="l" rtl="0">
       <a:lnSpc>
         <a:spcPct val="100000"/>
       </a:lnSpc>
@@ -604,7 +619,7 @@
         <a:srgbClr val="000000"/>
       </a:buClr>
       <a:buFont typeface="Arial"/>
-      <a:defRPr b="0" i="0" sz="1400" u="none" cap="none" strike="noStrike">
+      <a:defRPr sz="1400" b="0" i="0" u="none" strike="noStrike" cap="none">
         <a:solidFill>
           <a:srgbClr val="000000"/>
         </a:solidFill>
@@ -614,7 +629,7 @@
         <a:sym typeface="Arial"/>
       </a:defRPr>
     </a:lvl6pPr>
-    <a:lvl7pPr lvl="6" marR="0" rtl="0" algn="l">
+    <a:lvl7pPr marR="0" lvl="6" algn="l" rtl="0">
       <a:lnSpc>
         <a:spcPct val="100000"/>
       </a:lnSpc>
@@ -628,7 +643,7 @@
         <a:srgbClr val="000000"/>
       </a:buClr>
       <a:buFont typeface="Arial"/>
-      <a:defRPr b="0" i="0" sz="1400" u="none" cap="none" strike="noStrike">
+      <a:defRPr sz="1400" b="0" i="0" u="none" strike="noStrike" cap="none">
         <a:solidFill>
           <a:srgbClr val="000000"/>
         </a:solidFill>
@@ -638,7 +653,7 @@
         <a:sym typeface="Arial"/>
       </a:defRPr>
     </a:lvl7pPr>
-    <a:lvl8pPr lvl="7" marR="0" rtl="0" algn="l">
+    <a:lvl8pPr marR="0" lvl="7" algn="l" rtl="0">
       <a:lnSpc>
         <a:spcPct val="100000"/>
       </a:lnSpc>
@@ -652,7 +667,7 @@
         <a:srgbClr val="000000"/>
       </a:buClr>
       <a:buFont typeface="Arial"/>
-      <a:defRPr b="0" i="0" sz="1400" u="none" cap="none" strike="noStrike">
+      <a:defRPr sz="1400" b="0" i="0" u="none" strike="noStrike" cap="none">
         <a:solidFill>
           <a:srgbClr val="000000"/>
         </a:solidFill>
@@ -662,7 +677,7 @@
         <a:sym typeface="Arial"/>
       </a:defRPr>
     </a:lvl8pPr>
-    <a:lvl9pPr lvl="8" marR="0" rtl="0" algn="l">
+    <a:lvl9pPr marR="0" lvl="8" algn="l" rtl="0">
       <a:lnSpc>
         <a:spcPct val="100000"/>
       </a:lnSpc>
@@ -676,7 +691,7 @@
         <a:srgbClr val="000000"/>
       </a:buClr>
       <a:buFont typeface="Arial"/>
-      <a:defRPr b="0" i="0" sz="1400" u="none" cap="none" strike="noStrike">
+      <a:defRPr sz="1400" b="0" i="0" u="none" strike="noStrike" cap="none">
         <a:solidFill>
           <a:srgbClr val="000000"/>
         </a:solidFill>
@@ -691,11 +706,11 @@
 </file>
 
 <file path=ppt/notesSlides/notesSlide1.xml><?xml version="1.0" encoding="utf-8"?>
-<p:notes xmlns:a="http://schemas.openxmlformats.org/drawingml/2006/main" xmlns:r="http://schemas.openxmlformats.org/officeDocument/2006/relationships" xmlns:mc="http://schemas.openxmlformats.org/markup-compatibility/2006" xmlns:mv="urn:schemas-microsoft-com:mac:vml" xmlns:p="http://schemas.openxmlformats.org/presentationml/2006/main" xmlns:c="http://schemas.openxmlformats.org/drawingml/2006/chart" xmlns:dgm="http://schemas.openxmlformats.org/drawingml/2006/diagram" xmlns:o="urn:schemas-microsoft-com:office:office" xmlns:v="urn:schemas-microsoft-com:vml" xmlns:pvml="urn:schemas-microsoft-com:office:powerpoint" xmlns:com="http://schemas.openxmlformats.org/drawingml/2006/compatibility" xmlns:p14="http://schemas.microsoft.com/office/powerpoint/2010/main" xmlns:p15="http://schemas.microsoft.com/office/powerpoint/2012/main" xmlns:ahyp="http://schemas.microsoft.com/office/drawing/2018/hyperlinkcolor" showMasterPhAnim="0" showMasterSp="0">
+<p:notes xmlns:a="http://schemas.openxmlformats.org/drawingml/2006/main" xmlns:r="http://schemas.openxmlformats.org/officeDocument/2006/relationships" xmlns:p="http://schemas.openxmlformats.org/presentationml/2006/main" showMasterSp="0" showMasterPhAnim="0">
   <p:cSld>
     <p:spTree>
       <p:nvGrpSpPr>
-        <p:cNvPr id="50" name="Shape 50"/>
+        <p:cNvPr id="1" name="Shape 50"/>
         <p:cNvGrpSpPr/>
         <p:nvPr/>
       </p:nvGrpSpPr>
@@ -710,9 +725,11 @@
       <p:sp>
         <p:nvSpPr>
           <p:cNvPr id="51" name="Google Shape;51;g34147cedfce_0_1:notes"/>
-          <p:cNvSpPr/>
+          <p:cNvSpPr>
+            <a:spLocks noGrp="1" noRot="1" noChangeAspect="1"/>
+          </p:cNvSpPr>
           <p:nvPr>
-            <p:ph idx="2" type="sldImg"/>
+            <p:ph type="sldImg" idx="2"/>
           </p:nvPr>
         </p:nvSpPr>
         <p:spPr>
@@ -721,9 +738,13 @@
             <a:ext cx="6096000" cy="3429000"/>
           </a:xfrm>
           <a:custGeom>
-            <a:rect b="b" l="l" r="r" t="t"/>
+            <a:avLst/>
+            <a:gdLst/>
+            <a:ahLst/>
+            <a:cxnLst/>
+            <a:rect l="l" t="t" r="r" b="b"/>
             <a:pathLst>
-              <a:path extrusionOk="0" h="120000" w="120000">
+              <a:path w="120000" h="120000" extrusionOk="0">
                 <a:moveTo>
                   <a:pt x="0" y="0"/>
                 </a:moveTo>
@@ -745,9 +766,11 @@
       <p:sp>
         <p:nvSpPr>
           <p:cNvPr id="52" name="Google Shape;52;g34147cedfce_0_1:notes"/>
-          <p:cNvSpPr txBox="1"/>
+          <p:cNvSpPr txBox="1">
+            <a:spLocks noGrp="1"/>
+          </p:cNvSpPr>
           <p:nvPr>
-            <p:ph idx="1" type="body"/>
+            <p:ph type="body" idx="1"/>
           </p:nvPr>
         </p:nvSpPr>
         <p:spPr>
@@ -760,12 +783,12 @@
           </a:prstGeom>
         </p:spPr>
         <p:txBody>
-          <a:bodyPr anchorCtr="0" anchor="t" bIns="91425" lIns="91425" spcFirstLastPara="1" rIns="91425" wrap="square" tIns="91425">
+          <a:bodyPr spcFirstLastPara="1" wrap="square" lIns="91425" tIns="91425" rIns="91425" bIns="91425" anchor="t" anchorCtr="0">
             <a:noAutofit/>
           </a:bodyPr>
           <a:lstStyle/>
           <a:p>
-            <a:pPr indent="0" lvl="0" marL="0" rtl="0" algn="l">
+            <a:pPr marL="0" lvl="0" indent="0" algn="l" rtl="0">
               <a:spcBef>
                 <a:spcPts val="0"/>
               </a:spcBef>
@@ -781,7 +804,7 @@
             <a:endParaRPr/>
           </a:p>
           <a:p>
-            <a:pPr indent="0" lvl="0" marL="0" rtl="0" algn="l">
+            <a:pPr marL="0" lvl="0" indent="0" algn="l" rtl="0">
               <a:spcBef>
                 <a:spcPts val="0"/>
               </a:spcBef>
@@ -807,11 +830,11 @@
 </file>
 
 <file path=ppt/notesSlides/notesSlide2.xml><?xml version="1.0" encoding="utf-8"?>
-<p:notes xmlns:a="http://schemas.openxmlformats.org/drawingml/2006/main" xmlns:r="http://schemas.openxmlformats.org/officeDocument/2006/relationships" xmlns:mc="http://schemas.openxmlformats.org/markup-compatibility/2006" xmlns:mv="urn:schemas-microsoft-com:mac:vml" xmlns:p="http://schemas.openxmlformats.org/presentationml/2006/main" xmlns:c="http://schemas.openxmlformats.org/drawingml/2006/chart" xmlns:dgm="http://schemas.openxmlformats.org/drawingml/2006/diagram" xmlns:o="urn:schemas-microsoft-com:office:office" xmlns:v="urn:schemas-microsoft-com:vml" xmlns:pvml="urn:schemas-microsoft-com:office:powerpoint" xmlns:com="http://schemas.openxmlformats.org/drawingml/2006/compatibility" xmlns:p14="http://schemas.microsoft.com/office/powerpoint/2010/main" xmlns:p15="http://schemas.microsoft.com/office/powerpoint/2012/main" xmlns:ahyp="http://schemas.microsoft.com/office/drawing/2018/hyperlinkcolor" showMasterPhAnim="0" showMasterSp="0">
+<p:notes xmlns:a="http://schemas.openxmlformats.org/drawingml/2006/main" xmlns:r="http://schemas.openxmlformats.org/officeDocument/2006/relationships" xmlns:p="http://schemas.openxmlformats.org/presentationml/2006/main" showMasterSp="0" showMasterPhAnim="0">
   <p:cSld>
     <p:spTree>
       <p:nvGrpSpPr>
-        <p:cNvPr id="54" name="Shape 54"/>
+        <p:cNvPr id="1" name="Shape 54"/>
         <p:cNvGrpSpPr/>
         <p:nvPr/>
       </p:nvGrpSpPr>
@@ -826,9 +849,11 @@
       <p:sp>
         <p:nvSpPr>
           <p:cNvPr id="55" name="Google Shape;55;g34147cedfce_0_9:notes"/>
-          <p:cNvSpPr/>
+          <p:cNvSpPr>
+            <a:spLocks noGrp="1" noRot="1" noChangeAspect="1"/>
+          </p:cNvSpPr>
           <p:nvPr>
-            <p:ph idx="2" type="sldImg"/>
+            <p:ph type="sldImg" idx="2"/>
           </p:nvPr>
         </p:nvSpPr>
         <p:spPr>
@@ -837,9 +862,13 @@
             <a:ext cx="6096000" cy="3429000"/>
           </a:xfrm>
           <a:custGeom>
-            <a:rect b="b" l="l" r="r" t="t"/>
+            <a:avLst/>
+            <a:gdLst/>
+            <a:ahLst/>
+            <a:cxnLst/>
+            <a:rect l="l" t="t" r="r" b="b"/>
             <a:pathLst>
-              <a:path extrusionOk="0" h="120000" w="120000">
+              <a:path w="120000" h="120000" extrusionOk="0">
                 <a:moveTo>
                   <a:pt x="0" y="0"/>
                 </a:moveTo>
@@ -861,9 +890,11 @@
       <p:sp>
         <p:nvSpPr>
           <p:cNvPr id="56" name="Google Shape;56;g34147cedfce_0_9:notes"/>
-          <p:cNvSpPr txBox="1"/>
+          <p:cNvSpPr txBox="1">
+            <a:spLocks noGrp="1"/>
+          </p:cNvSpPr>
           <p:nvPr>
-            <p:ph idx="1" type="body"/>
+            <p:ph type="body" idx="1"/>
           </p:nvPr>
         </p:nvSpPr>
         <p:spPr>
@@ -876,12 +907,12 @@
           </a:prstGeom>
         </p:spPr>
         <p:txBody>
-          <a:bodyPr anchorCtr="0" anchor="t" bIns="91425" lIns="91425" spcFirstLastPara="1" rIns="91425" wrap="square" tIns="91425">
+          <a:bodyPr spcFirstLastPara="1" wrap="square" lIns="91425" tIns="91425" rIns="91425" bIns="91425" anchor="t" anchorCtr="0">
             <a:noAutofit/>
           </a:bodyPr>
           <a:lstStyle/>
           <a:p>
-            <a:pPr indent="0" lvl="0" marL="0" rtl="0" algn="l">
+            <a:pPr marL="0" lvl="0" indent="0" algn="l" rtl="0">
               <a:spcBef>
                 <a:spcPts val="0"/>
               </a:spcBef>
@@ -907,11 +938,11 @@
 </file>
 
 <file path=ppt/notesSlides/notesSlide3.xml><?xml version="1.0" encoding="utf-8"?>
-<p:notes xmlns:a="http://schemas.openxmlformats.org/drawingml/2006/main" xmlns:r="http://schemas.openxmlformats.org/officeDocument/2006/relationships" xmlns:mc="http://schemas.openxmlformats.org/markup-compatibility/2006" xmlns:mv="urn:schemas-microsoft-com:mac:vml" xmlns:p="http://schemas.openxmlformats.org/presentationml/2006/main" xmlns:c="http://schemas.openxmlformats.org/drawingml/2006/chart" xmlns:dgm="http://schemas.openxmlformats.org/drawingml/2006/diagram" xmlns:o="urn:schemas-microsoft-com:office:office" xmlns:v="urn:schemas-microsoft-com:vml" xmlns:pvml="urn:schemas-microsoft-com:office:powerpoint" xmlns:com="http://schemas.openxmlformats.org/drawingml/2006/compatibility" xmlns:p14="http://schemas.microsoft.com/office/powerpoint/2010/main" xmlns:p15="http://schemas.microsoft.com/office/powerpoint/2012/main" xmlns:ahyp="http://schemas.microsoft.com/office/drawing/2018/hyperlinkcolor" showMasterPhAnim="0" showMasterSp="0">
+<p:notes xmlns:a="http://schemas.openxmlformats.org/drawingml/2006/main" xmlns:r="http://schemas.openxmlformats.org/officeDocument/2006/relationships" xmlns:p="http://schemas.openxmlformats.org/presentationml/2006/main" showMasterSp="0" showMasterPhAnim="0">
   <p:cSld>
     <p:spTree>
       <p:nvGrpSpPr>
-        <p:cNvPr id="59" name="Shape 59"/>
+        <p:cNvPr id="1" name="Shape 59"/>
         <p:cNvGrpSpPr/>
         <p:nvPr/>
       </p:nvGrpSpPr>
@@ -926,9 +957,11 @@
       <p:sp>
         <p:nvSpPr>
           <p:cNvPr id="60" name="Google Shape;60;g34147cedfce_0_6:notes"/>
-          <p:cNvSpPr/>
+          <p:cNvSpPr>
+            <a:spLocks noGrp="1" noRot="1" noChangeAspect="1"/>
+          </p:cNvSpPr>
           <p:nvPr>
-            <p:ph idx="2" type="sldImg"/>
+            <p:ph type="sldImg" idx="2"/>
           </p:nvPr>
         </p:nvSpPr>
         <p:spPr>
@@ -937,9 +970,13 @@
             <a:ext cx="6096000" cy="3429000"/>
           </a:xfrm>
           <a:custGeom>
-            <a:rect b="b" l="l" r="r" t="t"/>
+            <a:avLst/>
+            <a:gdLst/>
+            <a:ahLst/>
+            <a:cxnLst/>
+            <a:rect l="l" t="t" r="r" b="b"/>
             <a:pathLst>
-              <a:path extrusionOk="0" h="120000" w="120000">
+              <a:path w="120000" h="120000" extrusionOk="0">
                 <a:moveTo>
                   <a:pt x="0" y="0"/>
                 </a:moveTo>
@@ -961,9 +998,11 @@
       <p:sp>
         <p:nvSpPr>
           <p:cNvPr id="61" name="Google Shape;61;g34147cedfce_0_6:notes"/>
-          <p:cNvSpPr txBox="1"/>
+          <p:cNvSpPr txBox="1">
+            <a:spLocks noGrp="1"/>
+          </p:cNvSpPr>
           <p:nvPr>
-            <p:ph idx="1" type="body"/>
+            <p:ph type="body" idx="1"/>
           </p:nvPr>
         </p:nvSpPr>
         <p:spPr>
@@ -976,12 +1015,12 @@
           </a:prstGeom>
         </p:spPr>
         <p:txBody>
-          <a:bodyPr anchorCtr="0" anchor="t" bIns="91425" lIns="91425" spcFirstLastPara="1" rIns="91425" wrap="square" tIns="91425">
+          <a:bodyPr spcFirstLastPara="1" wrap="square" lIns="91425" tIns="91425" rIns="91425" bIns="91425" anchor="t" anchorCtr="0">
             <a:noAutofit/>
           </a:bodyPr>
           <a:lstStyle/>
           <a:p>
-            <a:pPr indent="0" lvl="0" marL="0" rtl="0" algn="l">
+            <a:pPr marL="0" lvl="0" indent="0" algn="l" rtl="0">
               <a:spcBef>
                 <a:spcPts val="0"/>
               </a:spcBef>
@@ -1007,11 +1046,11 @@
 </file>
 
 <file path=ppt/notesSlides/notesSlide4.xml><?xml version="1.0" encoding="utf-8"?>
-<p:notes xmlns:a="http://schemas.openxmlformats.org/drawingml/2006/main" xmlns:r="http://schemas.openxmlformats.org/officeDocument/2006/relationships" xmlns:mc="http://schemas.openxmlformats.org/markup-compatibility/2006" xmlns:mv="urn:schemas-microsoft-com:mac:vml" xmlns:p="http://schemas.openxmlformats.org/presentationml/2006/main" xmlns:c="http://schemas.openxmlformats.org/drawingml/2006/chart" xmlns:dgm="http://schemas.openxmlformats.org/drawingml/2006/diagram" xmlns:o="urn:schemas-microsoft-com:office:office" xmlns:v="urn:schemas-microsoft-com:vml" xmlns:pvml="urn:schemas-microsoft-com:office:powerpoint" xmlns:com="http://schemas.openxmlformats.org/drawingml/2006/compatibility" xmlns:p14="http://schemas.microsoft.com/office/powerpoint/2010/main" xmlns:p15="http://schemas.microsoft.com/office/powerpoint/2012/main" xmlns:ahyp="http://schemas.microsoft.com/office/drawing/2018/hyperlinkcolor" showMasterPhAnim="0" showMasterSp="0">
+<p:notes xmlns:a="http://schemas.openxmlformats.org/drawingml/2006/main" xmlns:r="http://schemas.openxmlformats.org/officeDocument/2006/relationships" xmlns:p="http://schemas.openxmlformats.org/presentationml/2006/main" showMasterSp="0" showMasterPhAnim="0">
   <p:cSld>
     <p:spTree>
       <p:nvGrpSpPr>
-        <p:cNvPr id="63" name="Shape 63"/>
+        <p:cNvPr id="1" name="Shape 63"/>
         <p:cNvGrpSpPr/>
         <p:nvPr/>
       </p:nvGrpSpPr>
@@ -1026,20 +1065,26 @@
       <p:sp>
         <p:nvSpPr>
           <p:cNvPr id="64" name="Google Shape;64;g34147cedfce_0_16:notes"/>
-          <p:cNvSpPr/>
+          <p:cNvSpPr>
+            <a:spLocks noGrp="1" noRot="1" noChangeAspect="1"/>
+          </p:cNvSpPr>
           <p:nvPr>
-            <p:ph idx="2" type="sldImg"/>
+            <p:ph type="sldImg" idx="2"/>
           </p:nvPr>
         </p:nvSpPr>
         <p:spPr>
           <a:xfrm>
-            <a:off x="381300" y="685800"/>
+            <a:off x="381000" y="685800"/>
             <a:ext cx="6096000" cy="3429000"/>
           </a:xfrm>
           <a:custGeom>
-            <a:rect b="b" l="l" r="r" t="t"/>
+            <a:avLst/>
+            <a:gdLst/>
+            <a:ahLst/>
+            <a:cxnLst/>
+            <a:rect l="l" t="t" r="r" b="b"/>
             <a:pathLst>
-              <a:path extrusionOk="0" h="120000" w="120000">
+              <a:path w="120000" h="120000" extrusionOk="0">
                 <a:moveTo>
                   <a:pt x="0" y="0"/>
                 </a:moveTo>
@@ -1061,9 +1106,11 @@
       <p:sp>
         <p:nvSpPr>
           <p:cNvPr id="65" name="Google Shape;65;g34147cedfce_0_16:notes"/>
-          <p:cNvSpPr txBox="1"/>
+          <p:cNvSpPr txBox="1">
+            <a:spLocks noGrp="1"/>
+          </p:cNvSpPr>
           <p:nvPr>
-            <p:ph idx="1" type="body"/>
+            <p:ph type="body" idx="1"/>
           </p:nvPr>
         </p:nvSpPr>
         <p:spPr>
@@ -1076,12 +1123,12 @@
           </a:prstGeom>
         </p:spPr>
         <p:txBody>
-          <a:bodyPr anchorCtr="0" anchor="t" bIns="91425" lIns="91425" spcFirstLastPara="1" rIns="91425" wrap="square" tIns="91425">
+          <a:bodyPr spcFirstLastPara="1" wrap="square" lIns="91425" tIns="91425" rIns="91425" bIns="91425" anchor="t" anchorCtr="0">
             <a:noAutofit/>
           </a:bodyPr>
           <a:lstStyle/>
           <a:p>
-            <a:pPr indent="0" lvl="0" marL="0" rtl="0" algn="l">
+            <a:pPr marL="0" lvl="0" indent="0" algn="l" rtl="0">
               <a:lnSpc>
                 <a:spcPct val="100000"/>
               </a:lnSpc>
@@ -1094,29 +1141,21 @@
               <a:buNone/>
             </a:pPr>
             <a:r>
-              <a:rPr lang="en" sz="1000">
+              <a:rPr lang="en" sz="1000" dirty="0">
                 <a:solidFill>
                   <a:schemeClr val="dk1"/>
                 </a:solidFill>
               </a:rPr>
-              <a:t>Then, y</a:t>
+              <a:t>Then, you will see 2 shapes on either side, with a white line dividing them. [ANIMATE] These shapes can appear in either order.</a:t>
             </a:r>
-            <a:r>
-              <a:rPr lang="en" sz="1000">
-                <a:solidFill>
-                  <a:schemeClr val="dk1"/>
-                </a:solidFill>
-              </a:rPr>
-              <a:t>ou will see 2 shapes on either side, with a white line dividing them. [ANIMATE] These shapes can appear in either order.</a:t>
-            </a:r>
-            <a:endParaRPr sz="1000">
+            <a:endParaRPr sz="1000" dirty="0">
               <a:solidFill>
                 <a:schemeClr val="dk1"/>
               </a:solidFill>
             </a:endParaRPr>
           </a:p>
           <a:p>
-            <a:pPr indent="0" lvl="0" marL="0" rtl="0" algn="l">
+            <a:pPr marL="0" lvl="0" indent="0" algn="l" rtl="0">
               <a:lnSpc>
                 <a:spcPct val="100000"/>
               </a:lnSpc>
@@ -1129,21 +1168,21 @@
               <a:buNone/>
             </a:pPr>
             <a:r>
-              <a:rPr lang="en" sz="1000">
+              <a:rPr lang="en" sz="1000" dirty="0">
                 <a:solidFill>
                   <a:schemeClr val="dk1"/>
                 </a:solidFill>
               </a:rPr>
               <a:t>The divider can appear in one of the 3 positions: in the middle, closer to Shape1 [ANIMATE], or closer to Shape2 [ANIMATE].</a:t>
             </a:r>
-            <a:endParaRPr sz="1000">
+            <a:endParaRPr sz="1000" dirty="0">
               <a:solidFill>
                 <a:schemeClr val="dk1"/>
               </a:solidFill>
             </a:endParaRPr>
           </a:p>
           <a:p>
-            <a:pPr indent="0" lvl="0" marL="0" rtl="0" algn="l">
+            <a:pPr marL="0" lvl="0" indent="0" algn="l" rtl="0">
               <a:lnSpc>
                 <a:spcPct val="100000"/>
               </a:lnSpc>
@@ -1155,17 +1194,14 @@
               </a:spcAft>
               <a:buNone/>
             </a:pPr>
-            <a:r>
-              <a:t/>
-            </a:r>
-            <a:endParaRPr sz="1000">
+            <a:endParaRPr sz="1000" dirty="0">
               <a:solidFill>
                 <a:schemeClr val="dk1"/>
               </a:solidFill>
             </a:endParaRPr>
           </a:p>
           <a:p>
-            <a:pPr indent="0" lvl="0" marL="0" rtl="0" algn="l">
+            <a:pPr marL="0" lvl="0" indent="0" algn="l" rtl="0">
               <a:lnSpc>
                 <a:spcPct val="100000"/>
               </a:lnSpc>
@@ -1178,7 +1214,7 @@
               <a:buNone/>
             </a:pPr>
             <a:r>
-              <a:rPr lang="en" sz="1000">
+              <a:rPr lang="en" sz="1000" dirty="0">
                 <a:solidFill>
                   <a:schemeClr val="dk1"/>
                 </a:solidFill>
@@ -1186,7 +1222,7 @@
               <a:t>[ANIMATE] You will also see a marker at a random location. You have to move the marker to where you think the target shape, which you saw previously, falls on the horizontal line, based on its similarity to either shape. You can use left &amp; right keys to move the marker, and the up arrow to submit your position. You must move the marker, because it will never appear at the correct location. If you don’t move the marker, or if you don’t submit your response fast enough, the trial will time-out. Please try to be as fast &amp; precise as possible.</a:t>
             </a:r>
             <a:br>
-              <a:rPr lang="en" sz="1000">
+              <a:rPr lang="en" sz="1000" dirty="0">
                 <a:solidFill>
                   <a:schemeClr val="dk1"/>
                 </a:solidFill>
@@ -1195,7 +1231,7 @@
                 </a:highlight>
               </a:rPr>
             </a:br>
-            <a:endParaRPr sz="1000">
+            <a:endParaRPr sz="1000" dirty="0">
               <a:solidFill>
                 <a:schemeClr val="dk1"/>
               </a:solidFill>
@@ -1205,7 +1241,7 @@
             </a:endParaRPr>
           </a:p>
           <a:p>
-            <a:pPr indent="0" lvl="0" marL="0" rtl="0" algn="l">
+            <a:pPr marL="0" lvl="0" indent="0" algn="l" rtl="0">
               <a:spcBef>
                 <a:spcPts val="0"/>
               </a:spcBef>
@@ -1220,29 +1256,21 @@
               <a:buNone/>
             </a:pPr>
             <a:r>
-              <a:rPr lang="en" sz="1000">
+              <a:rPr lang="en" sz="1000" dirty="0">
                 <a:solidFill>
                   <a:schemeClr val="dk1"/>
                 </a:solidFill>
               </a:rPr>
-              <a:t>If </a:t>
+              <a:t>If you are on the correct side of this divider, you will get coins; if you are on the wrong side, you will lose coins.</a:t>
             </a:r>
-            <a:r>
-              <a:rPr lang="en" sz="1000">
-                <a:solidFill>
-                  <a:schemeClr val="dk1"/>
-                </a:solidFill>
-              </a:rPr>
-              <a:t>you are on the correct side of this divider, you will get coins; if you are on the wrong side, you will lose coins.</a:t>
-            </a:r>
-            <a:endParaRPr sz="1000">
+            <a:endParaRPr sz="1000" dirty="0">
               <a:solidFill>
                 <a:schemeClr val="dk1"/>
               </a:solidFill>
             </a:endParaRPr>
           </a:p>
           <a:p>
-            <a:pPr indent="0" lvl="0" marL="0" rtl="0" algn="l">
+            <a:pPr marL="0" lvl="0" indent="0" algn="l" rtl="0">
               <a:spcBef>
                 <a:spcPts val="0"/>
               </a:spcBef>
@@ -1257,21 +1285,21 @@
               <a:buNone/>
             </a:pPr>
             <a:r>
-              <a:rPr lang="en" sz="1000">
+              <a:rPr lang="en" sz="1000" dirty="0">
                 <a:solidFill>
                   <a:schemeClr val="dk1"/>
                 </a:solidFill>
               </a:rPr>
               <a:t>Moving the marker to the side of the divider closer to Shape1 is risky: if you are correct, it will give you 2 coins [ANIMATE], if you are wrong, it will lose you 2 coins [ANIMATE].</a:t>
             </a:r>
-            <a:endParaRPr sz="1000">
+            <a:endParaRPr sz="1000" dirty="0">
               <a:solidFill>
                 <a:schemeClr val="dk1"/>
               </a:solidFill>
             </a:endParaRPr>
           </a:p>
           <a:p>
-            <a:pPr indent="0" lvl="0" marL="0" rtl="0" algn="l">
+            <a:pPr marL="0" lvl="0" indent="0" algn="l" rtl="0">
               <a:spcBef>
                 <a:spcPts val="0"/>
               </a:spcBef>
@@ -1286,21 +1314,21 @@
               <a:buNone/>
             </a:pPr>
             <a:r>
-              <a:rPr lang="en" sz="1000">
+              <a:rPr lang="en" sz="1000" dirty="0">
                 <a:solidFill>
                   <a:schemeClr val="dk1"/>
                 </a:solidFill>
               </a:rPr>
               <a:t>Moving the marker to the side of the divider closer to Shape2 is safe: if you are correct, it will give you 1 coin, if wrong, it will lose you 1 coin [ANIMATE].</a:t>
             </a:r>
-            <a:endParaRPr sz="1000">
+            <a:endParaRPr sz="1000" dirty="0">
               <a:solidFill>
                 <a:schemeClr val="dk1"/>
               </a:solidFill>
             </a:endParaRPr>
           </a:p>
           <a:p>
-            <a:pPr indent="0" lvl="0" marL="0" rtl="0" algn="l">
+            <a:pPr marL="0" lvl="0" indent="0" algn="l" rtl="0">
               <a:spcBef>
                 <a:spcPts val="0"/>
               </a:spcBef>
@@ -1315,21 +1343,21 @@
               <a:buNone/>
             </a:pPr>
             <a:r>
-              <a:rPr lang="en" sz="1000">
+              <a:rPr lang="en" sz="1000" dirty="0">
                 <a:solidFill>
                   <a:schemeClr val="dk1"/>
                 </a:solidFill>
               </a:rPr>
               <a:t>[ANIMATE again] To summarize, you must move the marker to where you think the target falls, and if you are unsure, you can take a risk and move it towards Shape1 [ANIMATE], or be safe, and move it towards Shape2 [ANIMATE]. Your goal is to maximize your gains and minimize your losses.</a:t>
             </a:r>
-            <a:endParaRPr sz="1000">
+            <a:endParaRPr sz="1000" dirty="0">
               <a:solidFill>
                 <a:schemeClr val="dk1"/>
               </a:solidFill>
             </a:endParaRPr>
           </a:p>
           <a:p>
-            <a:pPr indent="0" lvl="0" marL="0" rtl="0" algn="l">
+            <a:pPr marL="0" lvl="0" indent="0" algn="l" rtl="0">
               <a:spcBef>
                 <a:spcPts val="0"/>
               </a:spcBef>
@@ -1343,17 +1371,14 @@
               <a:buFont typeface="Arial"/>
               <a:buNone/>
             </a:pPr>
-            <a:r>
-              <a:t/>
-            </a:r>
-            <a:endParaRPr sz="1000">
+            <a:endParaRPr sz="1000" dirty="0">
               <a:solidFill>
                 <a:schemeClr val="dk1"/>
               </a:solidFill>
             </a:endParaRPr>
           </a:p>
           <a:p>
-            <a:pPr indent="0" lvl="0" marL="0" rtl="0" algn="l">
+            <a:pPr marL="0" lvl="0" indent="0" algn="l" rtl="0">
               <a:spcBef>
                 <a:spcPts val="0"/>
               </a:spcBef>
@@ -1368,14 +1393,14 @@
               <a:buNone/>
             </a:pPr>
             <a:r>
-              <a:rPr lang="en" sz="1000">
+              <a:rPr lang="en" sz="1000" dirty="0">
                 <a:solidFill>
                   <a:schemeClr val="dk1"/>
                 </a:solidFill>
               </a:rPr>
               <a:t>At the end of each block, you will also receive a bonus based on how close your responses were to the actual position of the target.</a:t>
             </a:r>
-            <a:endParaRPr sz="1000" u="sng">
+            <a:endParaRPr sz="1000" u="sng" dirty="0">
               <a:solidFill>
                 <a:srgbClr val="FF0000"/>
               </a:solidFill>
@@ -1392,11 +1417,11 @@
 </file>
 
 <file path=ppt/notesSlides/notesSlide5.xml><?xml version="1.0" encoding="utf-8"?>
-<p:notes xmlns:a="http://schemas.openxmlformats.org/drawingml/2006/main" xmlns:r="http://schemas.openxmlformats.org/officeDocument/2006/relationships" xmlns:mc="http://schemas.openxmlformats.org/markup-compatibility/2006" xmlns:mv="urn:schemas-microsoft-com:mac:vml" xmlns:p="http://schemas.openxmlformats.org/presentationml/2006/main" xmlns:c="http://schemas.openxmlformats.org/drawingml/2006/chart" xmlns:dgm="http://schemas.openxmlformats.org/drawingml/2006/diagram" xmlns:o="urn:schemas-microsoft-com:office:office" xmlns:v="urn:schemas-microsoft-com:vml" xmlns:pvml="urn:schemas-microsoft-com:office:powerpoint" xmlns:com="http://schemas.openxmlformats.org/drawingml/2006/compatibility" xmlns:p14="http://schemas.microsoft.com/office/powerpoint/2010/main" xmlns:p15="http://schemas.microsoft.com/office/powerpoint/2012/main" xmlns:ahyp="http://schemas.microsoft.com/office/drawing/2018/hyperlinkcolor" showMasterPhAnim="0" showMasterSp="0">
+<p:notes xmlns:a="http://schemas.openxmlformats.org/drawingml/2006/main" xmlns:r="http://schemas.openxmlformats.org/officeDocument/2006/relationships" xmlns:p="http://schemas.openxmlformats.org/presentationml/2006/main" showMasterSp="0" showMasterPhAnim="0">
   <p:cSld>
     <p:spTree>
       <p:nvGrpSpPr>
-        <p:cNvPr id="133" name="Shape 133"/>
+        <p:cNvPr id="1" name="Shape 133"/>
         <p:cNvGrpSpPr/>
         <p:nvPr/>
       </p:nvGrpSpPr>
@@ -1411,20 +1436,26 @@
       <p:sp>
         <p:nvSpPr>
           <p:cNvPr id="134" name="Google Shape;134;g34147cedfce_0_13:notes"/>
-          <p:cNvSpPr/>
+          <p:cNvSpPr>
+            <a:spLocks noGrp="1" noRot="1" noChangeAspect="1"/>
+          </p:cNvSpPr>
           <p:nvPr>
-            <p:ph idx="2" type="sldImg"/>
+            <p:ph type="sldImg" idx="2"/>
           </p:nvPr>
         </p:nvSpPr>
         <p:spPr>
           <a:xfrm>
-            <a:off x="381300" y="685800"/>
+            <a:off x="381000" y="685800"/>
             <a:ext cx="6096000" cy="3429000"/>
           </a:xfrm>
           <a:custGeom>
-            <a:rect b="b" l="l" r="r" t="t"/>
+            <a:avLst/>
+            <a:gdLst/>
+            <a:ahLst/>
+            <a:cxnLst/>
+            <a:rect l="l" t="t" r="r" b="b"/>
             <a:pathLst>
-              <a:path extrusionOk="0" h="120000" w="120000">
+              <a:path w="120000" h="120000" extrusionOk="0">
                 <a:moveTo>
                   <a:pt x="0" y="0"/>
                 </a:moveTo>
@@ -1446,9 +1477,11 @@
       <p:sp>
         <p:nvSpPr>
           <p:cNvPr id="135" name="Google Shape;135;g34147cedfce_0_13:notes"/>
-          <p:cNvSpPr txBox="1"/>
+          <p:cNvSpPr txBox="1">
+            <a:spLocks noGrp="1"/>
+          </p:cNvSpPr>
           <p:nvPr>
-            <p:ph idx="1" type="body"/>
+            <p:ph type="body" idx="1"/>
           </p:nvPr>
         </p:nvSpPr>
         <p:spPr>
@@ -1461,12 +1494,12 @@
           </a:prstGeom>
         </p:spPr>
         <p:txBody>
-          <a:bodyPr anchorCtr="0" anchor="t" bIns="91425" lIns="91425" spcFirstLastPara="1" rIns="91425" wrap="square" tIns="91425">
+          <a:bodyPr spcFirstLastPara="1" wrap="square" lIns="91425" tIns="91425" rIns="91425" bIns="91425" anchor="t" anchorCtr="0">
             <a:noAutofit/>
           </a:bodyPr>
           <a:lstStyle/>
           <a:p>
-            <a:pPr indent="0" lvl="0" marL="0" rtl="0" algn="l">
+            <a:pPr marL="0" lvl="0" indent="0" algn="l" rtl="0">
               <a:spcBef>
                 <a:spcPts val="0"/>
               </a:spcBef>
@@ -1476,33 +1509,45 @@
               <a:buNone/>
             </a:pPr>
             <a:r>
-              <a:rPr lang="en"/>
+              <a:rPr lang="en" dirty="0"/>
               <a:t>After the task, for 1s, you will see the coins that you gained or lost. Remember, we will only show your bonus at the </a:t>
             </a:r>
             <a:r>
-              <a:rPr i="1" lang="en"/>
+              <a:rPr lang="en" i="1" dirty="0"/>
               <a:t>end</a:t>
             </a:r>
             <a:r>
-              <a:rPr lang="en"/>
+              <a:rPr lang="en" dirty="0"/>
               <a:t> of each block, when you can also</a:t>
             </a:r>
             <a:r>
-              <a:rPr lang="en">
+              <a:rPr lang="en" dirty="0">
                 <a:solidFill>
                   <a:schemeClr val="dk1"/>
                 </a:solidFill>
               </a:rPr>
               <a:t> take a self-timed break of roughly 30s, before pressing the up arrow as instructed to begin the next block.</a:t>
             </a:r>
-            <a:endParaRPr>
+            <a:endParaRPr dirty="0">
               <a:solidFill>
                 <a:schemeClr val="dk1"/>
               </a:solidFill>
             </a:endParaRPr>
           </a:p>
           <a:p>
-            <a:pPr indent="0" lvl="0" marL="0" rtl="0" algn="l">
+            <a:pPr marL="0" lvl="0" indent="0" algn="l" rtl="0">
+              <a:spcBef>
+                <a:spcPts val="0"/>
+              </a:spcBef>
+              <a:spcAft>
+                <a:spcPts val="0"/>
+              </a:spcAft>
+              <a:buNone/>
+            </a:pPr>
+            <a:endParaRPr lang="en-US" dirty="0"/>
+          </a:p>
+          <a:p>
+            <a:pPr marL="0" lvl="0" indent="0" algn="l" rtl="0">
               <a:spcBef>
                 <a:spcPts val="0"/>
               </a:spcBef>
@@ -1512,9 +1557,10 @@
               <a:buNone/>
             </a:pPr>
             <a:r>
-              <a:t/>
+              <a:rPr lang="en-US" dirty="0"/>
+              <a:t>Now I will have you practice the task for about a minute, and you want to get used to the pace of the task, and importantly, figure out which shape is riskier, and which is safer.</a:t>
             </a:r>
-            <a:endParaRPr/>
+            <a:endParaRPr dirty="0"/>
           </a:p>
         </p:txBody>
       </p:sp>
@@ -1527,11 +1573,11 @@
 </file>
 
 <file path=ppt/slideLayouts/slideLayout1.xml><?xml version="1.0" encoding="utf-8"?>
-<p:sldLayout xmlns:a="http://schemas.openxmlformats.org/drawingml/2006/main" xmlns:r="http://schemas.openxmlformats.org/officeDocument/2006/relationships" xmlns:mc="http://schemas.openxmlformats.org/markup-compatibility/2006" xmlns:mv="urn:schemas-microsoft-com:mac:vml" xmlns:p="http://schemas.openxmlformats.org/presentationml/2006/main" xmlns:c="http://schemas.openxmlformats.org/drawingml/2006/chart" xmlns:dgm="http://schemas.openxmlformats.org/drawingml/2006/diagram" xmlns:o="urn:schemas-microsoft-com:office:office" xmlns:v="urn:schemas-microsoft-com:vml" xmlns:pvml="urn:schemas-microsoft-com:office:powerpoint" xmlns:com="http://schemas.openxmlformats.org/drawingml/2006/compatibility" xmlns:p14="http://schemas.microsoft.com/office/powerpoint/2010/main" xmlns:p15="http://schemas.microsoft.com/office/powerpoint/2012/main" xmlns:ahyp="http://schemas.microsoft.com/office/drawing/2018/hyperlinkcolor" matchingName="Title slide" type="title">
+<p:sldLayout xmlns:a="http://schemas.openxmlformats.org/drawingml/2006/main" xmlns:r="http://schemas.openxmlformats.org/officeDocument/2006/relationships" xmlns:p="http://schemas.openxmlformats.org/presentationml/2006/main" matchingName="Title slide" type="title">
   <p:cSld name="TITLE">
     <p:spTree>
       <p:nvGrpSpPr>
-        <p:cNvPr id="9" name="Shape 9"/>
+        <p:cNvPr id="1" name="Shape 9"/>
         <p:cNvGrpSpPr/>
         <p:nvPr/>
       </p:nvGrpSpPr>
@@ -1546,7 +1592,9 @@
       <p:sp>
         <p:nvSpPr>
           <p:cNvPr id="10" name="Google Shape;10;p2"/>
-          <p:cNvSpPr txBox="1"/>
+          <p:cNvSpPr txBox="1">
+            <a:spLocks noGrp="1"/>
+          </p:cNvSpPr>
           <p:nvPr>
             <p:ph type="ctrTitle"/>
           </p:nvPr>
@@ -1561,7 +1609,7 @@
           </a:prstGeom>
         </p:spPr>
         <p:txBody>
-          <a:bodyPr anchorCtr="0" anchor="b" bIns="91425" lIns="91425" spcFirstLastPara="1" rIns="91425" wrap="square" tIns="91425">
+          <a:bodyPr spcFirstLastPara="1" wrap="square" lIns="91425" tIns="91425" rIns="91425" bIns="91425" anchor="b" anchorCtr="0">
             <a:normAutofit/>
           </a:bodyPr>
           <a:lstStyle>
@@ -1665,15 +1713,19 @@
               <a:defRPr sz="5200"/>
             </a:lvl9pPr>
           </a:lstStyle>
-          <a:p/>
+          <a:p>
+            <a:endParaRPr/>
+          </a:p>
         </p:txBody>
       </p:sp>
       <p:sp>
         <p:nvSpPr>
           <p:cNvPr id="11" name="Google Shape;11;p2"/>
-          <p:cNvSpPr txBox="1"/>
+          <p:cNvSpPr txBox="1">
+            <a:spLocks noGrp="1"/>
+          </p:cNvSpPr>
           <p:nvPr>
-            <p:ph idx="1" type="subTitle"/>
+            <p:ph type="subTitle" idx="1"/>
           </p:nvPr>
         </p:nvSpPr>
         <p:spPr>
@@ -1686,7 +1738,7 @@
           </a:prstGeom>
         </p:spPr>
         <p:txBody>
-          <a:bodyPr anchorCtr="0" anchor="t" bIns="91425" lIns="91425" spcFirstLastPara="1" rIns="91425" wrap="square" tIns="91425">
+          <a:bodyPr spcFirstLastPara="1" wrap="square" lIns="91425" tIns="91425" rIns="91425" bIns="91425" anchor="t" anchorCtr="0">
             <a:normAutofit/>
           </a:bodyPr>
           <a:lstStyle>
@@ -1817,15 +1869,19 @@
               <a:defRPr sz="2800"/>
             </a:lvl9pPr>
           </a:lstStyle>
-          <a:p/>
+          <a:p>
+            <a:endParaRPr/>
+          </a:p>
         </p:txBody>
       </p:sp>
       <p:sp>
         <p:nvSpPr>
           <p:cNvPr id="12" name="Google Shape;12;p2"/>
-          <p:cNvSpPr txBox="1"/>
+          <p:cNvSpPr txBox="1">
+            <a:spLocks noGrp="1"/>
+          </p:cNvSpPr>
           <p:nvPr>
-            <p:ph idx="12" type="sldNum"/>
+            <p:ph type="sldNum" idx="12"/>
           </p:nvPr>
         </p:nvSpPr>
         <p:spPr>
@@ -1838,7 +1894,7 @@
           </a:prstGeom>
         </p:spPr>
         <p:txBody>
-          <a:bodyPr anchorCtr="0" anchor="ctr" bIns="91425" lIns="91425" spcFirstLastPara="1" rIns="91425" wrap="square" tIns="91425">
+          <a:bodyPr spcFirstLastPara="1" wrap="square" lIns="91425" tIns="91425" rIns="91425" bIns="91425" anchor="ctr" anchorCtr="0">
             <a:normAutofit/>
           </a:bodyPr>
           <a:lstStyle>
@@ -1880,7 +1936,7 @@
             </a:lvl9pPr>
           </a:lstStyle>
           <a:p>
-            <a:pPr indent="0" lvl="0" marL="0" rtl="0" algn="r">
+            <a:pPr marL="0" lvl="0" indent="0" algn="r" rtl="0">
               <a:spcBef>
                 <a:spcPts val="0"/>
               </a:spcBef>
@@ -1906,11 +1962,11 @@
 </file>
 
 <file path=ppt/slideLayouts/slideLayout10.xml><?xml version="1.0" encoding="utf-8"?>
-<p:sldLayout xmlns:a="http://schemas.openxmlformats.org/drawingml/2006/main" xmlns:r="http://schemas.openxmlformats.org/officeDocument/2006/relationships" xmlns:mc="http://schemas.openxmlformats.org/markup-compatibility/2006" xmlns:mv="urn:schemas-microsoft-com:mac:vml" xmlns:p="http://schemas.openxmlformats.org/presentationml/2006/main" xmlns:c="http://schemas.openxmlformats.org/drawingml/2006/chart" xmlns:dgm="http://schemas.openxmlformats.org/drawingml/2006/diagram" xmlns:o="urn:schemas-microsoft-com:office:office" xmlns:v="urn:schemas-microsoft-com:vml" xmlns:pvml="urn:schemas-microsoft-com:office:powerpoint" xmlns:com="http://schemas.openxmlformats.org/drawingml/2006/compatibility" xmlns:p14="http://schemas.microsoft.com/office/powerpoint/2010/main" xmlns:p15="http://schemas.microsoft.com/office/powerpoint/2012/main" xmlns:ahyp="http://schemas.microsoft.com/office/drawing/2018/hyperlinkcolor" matchingName="Big number">
+<p:sldLayout xmlns:a="http://schemas.openxmlformats.org/drawingml/2006/main" xmlns:r="http://schemas.openxmlformats.org/officeDocument/2006/relationships" xmlns:p="http://schemas.openxmlformats.org/presentationml/2006/main" matchingName="Big number">
   <p:cSld name="BIG_NUMBER">
     <p:spTree>
       <p:nvGrpSpPr>
-        <p:cNvPr id="44" name="Shape 44"/>
+        <p:cNvPr id="1" name="Shape 44"/>
         <p:cNvGrpSpPr/>
         <p:nvPr/>
       </p:nvGrpSpPr>
@@ -1925,9 +1981,11 @@
       <p:sp>
         <p:nvSpPr>
           <p:cNvPr id="45" name="Google Shape;45;p11"/>
-          <p:cNvSpPr txBox="1"/>
+          <p:cNvSpPr txBox="1">
+            <a:spLocks noGrp="1"/>
+          </p:cNvSpPr>
           <p:nvPr>
-            <p:ph hasCustomPrompt="1" type="title"/>
+            <p:ph type="title" hasCustomPrompt="1"/>
           </p:nvPr>
         </p:nvSpPr>
         <p:spPr>
@@ -1940,7 +1998,7 @@
           </a:prstGeom>
         </p:spPr>
         <p:txBody>
-          <a:bodyPr anchorCtr="0" anchor="b" bIns="91425" lIns="91425" spcFirstLastPara="1" rIns="91425" wrap="square" tIns="91425">
+          <a:bodyPr spcFirstLastPara="1" wrap="square" lIns="91425" tIns="91425" rIns="91425" bIns="91425" anchor="b" anchorCtr="0">
             <a:normAutofit/>
           </a:bodyPr>
           <a:lstStyle>
@@ -2054,9 +2112,11 @@
       <p:sp>
         <p:nvSpPr>
           <p:cNvPr id="46" name="Google Shape;46;p11"/>
-          <p:cNvSpPr txBox="1"/>
+          <p:cNvSpPr txBox="1">
+            <a:spLocks noGrp="1"/>
+          </p:cNvSpPr>
           <p:nvPr>
-            <p:ph idx="1" type="body"/>
+            <p:ph type="body" idx="1"/>
           </p:nvPr>
         </p:nvSpPr>
         <p:spPr>
@@ -2069,11 +2129,11 @@
           </a:prstGeom>
         </p:spPr>
         <p:txBody>
-          <a:bodyPr anchorCtr="0" anchor="t" bIns="91425" lIns="91425" spcFirstLastPara="1" rIns="91425" wrap="square" tIns="91425">
+          <a:bodyPr spcFirstLastPara="1" wrap="square" lIns="91425" tIns="91425" rIns="91425" bIns="91425" anchor="t" anchorCtr="0">
             <a:normAutofit/>
           </a:bodyPr>
           <a:lstStyle>
-            <a:lvl1pPr indent="-342900" lvl="0" marL="457200" algn="ctr">
+            <a:lvl1pPr marL="457200" lvl="0" indent="-342900" algn="ctr">
               <a:spcBef>
                 <a:spcPts val="0"/>
               </a:spcBef>
@@ -2084,7 +2144,7 @@
               <a:buChar char="●"/>
               <a:defRPr/>
             </a:lvl1pPr>
-            <a:lvl2pPr indent="-317500" lvl="1" marL="914400" algn="ctr">
+            <a:lvl2pPr marL="914400" lvl="1" indent="-317500" algn="ctr">
               <a:spcBef>
                 <a:spcPts val="0"/>
               </a:spcBef>
@@ -2095,7 +2155,7 @@
               <a:buChar char="○"/>
               <a:defRPr/>
             </a:lvl2pPr>
-            <a:lvl3pPr indent="-317500" lvl="2" marL="1371600" algn="ctr">
+            <a:lvl3pPr marL="1371600" lvl="2" indent="-317500" algn="ctr">
               <a:spcBef>
                 <a:spcPts val="0"/>
               </a:spcBef>
@@ -2106,7 +2166,7 @@
               <a:buChar char="■"/>
               <a:defRPr/>
             </a:lvl3pPr>
-            <a:lvl4pPr indent="-317500" lvl="3" marL="1828800" algn="ctr">
+            <a:lvl4pPr marL="1828800" lvl="3" indent="-317500" algn="ctr">
               <a:spcBef>
                 <a:spcPts val="0"/>
               </a:spcBef>
@@ -2117,7 +2177,7 @@
               <a:buChar char="●"/>
               <a:defRPr/>
             </a:lvl4pPr>
-            <a:lvl5pPr indent="-317500" lvl="4" marL="2286000" algn="ctr">
+            <a:lvl5pPr marL="2286000" lvl="4" indent="-317500" algn="ctr">
               <a:spcBef>
                 <a:spcPts val="0"/>
               </a:spcBef>
@@ -2128,7 +2188,7 @@
               <a:buChar char="○"/>
               <a:defRPr/>
             </a:lvl5pPr>
-            <a:lvl6pPr indent="-317500" lvl="5" marL="2743200" algn="ctr">
+            <a:lvl6pPr marL="2743200" lvl="5" indent="-317500" algn="ctr">
               <a:spcBef>
                 <a:spcPts val="0"/>
               </a:spcBef>
@@ -2139,7 +2199,7 @@
               <a:buChar char="■"/>
               <a:defRPr/>
             </a:lvl6pPr>
-            <a:lvl7pPr indent="-317500" lvl="6" marL="3200400" algn="ctr">
+            <a:lvl7pPr marL="3200400" lvl="6" indent="-317500" algn="ctr">
               <a:spcBef>
                 <a:spcPts val="0"/>
               </a:spcBef>
@@ -2150,7 +2210,7 @@
               <a:buChar char="●"/>
               <a:defRPr/>
             </a:lvl7pPr>
-            <a:lvl8pPr indent="-317500" lvl="7" marL="3657600" algn="ctr">
+            <a:lvl8pPr marL="3657600" lvl="7" indent="-317500" algn="ctr">
               <a:spcBef>
                 <a:spcPts val="0"/>
               </a:spcBef>
@@ -2161,7 +2221,7 @@
               <a:buChar char="○"/>
               <a:defRPr/>
             </a:lvl8pPr>
-            <a:lvl9pPr indent="-317500" lvl="8" marL="4114800" algn="ctr">
+            <a:lvl9pPr marL="4114800" lvl="8" indent="-317500" algn="ctr">
               <a:spcBef>
                 <a:spcPts val="0"/>
               </a:spcBef>
@@ -2173,15 +2233,19 @@
               <a:defRPr/>
             </a:lvl9pPr>
           </a:lstStyle>
-          <a:p/>
+          <a:p>
+            <a:endParaRPr/>
+          </a:p>
         </p:txBody>
       </p:sp>
       <p:sp>
         <p:nvSpPr>
           <p:cNvPr id="47" name="Google Shape;47;p11"/>
-          <p:cNvSpPr txBox="1"/>
+          <p:cNvSpPr txBox="1">
+            <a:spLocks noGrp="1"/>
+          </p:cNvSpPr>
           <p:nvPr>
-            <p:ph idx="12" type="sldNum"/>
+            <p:ph type="sldNum" idx="12"/>
           </p:nvPr>
         </p:nvSpPr>
         <p:spPr>
@@ -2194,7 +2258,7 @@
           </a:prstGeom>
         </p:spPr>
         <p:txBody>
-          <a:bodyPr anchorCtr="0" anchor="ctr" bIns="91425" lIns="91425" spcFirstLastPara="1" rIns="91425" wrap="square" tIns="91425">
+          <a:bodyPr spcFirstLastPara="1" wrap="square" lIns="91425" tIns="91425" rIns="91425" bIns="91425" anchor="ctr" anchorCtr="0">
             <a:normAutofit/>
           </a:bodyPr>
           <a:lstStyle>
@@ -2236,7 +2300,7 @@
             </a:lvl9pPr>
           </a:lstStyle>
           <a:p>
-            <a:pPr indent="0" lvl="0" marL="0" rtl="0" algn="r">
+            <a:pPr marL="0" lvl="0" indent="0" algn="r" rtl="0">
               <a:spcBef>
                 <a:spcPts val="0"/>
               </a:spcBef>
@@ -2262,11 +2326,11 @@
 </file>
 
 <file path=ppt/slideLayouts/slideLayout11.xml><?xml version="1.0" encoding="utf-8"?>
-<p:sldLayout xmlns:a="http://schemas.openxmlformats.org/drawingml/2006/main" xmlns:r="http://schemas.openxmlformats.org/officeDocument/2006/relationships" xmlns:mc="http://schemas.openxmlformats.org/markup-compatibility/2006" xmlns:mv="urn:schemas-microsoft-com:mac:vml" xmlns:p="http://schemas.openxmlformats.org/presentationml/2006/main" xmlns:c="http://schemas.openxmlformats.org/drawingml/2006/chart" xmlns:dgm="http://schemas.openxmlformats.org/drawingml/2006/diagram" xmlns:o="urn:schemas-microsoft-com:office:office" xmlns:v="urn:schemas-microsoft-com:vml" xmlns:pvml="urn:schemas-microsoft-com:office:powerpoint" xmlns:com="http://schemas.openxmlformats.org/drawingml/2006/compatibility" xmlns:p14="http://schemas.microsoft.com/office/powerpoint/2010/main" xmlns:p15="http://schemas.microsoft.com/office/powerpoint/2012/main" xmlns:ahyp="http://schemas.microsoft.com/office/drawing/2018/hyperlinkcolor" matchingName="Blank" type="blank">
+<p:sldLayout xmlns:a="http://schemas.openxmlformats.org/drawingml/2006/main" xmlns:r="http://schemas.openxmlformats.org/officeDocument/2006/relationships" xmlns:p="http://schemas.openxmlformats.org/presentationml/2006/main" matchingName="Blank" type="blank">
   <p:cSld name="BLANK">
     <p:spTree>
       <p:nvGrpSpPr>
-        <p:cNvPr id="48" name="Shape 48"/>
+        <p:cNvPr id="1" name="Shape 48"/>
         <p:cNvGrpSpPr/>
         <p:nvPr/>
       </p:nvGrpSpPr>
@@ -2281,9 +2345,11 @@
       <p:sp>
         <p:nvSpPr>
           <p:cNvPr id="49" name="Google Shape;49;p12"/>
-          <p:cNvSpPr txBox="1"/>
+          <p:cNvSpPr txBox="1">
+            <a:spLocks noGrp="1"/>
+          </p:cNvSpPr>
           <p:nvPr>
-            <p:ph idx="12" type="sldNum"/>
+            <p:ph type="sldNum" idx="12"/>
           </p:nvPr>
         </p:nvSpPr>
         <p:spPr>
@@ -2296,7 +2362,7 @@
           </a:prstGeom>
         </p:spPr>
         <p:txBody>
-          <a:bodyPr anchorCtr="0" anchor="ctr" bIns="91425" lIns="91425" spcFirstLastPara="1" rIns="91425" wrap="square" tIns="91425">
+          <a:bodyPr spcFirstLastPara="1" wrap="square" lIns="91425" tIns="91425" rIns="91425" bIns="91425" anchor="ctr" anchorCtr="0">
             <a:normAutofit/>
           </a:bodyPr>
           <a:lstStyle>
@@ -2338,7 +2404,7 @@
             </a:lvl9pPr>
           </a:lstStyle>
           <a:p>
-            <a:pPr indent="0" lvl="0" marL="0" rtl="0" algn="r">
+            <a:pPr marL="0" lvl="0" indent="0" algn="r" rtl="0">
               <a:spcBef>
                 <a:spcPts val="0"/>
               </a:spcBef>
@@ -2364,11 +2430,11 @@
 </file>
 
 <file path=ppt/slideLayouts/slideLayout2.xml><?xml version="1.0" encoding="utf-8"?>
-<p:sldLayout xmlns:a="http://schemas.openxmlformats.org/drawingml/2006/main" xmlns:r="http://schemas.openxmlformats.org/officeDocument/2006/relationships" xmlns:mc="http://schemas.openxmlformats.org/markup-compatibility/2006" xmlns:mv="urn:schemas-microsoft-com:mac:vml" xmlns:p="http://schemas.openxmlformats.org/presentationml/2006/main" xmlns:c="http://schemas.openxmlformats.org/drawingml/2006/chart" xmlns:dgm="http://schemas.openxmlformats.org/drawingml/2006/diagram" xmlns:o="urn:schemas-microsoft-com:office:office" xmlns:v="urn:schemas-microsoft-com:vml" xmlns:pvml="urn:schemas-microsoft-com:office:powerpoint" xmlns:com="http://schemas.openxmlformats.org/drawingml/2006/compatibility" xmlns:p14="http://schemas.microsoft.com/office/powerpoint/2010/main" xmlns:p15="http://schemas.microsoft.com/office/powerpoint/2012/main" xmlns:ahyp="http://schemas.microsoft.com/office/drawing/2018/hyperlinkcolor" matchingName="Section header" type="secHead">
+<p:sldLayout xmlns:a="http://schemas.openxmlformats.org/drawingml/2006/main" xmlns:r="http://schemas.openxmlformats.org/officeDocument/2006/relationships" xmlns:p="http://schemas.openxmlformats.org/presentationml/2006/main" matchingName="Section header" type="secHead">
   <p:cSld name="SECTION_HEADER">
     <p:spTree>
       <p:nvGrpSpPr>
-        <p:cNvPr id="13" name="Shape 13"/>
+        <p:cNvPr id="1" name="Shape 13"/>
         <p:cNvGrpSpPr/>
         <p:nvPr/>
       </p:nvGrpSpPr>
@@ -2383,7 +2449,9 @@
       <p:sp>
         <p:nvSpPr>
           <p:cNvPr id="14" name="Google Shape;14;p3"/>
-          <p:cNvSpPr txBox="1"/>
+          <p:cNvSpPr txBox="1">
+            <a:spLocks noGrp="1"/>
+          </p:cNvSpPr>
           <p:nvPr>
             <p:ph type="title"/>
           </p:nvPr>
@@ -2398,7 +2466,7 @@
           </a:prstGeom>
         </p:spPr>
         <p:txBody>
-          <a:bodyPr anchorCtr="0" anchor="ctr" bIns="91425" lIns="91425" spcFirstLastPara="1" rIns="91425" wrap="square" tIns="91425">
+          <a:bodyPr spcFirstLastPara="1" wrap="square" lIns="91425" tIns="91425" rIns="91425" bIns="91425" anchor="ctr" anchorCtr="0">
             <a:normAutofit/>
           </a:bodyPr>
           <a:lstStyle>
@@ -2502,15 +2570,19 @@
               <a:defRPr sz="3600"/>
             </a:lvl9pPr>
           </a:lstStyle>
-          <a:p/>
+          <a:p>
+            <a:endParaRPr/>
+          </a:p>
         </p:txBody>
       </p:sp>
       <p:sp>
         <p:nvSpPr>
           <p:cNvPr id="15" name="Google Shape;15;p3"/>
-          <p:cNvSpPr txBox="1"/>
+          <p:cNvSpPr txBox="1">
+            <a:spLocks noGrp="1"/>
+          </p:cNvSpPr>
           <p:nvPr>
-            <p:ph idx="12" type="sldNum"/>
+            <p:ph type="sldNum" idx="12"/>
           </p:nvPr>
         </p:nvSpPr>
         <p:spPr>
@@ -2523,7 +2595,7 @@
           </a:prstGeom>
         </p:spPr>
         <p:txBody>
-          <a:bodyPr anchorCtr="0" anchor="ctr" bIns="91425" lIns="91425" spcFirstLastPara="1" rIns="91425" wrap="square" tIns="91425">
+          <a:bodyPr spcFirstLastPara="1" wrap="square" lIns="91425" tIns="91425" rIns="91425" bIns="91425" anchor="ctr" anchorCtr="0">
             <a:normAutofit/>
           </a:bodyPr>
           <a:lstStyle>
@@ -2565,7 +2637,7 @@
             </a:lvl9pPr>
           </a:lstStyle>
           <a:p>
-            <a:pPr indent="0" lvl="0" marL="0" rtl="0" algn="r">
+            <a:pPr marL="0" lvl="0" indent="0" algn="r" rtl="0">
               <a:spcBef>
                 <a:spcPts val="0"/>
               </a:spcBef>
@@ -2591,11 +2663,11 @@
 </file>
 
 <file path=ppt/slideLayouts/slideLayout3.xml><?xml version="1.0" encoding="utf-8"?>
-<p:sldLayout xmlns:a="http://schemas.openxmlformats.org/drawingml/2006/main" xmlns:r="http://schemas.openxmlformats.org/officeDocument/2006/relationships" xmlns:mc="http://schemas.openxmlformats.org/markup-compatibility/2006" xmlns:mv="urn:schemas-microsoft-com:mac:vml" xmlns:p="http://schemas.openxmlformats.org/presentationml/2006/main" xmlns:c="http://schemas.openxmlformats.org/drawingml/2006/chart" xmlns:dgm="http://schemas.openxmlformats.org/drawingml/2006/diagram" xmlns:o="urn:schemas-microsoft-com:office:office" xmlns:v="urn:schemas-microsoft-com:vml" xmlns:pvml="urn:schemas-microsoft-com:office:powerpoint" xmlns:com="http://schemas.openxmlformats.org/drawingml/2006/compatibility" xmlns:p14="http://schemas.microsoft.com/office/powerpoint/2010/main" xmlns:p15="http://schemas.microsoft.com/office/powerpoint/2012/main" xmlns:ahyp="http://schemas.microsoft.com/office/drawing/2018/hyperlinkcolor" matchingName="Title and body" type="tx">
+<p:sldLayout xmlns:a="http://schemas.openxmlformats.org/drawingml/2006/main" xmlns:r="http://schemas.openxmlformats.org/officeDocument/2006/relationships" xmlns:p="http://schemas.openxmlformats.org/presentationml/2006/main" matchingName="Title and body" type="tx">
   <p:cSld name="TITLE_AND_BODY">
     <p:spTree>
       <p:nvGrpSpPr>
-        <p:cNvPr id="16" name="Shape 16"/>
+        <p:cNvPr id="1" name="Shape 16"/>
         <p:cNvGrpSpPr/>
         <p:nvPr/>
       </p:nvGrpSpPr>
@@ -2610,7 +2682,9 @@
       <p:sp>
         <p:nvSpPr>
           <p:cNvPr id="17" name="Google Shape;17;p4"/>
-          <p:cNvSpPr txBox="1"/>
+          <p:cNvSpPr txBox="1">
+            <a:spLocks noGrp="1"/>
+          </p:cNvSpPr>
           <p:nvPr>
             <p:ph type="title"/>
           </p:nvPr>
@@ -2625,7 +2699,7 @@
           </a:prstGeom>
         </p:spPr>
         <p:txBody>
-          <a:bodyPr anchorCtr="0" anchor="t" bIns="91425" lIns="91425" spcFirstLastPara="1" rIns="91425" wrap="square" tIns="91425">
+          <a:bodyPr spcFirstLastPara="1" wrap="square" lIns="91425" tIns="91425" rIns="91425" bIns="91425" anchor="t" anchorCtr="0">
             <a:normAutofit/>
           </a:bodyPr>
           <a:lstStyle>
@@ -2729,15 +2803,19 @@
               <a:defRPr/>
             </a:lvl9pPr>
           </a:lstStyle>
-          <a:p/>
+          <a:p>
+            <a:endParaRPr/>
+          </a:p>
         </p:txBody>
       </p:sp>
       <p:sp>
         <p:nvSpPr>
           <p:cNvPr id="18" name="Google Shape;18;p4"/>
-          <p:cNvSpPr txBox="1"/>
+          <p:cNvSpPr txBox="1">
+            <a:spLocks noGrp="1"/>
+          </p:cNvSpPr>
           <p:nvPr>
-            <p:ph idx="1" type="body"/>
+            <p:ph type="body" idx="1"/>
           </p:nvPr>
         </p:nvSpPr>
         <p:spPr>
@@ -2750,11 +2828,11 @@
           </a:prstGeom>
         </p:spPr>
         <p:txBody>
-          <a:bodyPr anchorCtr="0" anchor="t" bIns="91425" lIns="91425" spcFirstLastPara="1" rIns="91425" wrap="square" tIns="91425">
+          <a:bodyPr spcFirstLastPara="1" wrap="square" lIns="91425" tIns="91425" rIns="91425" bIns="91425" anchor="t" anchorCtr="0">
             <a:normAutofit/>
           </a:bodyPr>
           <a:lstStyle>
-            <a:lvl1pPr indent="-342900" lvl="0" marL="457200">
+            <a:lvl1pPr marL="457200" lvl="0" indent="-342900">
               <a:spcBef>
                 <a:spcPts val="0"/>
               </a:spcBef>
@@ -2765,7 +2843,7 @@
               <a:buChar char="●"/>
               <a:defRPr/>
             </a:lvl1pPr>
-            <a:lvl2pPr indent="-317500" lvl="1" marL="914400">
+            <a:lvl2pPr marL="914400" lvl="1" indent="-317500">
               <a:spcBef>
                 <a:spcPts val="0"/>
               </a:spcBef>
@@ -2776,7 +2854,7 @@
               <a:buChar char="○"/>
               <a:defRPr/>
             </a:lvl2pPr>
-            <a:lvl3pPr indent="-317500" lvl="2" marL="1371600">
+            <a:lvl3pPr marL="1371600" lvl="2" indent="-317500">
               <a:spcBef>
                 <a:spcPts val="0"/>
               </a:spcBef>
@@ -2787,7 +2865,7 @@
               <a:buChar char="■"/>
               <a:defRPr/>
             </a:lvl3pPr>
-            <a:lvl4pPr indent="-317500" lvl="3" marL="1828800">
+            <a:lvl4pPr marL="1828800" lvl="3" indent="-317500">
               <a:spcBef>
                 <a:spcPts val="0"/>
               </a:spcBef>
@@ -2798,7 +2876,7 @@
               <a:buChar char="●"/>
               <a:defRPr/>
             </a:lvl4pPr>
-            <a:lvl5pPr indent="-317500" lvl="4" marL="2286000">
+            <a:lvl5pPr marL="2286000" lvl="4" indent="-317500">
               <a:spcBef>
                 <a:spcPts val="0"/>
               </a:spcBef>
@@ -2809,7 +2887,7 @@
               <a:buChar char="○"/>
               <a:defRPr/>
             </a:lvl5pPr>
-            <a:lvl6pPr indent="-317500" lvl="5" marL="2743200">
+            <a:lvl6pPr marL="2743200" lvl="5" indent="-317500">
               <a:spcBef>
                 <a:spcPts val="0"/>
               </a:spcBef>
@@ -2820,7 +2898,7 @@
               <a:buChar char="■"/>
               <a:defRPr/>
             </a:lvl6pPr>
-            <a:lvl7pPr indent="-317500" lvl="6" marL="3200400">
+            <a:lvl7pPr marL="3200400" lvl="6" indent="-317500">
               <a:spcBef>
                 <a:spcPts val="0"/>
               </a:spcBef>
@@ -2831,7 +2909,7 @@
               <a:buChar char="●"/>
               <a:defRPr/>
             </a:lvl7pPr>
-            <a:lvl8pPr indent="-317500" lvl="7" marL="3657600">
+            <a:lvl8pPr marL="3657600" lvl="7" indent="-317500">
               <a:spcBef>
                 <a:spcPts val="0"/>
               </a:spcBef>
@@ -2842,7 +2920,7 @@
               <a:buChar char="○"/>
               <a:defRPr/>
             </a:lvl8pPr>
-            <a:lvl9pPr indent="-317500" lvl="8" marL="4114800">
+            <a:lvl9pPr marL="4114800" lvl="8" indent="-317500">
               <a:spcBef>
                 <a:spcPts val="0"/>
               </a:spcBef>
@@ -2854,15 +2932,19 @@
               <a:defRPr/>
             </a:lvl9pPr>
           </a:lstStyle>
-          <a:p/>
+          <a:p>
+            <a:endParaRPr/>
+          </a:p>
         </p:txBody>
       </p:sp>
       <p:sp>
         <p:nvSpPr>
           <p:cNvPr id="19" name="Google Shape;19;p4"/>
-          <p:cNvSpPr txBox="1"/>
+          <p:cNvSpPr txBox="1">
+            <a:spLocks noGrp="1"/>
+          </p:cNvSpPr>
           <p:nvPr>
-            <p:ph idx="12" type="sldNum"/>
+            <p:ph type="sldNum" idx="12"/>
           </p:nvPr>
         </p:nvSpPr>
         <p:spPr>
@@ -2875,7 +2957,7 @@
           </a:prstGeom>
         </p:spPr>
         <p:txBody>
-          <a:bodyPr anchorCtr="0" anchor="ctr" bIns="91425" lIns="91425" spcFirstLastPara="1" rIns="91425" wrap="square" tIns="91425">
+          <a:bodyPr spcFirstLastPara="1" wrap="square" lIns="91425" tIns="91425" rIns="91425" bIns="91425" anchor="ctr" anchorCtr="0">
             <a:normAutofit/>
           </a:bodyPr>
           <a:lstStyle>
@@ -2917,7 +2999,7 @@
             </a:lvl9pPr>
           </a:lstStyle>
           <a:p>
-            <a:pPr indent="0" lvl="0" marL="0" rtl="0" algn="r">
+            <a:pPr marL="0" lvl="0" indent="0" algn="r" rtl="0">
               <a:spcBef>
                 <a:spcPts val="0"/>
               </a:spcBef>
@@ -2943,11 +3025,11 @@
 </file>
 
 <file path=ppt/slideLayouts/slideLayout4.xml><?xml version="1.0" encoding="utf-8"?>
-<p:sldLayout xmlns:a="http://schemas.openxmlformats.org/drawingml/2006/main" xmlns:r="http://schemas.openxmlformats.org/officeDocument/2006/relationships" xmlns:mc="http://schemas.openxmlformats.org/markup-compatibility/2006" xmlns:mv="urn:schemas-microsoft-com:mac:vml" xmlns:p="http://schemas.openxmlformats.org/presentationml/2006/main" xmlns:c="http://schemas.openxmlformats.org/drawingml/2006/chart" xmlns:dgm="http://schemas.openxmlformats.org/drawingml/2006/diagram" xmlns:o="urn:schemas-microsoft-com:office:office" xmlns:v="urn:schemas-microsoft-com:vml" xmlns:pvml="urn:schemas-microsoft-com:office:powerpoint" xmlns:com="http://schemas.openxmlformats.org/drawingml/2006/compatibility" xmlns:p14="http://schemas.microsoft.com/office/powerpoint/2010/main" xmlns:p15="http://schemas.microsoft.com/office/powerpoint/2012/main" xmlns:ahyp="http://schemas.microsoft.com/office/drawing/2018/hyperlinkcolor" matchingName="Title and two columns" type="twoColTx">
+<p:sldLayout xmlns:a="http://schemas.openxmlformats.org/drawingml/2006/main" xmlns:r="http://schemas.openxmlformats.org/officeDocument/2006/relationships" xmlns:p="http://schemas.openxmlformats.org/presentationml/2006/main" matchingName="Title and two columns" type="twoColTx">
   <p:cSld name="TITLE_AND_TWO_COLUMNS">
     <p:spTree>
       <p:nvGrpSpPr>
-        <p:cNvPr id="20" name="Shape 20"/>
+        <p:cNvPr id="1" name="Shape 20"/>
         <p:cNvGrpSpPr/>
         <p:nvPr/>
       </p:nvGrpSpPr>
@@ -2962,7 +3044,9 @@
       <p:sp>
         <p:nvSpPr>
           <p:cNvPr id="21" name="Google Shape;21;p5"/>
-          <p:cNvSpPr txBox="1"/>
+          <p:cNvSpPr txBox="1">
+            <a:spLocks noGrp="1"/>
+          </p:cNvSpPr>
           <p:nvPr>
             <p:ph type="title"/>
           </p:nvPr>
@@ -2977,7 +3061,7 @@
           </a:prstGeom>
         </p:spPr>
         <p:txBody>
-          <a:bodyPr anchorCtr="0" anchor="t" bIns="91425" lIns="91425" spcFirstLastPara="1" rIns="91425" wrap="square" tIns="91425">
+          <a:bodyPr spcFirstLastPara="1" wrap="square" lIns="91425" tIns="91425" rIns="91425" bIns="91425" anchor="t" anchorCtr="0">
             <a:normAutofit/>
           </a:bodyPr>
           <a:lstStyle>
@@ -3081,15 +3165,19 @@
               <a:defRPr/>
             </a:lvl9pPr>
           </a:lstStyle>
-          <a:p/>
+          <a:p>
+            <a:endParaRPr/>
+          </a:p>
         </p:txBody>
       </p:sp>
       <p:sp>
         <p:nvSpPr>
           <p:cNvPr id="22" name="Google Shape;22;p5"/>
-          <p:cNvSpPr txBox="1"/>
+          <p:cNvSpPr txBox="1">
+            <a:spLocks noGrp="1"/>
+          </p:cNvSpPr>
           <p:nvPr>
-            <p:ph idx="1" type="body"/>
+            <p:ph type="body" idx="1"/>
           </p:nvPr>
         </p:nvSpPr>
         <p:spPr>
@@ -3102,11 +3190,11 @@
           </a:prstGeom>
         </p:spPr>
         <p:txBody>
-          <a:bodyPr anchorCtr="0" anchor="t" bIns="91425" lIns="91425" spcFirstLastPara="1" rIns="91425" wrap="square" tIns="91425">
+          <a:bodyPr spcFirstLastPara="1" wrap="square" lIns="91425" tIns="91425" rIns="91425" bIns="91425" anchor="t" anchorCtr="0">
             <a:normAutofit/>
           </a:bodyPr>
           <a:lstStyle>
-            <a:lvl1pPr indent="-317500" lvl="0" marL="457200">
+            <a:lvl1pPr marL="457200" lvl="0" indent="-317500">
               <a:spcBef>
                 <a:spcPts val="0"/>
               </a:spcBef>
@@ -3117,7 +3205,7 @@
               <a:buChar char="●"/>
               <a:defRPr sz="1400"/>
             </a:lvl1pPr>
-            <a:lvl2pPr indent="-304800" lvl="1" marL="914400">
+            <a:lvl2pPr marL="914400" lvl="1" indent="-304800">
               <a:spcBef>
                 <a:spcPts val="0"/>
               </a:spcBef>
@@ -3128,7 +3216,7 @@
               <a:buChar char="○"/>
               <a:defRPr sz="1200"/>
             </a:lvl2pPr>
-            <a:lvl3pPr indent="-304800" lvl="2" marL="1371600">
+            <a:lvl3pPr marL="1371600" lvl="2" indent="-304800">
               <a:spcBef>
                 <a:spcPts val="0"/>
               </a:spcBef>
@@ -3139,7 +3227,7 @@
               <a:buChar char="■"/>
               <a:defRPr sz="1200"/>
             </a:lvl3pPr>
-            <a:lvl4pPr indent="-304800" lvl="3" marL="1828800">
+            <a:lvl4pPr marL="1828800" lvl="3" indent="-304800">
               <a:spcBef>
                 <a:spcPts val="0"/>
               </a:spcBef>
@@ -3150,7 +3238,7 @@
               <a:buChar char="●"/>
               <a:defRPr sz="1200"/>
             </a:lvl4pPr>
-            <a:lvl5pPr indent="-304800" lvl="4" marL="2286000">
+            <a:lvl5pPr marL="2286000" lvl="4" indent="-304800">
               <a:spcBef>
                 <a:spcPts val="0"/>
               </a:spcBef>
@@ -3161,7 +3249,7 @@
               <a:buChar char="○"/>
               <a:defRPr sz="1200"/>
             </a:lvl5pPr>
-            <a:lvl6pPr indent="-304800" lvl="5" marL="2743200">
+            <a:lvl6pPr marL="2743200" lvl="5" indent="-304800">
               <a:spcBef>
                 <a:spcPts val="0"/>
               </a:spcBef>
@@ -3172,7 +3260,7 @@
               <a:buChar char="■"/>
               <a:defRPr sz="1200"/>
             </a:lvl6pPr>
-            <a:lvl7pPr indent="-304800" lvl="6" marL="3200400">
+            <a:lvl7pPr marL="3200400" lvl="6" indent="-304800">
               <a:spcBef>
                 <a:spcPts val="0"/>
               </a:spcBef>
@@ -3183,7 +3271,7 @@
               <a:buChar char="●"/>
               <a:defRPr sz="1200"/>
             </a:lvl7pPr>
-            <a:lvl8pPr indent="-304800" lvl="7" marL="3657600">
+            <a:lvl8pPr marL="3657600" lvl="7" indent="-304800">
               <a:spcBef>
                 <a:spcPts val="0"/>
               </a:spcBef>
@@ -3194,7 +3282,7 @@
               <a:buChar char="○"/>
               <a:defRPr sz="1200"/>
             </a:lvl8pPr>
-            <a:lvl9pPr indent="-304800" lvl="8" marL="4114800">
+            <a:lvl9pPr marL="4114800" lvl="8" indent="-304800">
               <a:spcBef>
                 <a:spcPts val="0"/>
               </a:spcBef>
@@ -3206,15 +3294,19 @@
               <a:defRPr sz="1200"/>
             </a:lvl9pPr>
           </a:lstStyle>
-          <a:p/>
+          <a:p>
+            <a:endParaRPr/>
+          </a:p>
         </p:txBody>
       </p:sp>
       <p:sp>
         <p:nvSpPr>
           <p:cNvPr id="23" name="Google Shape;23;p5"/>
-          <p:cNvSpPr txBox="1"/>
+          <p:cNvSpPr txBox="1">
+            <a:spLocks noGrp="1"/>
+          </p:cNvSpPr>
           <p:nvPr>
-            <p:ph idx="2" type="body"/>
+            <p:ph type="body" idx="2"/>
           </p:nvPr>
         </p:nvSpPr>
         <p:spPr>
@@ -3227,11 +3319,11 @@
           </a:prstGeom>
         </p:spPr>
         <p:txBody>
-          <a:bodyPr anchorCtr="0" anchor="t" bIns="91425" lIns="91425" spcFirstLastPara="1" rIns="91425" wrap="square" tIns="91425">
+          <a:bodyPr spcFirstLastPara="1" wrap="square" lIns="91425" tIns="91425" rIns="91425" bIns="91425" anchor="t" anchorCtr="0">
             <a:normAutofit/>
           </a:bodyPr>
           <a:lstStyle>
-            <a:lvl1pPr indent="-317500" lvl="0" marL="457200">
+            <a:lvl1pPr marL="457200" lvl="0" indent="-317500">
               <a:spcBef>
                 <a:spcPts val="0"/>
               </a:spcBef>
@@ -3242,7 +3334,7 @@
               <a:buChar char="●"/>
               <a:defRPr sz="1400"/>
             </a:lvl1pPr>
-            <a:lvl2pPr indent="-304800" lvl="1" marL="914400">
+            <a:lvl2pPr marL="914400" lvl="1" indent="-304800">
               <a:spcBef>
                 <a:spcPts val="0"/>
               </a:spcBef>
@@ -3253,7 +3345,7 @@
               <a:buChar char="○"/>
               <a:defRPr sz="1200"/>
             </a:lvl2pPr>
-            <a:lvl3pPr indent="-304800" lvl="2" marL="1371600">
+            <a:lvl3pPr marL="1371600" lvl="2" indent="-304800">
               <a:spcBef>
                 <a:spcPts val="0"/>
               </a:spcBef>
@@ -3264,7 +3356,7 @@
               <a:buChar char="■"/>
               <a:defRPr sz="1200"/>
             </a:lvl3pPr>
-            <a:lvl4pPr indent="-304800" lvl="3" marL="1828800">
+            <a:lvl4pPr marL="1828800" lvl="3" indent="-304800">
               <a:spcBef>
                 <a:spcPts val="0"/>
               </a:spcBef>
@@ -3275,7 +3367,7 @@
               <a:buChar char="●"/>
               <a:defRPr sz="1200"/>
             </a:lvl4pPr>
-            <a:lvl5pPr indent="-304800" lvl="4" marL="2286000">
+            <a:lvl5pPr marL="2286000" lvl="4" indent="-304800">
               <a:spcBef>
                 <a:spcPts val="0"/>
               </a:spcBef>
@@ -3286,7 +3378,7 @@
               <a:buChar char="○"/>
               <a:defRPr sz="1200"/>
             </a:lvl5pPr>
-            <a:lvl6pPr indent="-304800" lvl="5" marL="2743200">
+            <a:lvl6pPr marL="2743200" lvl="5" indent="-304800">
               <a:spcBef>
                 <a:spcPts val="0"/>
               </a:spcBef>
@@ -3297,7 +3389,7 @@
               <a:buChar char="■"/>
               <a:defRPr sz="1200"/>
             </a:lvl6pPr>
-            <a:lvl7pPr indent="-304800" lvl="6" marL="3200400">
+            <a:lvl7pPr marL="3200400" lvl="6" indent="-304800">
               <a:spcBef>
                 <a:spcPts val="0"/>
               </a:spcBef>
@@ -3308,7 +3400,7 @@
               <a:buChar char="●"/>
               <a:defRPr sz="1200"/>
             </a:lvl7pPr>
-            <a:lvl8pPr indent="-304800" lvl="7" marL="3657600">
+            <a:lvl8pPr marL="3657600" lvl="7" indent="-304800">
               <a:spcBef>
                 <a:spcPts val="0"/>
               </a:spcBef>
@@ -3319,7 +3411,7 @@
               <a:buChar char="○"/>
               <a:defRPr sz="1200"/>
             </a:lvl8pPr>
-            <a:lvl9pPr indent="-304800" lvl="8" marL="4114800">
+            <a:lvl9pPr marL="4114800" lvl="8" indent="-304800">
               <a:spcBef>
                 <a:spcPts val="0"/>
               </a:spcBef>
@@ -3331,15 +3423,19 @@
               <a:defRPr sz="1200"/>
             </a:lvl9pPr>
           </a:lstStyle>
-          <a:p/>
+          <a:p>
+            <a:endParaRPr/>
+          </a:p>
         </p:txBody>
       </p:sp>
       <p:sp>
         <p:nvSpPr>
           <p:cNvPr id="24" name="Google Shape;24;p5"/>
-          <p:cNvSpPr txBox="1"/>
+          <p:cNvSpPr txBox="1">
+            <a:spLocks noGrp="1"/>
+          </p:cNvSpPr>
           <p:nvPr>
-            <p:ph idx="12" type="sldNum"/>
+            <p:ph type="sldNum" idx="12"/>
           </p:nvPr>
         </p:nvSpPr>
         <p:spPr>
@@ -3352,7 +3448,7 @@
           </a:prstGeom>
         </p:spPr>
         <p:txBody>
-          <a:bodyPr anchorCtr="0" anchor="ctr" bIns="91425" lIns="91425" spcFirstLastPara="1" rIns="91425" wrap="square" tIns="91425">
+          <a:bodyPr spcFirstLastPara="1" wrap="square" lIns="91425" tIns="91425" rIns="91425" bIns="91425" anchor="ctr" anchorCtr="0">
             <a:normAutofit/>
           </a:bodyPr>
           <a:lstStyle>
@@ -3394,7 +3490,7 @@
             </a:lvl9pPr>
           </a:lstStyle>
           <a:p>
-            <a:pPr indent="0" lvl="0" marL="0" rtl="0" algn="r">
+            <a:pPr marL="0" lvl="0" indent="0" algn="r" rtl="0">
               <a:spcBef>
                 <a:spcPts val="0"/>
               </a:spcBef>
@@ -3420,11 +3516,11 @@
 </file>
 
 <file path=ppt/slideLayouts/slideLayout5.xml><?xml version="1.0" encoding="utf-8"?>
-<p:sldLayout xmlns:a="http://schemas.openxmlformats.org/drawingml/2006/main" xmlns:r="http://schemas.openxmlformats.org/officeDocument/2006/relationships" xmlns:mc="http://schemas.openxmlformats.org/markup-compatibility/2006" xmlns:mv="urn:schemas-microsoft-com:mac:vml" xmlns:p="http://schemas.openxmlformats.org/presentationml/2006/main" xmlns:c="http://schemas.openxmlformats.org/drawingml/2006/chart" xmlns:dgm="http://schemas.openxmlformats.org/drawingml/2006/diagram" xmlns:o="urn:schemas-microsoft-com:office:office" xmlns:v="urn:schemas-microsoft-com:vml" xmlns:pvml="urn:schemas-microsoft-com:office:powerpoint" xmlns:com="http://schemas.openxmlformats.org/drawingml/2006/compatibility" xmlns:p14="http://schemas.microsoft.com/office/powerpoint/2010/main" xmlns:p15="http://schemas.microsoft.com/office/powerpoint/2012/main" xmlns:ahyp="http://schemas.microsoft.com/office/drawing/2018/hyperlinkcolor" matchingName="Title only" type="titleOnly">
+<p:sldLayout xmlns:a="http://schemas.openxmlformats.org/drawingml/2006/main" xmlns:r="http://schemas.openxmlformats.org/officeDocument/2006/relationships" xmlns:p="http://schemas.openxmlformats.org/presentationml/2006/main" matchingName="Title only" type="titleOnly">
   <p:cSld name="TITLE_ONLY">
     <p:spTree>
       <p:nvGrpSpPr>
-        <p:cNvPr id="25" name="Shape 25"/>
+        <p:cNvPr id="1" name="Shape 25"/>
         <p:cNvGrpSpPr/>
         <p:nvPr/>
       </p:nvGrpSpPr>
@@ -3439,7 +3535,9 @@
       <p:sp>
         <p:nvSpPr>
           <p:cNvPr id="26" name="Google Shape;26;p6"/>
-          <p:cNvSpPr txBox="1"/>
+          <p:cNvSpPr txBox="1">
+            <a:spLocks noGrp="1"/>
+          </p:cNvSpPr>
           <p:nvPr>
             <p:ph type="title"/>
           </p:nvPr>
@@ -3454,7 +3552,7 @@
           </a:prstGeom>
         </p:spPr>
         <p:txBody>
-          <a:bodyPr anchorCtr="0" anchor="t" bIns="91425" lIns="91425" spcFirstLastPara="1" rIns="91425" wrap="square" tIns="91425">
+          <a:bodyPr spcFirstLastPara="1" wrap="square" lIns="91425" tIns="91425" rIns="91425" bIns="91425" anchor="t" anchorCtr="0">
             <a:normAutofit/>
           </a:bodyPr>
           <a:lstStyle>
@@ -3558,15 +3656,19 @@
               <a:defRPr/>
             </a:lvl9pPr>
           </a:lstStyle>
-          <a:p/>
+          <a:p>
+            <a:endParaRPr/>
+          </a:p>
         </p:txBody>
       </p:sp>
       <p:sp>
         <p:nvSpPr>
           <p:cNvPr id="27" name="Google Shape;27;p6"/>
-          <p:cNvSpPr txBox="1"/>
+          <p:cNvSpPr txBox="1">
+            <a:spLocks noGrp="1"/>
+          </p:cNvSpPr>
           <p:nvPr>
-            <p:ph idx="12" type="sldNum"/>
+            <p:ph type="sldNum" idx="12"/>
           </p:nvPr>
         </p:nvSpPr>
         <p:spPr>
@@ -3579,7 +3681,7 @@
           </a:prstGeom>
         </p:spPr>
         <p:txBody>
-          <a:bodyPr anchorCtr="0" anchor="ctr" bIns="91425" lIns="91425" spcFirstLastPara="1" rIns="91425" wrap="square" tIns="91425">
+          <a:bodyPr spcFirstLastPara="1" wrap="square" lIns="91425" tIns="91425" rIns="91425" bIns="91425" anchor="ctr" anchorCtr="0">
             <a:normAutofit/>
           </a:bodyPr>
           <a:lstStyle>
@@ -3621,7 +3723,7 @@
             </a:lvl9pPr>
           </a:lstStyle>
           <a:p>
-            <a:pPr indent="0" lvl="0" marL="0" rtl="0" algn="r">
+            <a:pPr marL="0" lvl="0" indent="0" algn="r" rtl="0">
               <a:spcBef>
                 <a:spcPts val="0"/>
               </a:spcBef>
@@ -3647,11 +3749,11 @@
 </file>
 
 <file path=ppt/slideLayouts/slideLayout6.xml><?xml version="1.0" encoding="utf-8"?>
-<p:sldLayout xmlns:a="http://schemas.openxmlformats.org/drawingml/2006/main" xmlns:r="http://schemas.openxmlformats.org/officeDocument/2006/relationships" xmlns:mc="http://schemas.openxmlformats.org/markup-compatibility/2006" xmlns:mv="urn:schemas-microsoft-com:mac:vml" xmlns:p="http://schemas.openxmlformats.org/presentationml/2006/main" xmlns:c="http://schemas.openxmlformats.org/drawingml/2006/chart" xmlns:dgm="http://schemas.openxmlformats.org/drawingml/2006/diagram" xmlns:o="urn:schemas-microsoft-com:office:office" xmlns:v="urn:schemas-microsoft-com:vml" xmlns:pvml="urn:schemas-microsoft-com:office:powerpoint" xmlns:com="http://schemas.openxmlformats.org/drawingml/2006/compatibility" xmlns:p14="http://schemas.microsoft.com/office/powerpoint/2010/main" xmlns:p15="http://schemas.microsoft.com/office/powerpoint/2012/main" xmlns:ahyp="http://schemas.microsoft.com/office/drawing/2018/hyperlinkcolor" matchingName="One column text">
+<p:sldLayout xmlns:a="http://schemas.openxmlformats.org/drawingml/2006/main" xmlns:r="http://schemas.openxmlformats.org/officeDocument/2006/relationships" xmlns:p="http://schemas.openxmlformats.org/presentationml/2006/main" matchingName="One column text">
   <p:cSld name="ONE_COLUMN_TEXT">
     <p:spTree>
       <p:nvGrpSpPr>
-        <p:cNvPr id="28" name="Shape 28"/>
+        <p:cNvPr id="1" name="Shape 28"/>
         <p:cNvGrpSpPr/>
         <p:nvPr/>
       </p:nvGrpSpPr>
@@ -3666,7 +3768,9 @@
       <p:sp>
         <p:nvSpPr>
           <p:cNvPr id="29" name="Google Shape;29;p7"/>
-          <p:cNvSpPr txBox="1"/>
+          <p:cNvSpPr txBox="1">
+            <a:spLocks noGrp="1"/>
+          </p:cNvSpPr>
           <p:nvPr>
             <p:ph type="title"/>
           </p:nvPr>
@@ -3681,7 +3785,7 @@
           </a:prstGeom>
         </p:spPr>
         <p:txBody>
-          <a:bodyPr anchorCtr="0" anchor="b" bIns="91425" lIns="91425" spcFirstLastPara="1" rIns="91425" wrap="square" tIns="91425">
+          <a:bodyPr spcFirstLastPara="1" wrap="square" lIns="91425" tIns="91425" rIns="91425" bIns="91425" anchor="b" anchorCtr="0">
             <a:normAutofit/>
           </a:bodyPr>
           <a:lstStyle>
@@ -3785,15 +3889,19 @@
               <a:defRPr sz="2400"/>
             </a:lvl9pPr>
           </a:lstStyle>
-          <a:p/>
+          <a:p>
+            <a:endParaRPr/>
+          </a:p>
         </p:txBody>
       </p:sp>
       <p:sp>
         <p:nvSpPr>
           <p:cNvPr id="30" name="Google Shape;30;p7"/>
-          <p:cNvSpPr txBox="1"/>
+          <p:cNvSpPr txBox="1">
+            <a:spLocks noGrp="1"/>
+          </p:cNvSpPr>
           <p:nvPr>
-            <p:ph idx="1" type="body"/>
+            <p:ph type="body" idx="1"/>
           </p:nvPr>
         </p:nvSpPr>
         <p:spPr>
@@ -3806,11 +3914,11 @@
           </a:prstGeom>
         </p:spPr>
         <p:txBody>
-          <a:bodyPr anchorCtr="0" anchor="t" bIns="91425" lIns="91425" spcFirstLastPara="1" rIns="91425" wrap="square" tIns="91425">
+          <a:bodyPr spcFirstLastPara="1" wrap="square" lIns="91425" tIns="91425" rIns="91425" bIns="91425" anchor="t" anchorCtr="0">
             <a:normAutofit/>
           </a:bodyPr>
           <a:lstStyle>
-            <a:lvl1pPr indent="-304800" lvl="0" marL="457200">
+            <a:lvl1pPr marL="457200" lvl="0" indent="-304800">
               <a:spcBef>
                 <a:spcPts val="0"/>
               </a:spcBef>
@@ -3821,7 +3929,7 @@
               <a:buChar char="●"/>
               <a:defRPr sz="1200"/>
             </a:lvl1pPr>
-            <a:lvl2pPr indent="-304800" lvl="1" marL="914400">
+            <a:lvl2pPr marL="914400" lvl="1" indent="-304800">
               <a:spcBef>
                 <a:spcPts val="0"/>
               </a:spcBef>
@@ -3832,7 +3940,7 @@
               <a:buChar char="○"/>
               <a:defRPr sz="1200"/>
             </a:lvl2pPr>
-            <a:lvl3pPr indent="-304800" lvl="2" marL="1371600">
+            <a:lvl3pPr marL="1371600" lvl="2" indent="-304800">
               <a:spcBef>
                 <a:spcPts val="0"/>
               </a:spcBef>
@@ -3843,7 +3951,7 @@
               <a:buChar char="■"/>
               <a:defRPr sz="1200"/>
             </a:lvl3pPr>
-            <a:lvl4pPr indent="-304800" lvl="3" marL="1828800">
+            <a:lvl4pPr marL="1828800" lvl="3" indent="-304800">
               <a:spcBef>
                 <a:spcPts val="0"/>
               </a:spcBef>
@@ -3854,7 +3962,7 @@
               <a:buChar char="●"/>
               <a:defRPr sz="1200"/>
             </a:lvl4pPr>
-            <a:lvl5pPr indent="-304800" lvl="4" marL="2286000">
+            <a:lvl5pPr marL="2286000" lvl="4" indent="-304800">
               <a:spcBef>
                 <a:spcPts val="0"/>
               </a:spcBef>
@@ -3865,7 +3973,7 @@
               <a:buChar char="○"/>
               <a:defRPr sz="1200"/>
             </a:lvl5pPr>
-            <a:lvl6pPr indent="-304800" lvl="5" marL="2743200">
+            <a:lvl6pPr marL="2743200" lvl="5" indent="-304800">
               <a:spcBef>
                 <a:spcPts val="0"/>
               </a:spcBef>
@@ -3876,7 +3984,7 @@
               <a:buChar char="■"/>
               <a:defRPr sz="1200"/>
             </a:lvl6pPr>
-            <a:lvl7pPr indent="-304800" lvl="6" marL="3200400">
+            <a:lvl7pPr marL="3200400" lvl="6" indent="-304800">
               <a:spcBef>
                 <a:spcPts val="0"/>
               </a:spcBef>
@@ -3887,7 +3995,7 @@
               <a:buChar char="●"/>
               <a:defRPr sz="1200"/>
             </a:lvl7pPr>
-            <a:lvl8pPr indent="-304800" lvl="7" marL="3657600">
+            <a:lvl8pPr marL="3657600" lvl="7" indent="-304800">
               <a:spcBef>
                 <a:spcPts val="0"/>
               </a:spcBef>
@@ -3898,7 +4006,7 @@
               <a:buChar char="○"/>
               <a:defRPr sz="1200"/>
             </a:lvl8pPr>
-            <a:lvl9pPr indent="-304800" lvl="8" marL="4114800">
+            <a:lvl9pPr marL="4114800" lvl="8" indent="-304800">
               <a:spcBef>
                 <a:spcPts val="0"/>
               </a:spcBef>
@@ -3910,15 +4018,19 @@
               <a:defRPr sz="1200"/>
             </a:lvl9pPr>
           </a:lstStyle>
-          <a:p/>
+          <a:p>
+            <a:endParaRPr/>
+          </a:p>
         </p:txBody>
       </p:sp>
       <p:sp>
         <p:nvSpPr>
           <p:cNvPr id="31" name="Google Shape;31;p7"/>
-          <p:cNvSpPr txBox="1"/>
+          <p:cNvSpPr txBox="1">
+            <a:spLocks noGrp="1"/>
+          </p:cNvSpPr>
           <p:nvPr>
-            <p:ph idx="12" type="sldNum"/>
+            <p:ph type="sldNum" idx="12"/>
           </p:nvPr>
         </p:nvSpPr>
         <p:spPr>
@@ -3931,7 +4043,7 @@
           </a:prstGeom>
         </p:spPr>
         <p:txBody>
-          <a:bodyPr anchorCtr="0" anchor="ctr" bIns="91425" lIns="91425" spcFirstLastPara="1" rIns="91425" wrap="square" tIns="91425">
+          <a:bodyPr spcFirstLastPara="1" wrap="square" lIns="91425" tIns="91425" rIns="91425" bIns="91425" anchor="ctr" anchorCtr="0">
             <a:normAutofit/>
           </a:bodyPr>
           <a:lstStyle>
@@ -3973,7 +4085,7 @@
             </a:lvl9pPr>
           </a:lstStyle>
           <a:p>
-            <a:pPr indent="0" lvl="0" marL="0" rtl="0" algn="r">
+            <a:pPr marL="0" lvl="0" indent="0" algn="r" rtl="0">
               <a:spcBef>
                 <a:spcPts val="0"/>
               </a:spcBef>
@@ -3999,11 +4111,11 @@
 </file>
 
 <file path=ppt/slideLayouts/slideLayout7.xml><?xml version="1.0" encoding="utf-8"?>
-<p:sldLayout xmlns:a="http://schemas.openxmlformats.org/drawingml/2006/main" xmlns:r="http://schemas.openxmlformats.org/officeDocument/2006/relationships" xmlns:mc="http://schemas.openxmlformats.org/markup-compatibility/2006" xmlns:mv="urn:schemas-microsoft-com:mac:vml" xmlns:p="http://schemas.openxmlformats.org/presentationml/2006/main" xmlns:c="http://schemas.openxmlformats.org/drawingml/2006/chart" xmlns:dgm="http://schemas.openxmlformats.org/drawingml/2006/diagram" xmlns:o="urn:schemas-microsoft-com:office:office" xmlns:v="urn:schemas-microsoft-com:vml" xmlns:pvml="urn:schemas-microsoft-com:office:powerpoint" xmlns:com="http://schemas.openxmlformats.org/drawingml/2006/compatibility" xmlns:p14="http://schemas.microsoft.com/office/powerpoint/2010/main" xmlns:p15="http://schemas.microsoft.com/office/powerpoint/2012/main" xmlns:ahyp="http://schemas.microsoft.com/office/drawing/2018/hyperlinkcolor" matchingName="Main point">
+<p:sldLayout xmlns:a="http://schemas.openxmlformats.org/drawingml/2006/main" xmlns:r="http://schemas.openxmlformats.org/officeDocument/2006/relationships" xmlns:p="http://schemas.openxmlformats.org/presentationml/2006/main" matchingName="Main point">
   <p:cSld name="MAIN_POINT">
     <p:spTree>
       <p:nvGrpSpPr>
-        <p:cNvPr id="32" name="Shape 32"/>
+        <p:cNvPr id="1" name="Shape 32"/>
         <p:cNvGrpSpPr/>
         <p:nvPr/>
       </p:nvGrpSpPr>
@@ -4018,7 +4130,9 @@
       <p:sp>
         <p:nvSpPr>
           <p:cNvPr id="33" name="Google Shape;33;p8"/>
-          <p:cNvSpPr txBox="1"/>
+          <p:cNvSpPr txBox="1">
+            <a:spLocks noGrp="1"/>
+          </p:cNvSpPr>
           <p:nvPr>
             <p:ph type="title"/>
           </p:nvPr>
@@ -4033,7 +4147,7 @@
           </a:prstGeom>
         </p:spPr>
         <p:txBody>
-          <a:bodyPr anchorCtr="0" anchor="ctr" bIns="91425" lIns="91425" spcFirstLastPara="1" rIns="91425" wrap="square" tIns="91425">
+          <a:bodyPr spcFirstLastPara="1" wrap="square" lIns="91425" tIns="91425" rIns="91425" bIns="91425" anchor="ctr" anchorCtr="0">
             <a:normAutofit/>
           </a:bodyPr>
           <a:lstStyle>
@@ -4137,15 +4251,19 @@
               <a:defRPr sz="4800"/>
             </a:lvl9pPr>
           </a:lstStyle>
-          <a:p/>
+          <a:p>
+            <a:endParaRPr/>
+          </a:p>
         </p:txBody>
       </p:sp>
       <p:sp>
         <p:nvSpPr>
           <p:cNvPr id="34" name="Google Shape;34;p8"/>
-          <p:cNvSpPr txBox="1"/>
+          <p:cNvSpPr txBox="1">
+            <a:spLocks noGrp="1"/>
+          </p:cNvSpPr>
           <p:nvPr>
-            <p:ph idx="12" type="sldNum"/>
+            <p:ph type="sldNum" idx="12"/>
           </p:nvPr>
         </p:nvSpPr>
         <p:spPr>
@@ -4158,7 +4276,7 @@
           </a:prstGeom>
         </p:spPr>
         <p:txBody>
-          <a:bodyPr anchorCtr="0" anchor="ctr" bIns="91425" lIns="91425" spcFirstLastPara="1" rIns="91425" wrap="square" tIns="91425">
+          <a:bodyPr spcFirstLastPara="1" wrap="square" lIns="91425" tIns="91425" rIns="91425" bIns="91425" anchor="ctr" anchorCtr="0">
             <a:normAutofit/>
           </a:bodyPr>
           <a:lstStyle>
@@ -4200,7 +4318,7 @@
             </a:lvl9pPr>
           </a:lstStyle>
           <a:p>
-            <a:pPr indent="0" lvl="0" marL="0" rtl="0" algn="r">
+            <a:pPr marL="0" lvl="0" indent="0" algn="r" rtl="0">
               <a:spcBef>
                 <a:spcPts val="0"/>
               </a:spcBef>
@@ -4226,11 +4344,11 @@
 </file>
 
 <file path=ppt/slideLayouts/slideLayout8.xml><?xml version="1.0" encoding="utf-8"?>
-<p:sldLayout xmlns:a="http://schemas.openxmlformats.org/drawingml/2006/main" xmlns:r="http://schemas.openxmlformats.org/officeDocument/2006/relationships" xmlns:mc="http://schemas.openxmlformats.org/markup-compatibility/2006" xmlns:mv="urn:schemas-microsoft-com:mac:vml" xmlns:p="http://schemas.openxmlformats.org/presentationml/2006/main" xmlns:c="http://schemas.openxmlformats.org/drawingml/2006/chart" xmlns:dgm="http://schemas.openxmlformats.org/drawingml/2006/diagram" xmlns:o="urn:schemas-microsoft-com:office:office" xmlns:v="urn:schemas-microsoft-com:vml" xmlns:pvml="urn:schemas-microsoft-com:office:powerpoint" xmlns:com="http://schemas.openxmlformats.org/drawingml/2006/compatibility" xmlns:p14="http://schemas.microsoft.com/office/powerpoint/2010/main" xmlns:p15="http://schemas.microsoft.com/office/powerpoint/2012/main" xmlns:ahyp="http://schemas.microsoft.com/office/drawing/2018/hyperlinkcolor" matchingName="Section title and description">
+<p:sldLayout xmlns:a="http://schemas.openxmlformats.org/drawingml/2006/main" xmlns:r="http://schemas.openxmlformats.org/officeDocument/2006/relationships" xmlns:p="http://schemas.openxmlformats.org/presentationml/2006/main" matchingName="Section title and description">
   <p:cSld name="SECTION_TITLE_AND_DESCRIPTION">
     <p:spTree>
       <p:nvGrpSpPr>
-        <p:cNvPr id="35" name="Shape 35"/>
+        <p:cNvPr id="1" name="Shape 35"/>
         <p:cNvGrpSpPr/>
         <p:nvPr/>
       </p:nvGrpSpPr>
@@ -4264,12 +4382,12 @@
           </a:ln>
         </p:spPr>
         <p:txBody>
-          <a:bodyPr anchorCtr="0" anchor="ctr" bIns="91425" lIns="91425" spcFirstLastPara="1" rIns="91425" wrap="square" tIns="91425">
+          <a:bodyPr spcFirstLastPara="1" wrap="square" lIns="91425" tIns="91425" rIns="91425" bIns="91425" anchor="ctr" anchorCtr="0">
             <a:noAutofit/>
           </a:bodyPr>
           <a:lstStyle/>
           <a:p>
-            <a:pPr indent="0" lvl="0" marL="0" rtl="0" algn="l">
+            <a:pPr marL="0" lvl="0" indent="0" algn="l" rtl="0">
               <a:spcBef>
                 <a:spcPts val="0"/>
               </a:spcBef>
@@ -4278,9 +4396,6 @@
               </a:spcAft>
               <a:buNone/>
             </a:pPr>
-            <a:r>
-              <a:t/>
-            </a:r>
             <a:endParaRPr/>
           </a:p>
         </p:txBody>
@@ -4288,7 +4403,9 @@
       <p:sp>
         <p:nvSpPr>
           <p:cNvPr id="37" name="Google Shape;37;p9"/>
-          <p:cNvSpPr txBox="1"/>
+          <p:cNvSpPr txBox="1">
+            <a:spLocks noGrp="1"/>
+          </p:cNvSpPr>
           <p:nvPr>
             <p:ph type="title"/>
           </p:nvPr>
@@ -4303,7 +4420,7 @@
           </a:prstGeom>
         </p:spPr>
         <p:txBody>
-          <a:bodyPr anchorCtr="0" anchor="b" bIns="91425" lIns="91425" spcFirstLastPara="1" rIns="91425" wrap="square" tIns="91425">
+          <a:bodyPr spcFirstLastPara="1" wrap="square" lIns="91425" tIns="91425" rIns="91425" bIns="91425" anchor="b" anchorCtr="0">
             <a:normAutofit/>
           </a:bodyPr>
           <a:lstStyle>
@@ -4407,15 +4524,19 @@
               <a:defRPr sz="4200"/>
             </a:lvl9pPr>
           </a:lstStyle>
-          <a:p/>
+          <a:p>
+            <a:endParaRPr/>
+          </a:p>
         </p:txBody>
       </p:sp>
       <p:sp>
         <p:nvSpPr>
           <p:cNvPr id="38" name="Google Shape;38;p9"/>
-          <p:cNvSpPr txBox="1"/>
+          <p:cNvSpPr txBox="1">
+            <a:spLocks noGrp="1"/>
+          </p:cNvSpPr>
           <p:nvPr>
-            <p:ph idx="1" type="subTitle"/>
+            <p:ph type="subTitle" idx="1"/>
           </p:nvPr>
         </p:nvSpPr>
         <p:spPr>
@@ -4428,7 +4549,7 @@
           </a:prstGeom>
         </p:spPr>
         <p:txBody>
-          <a:bodyPr anchorCtr="0" anchor="t" bIns="91425" lIns="91425" spcFirstLastPara="1" rIns="91425" wrap="square" tIns="91425">
+          <a:bodyPr spcFirstLastPara="1" wrap="square" lIns="91425" tIns="91425" rIns="91425" bIns="91425" anchor="t" anchorCtr="0">
             <a:normAutofit/>
           </a:bodyPr>
           <a:lstStyle>
@@ -4559,15 +4680,19 @@
               <a:defRPr sz="2100"/>
             </a:lvl9pPr>
           </a:lstStyle>
-          <a:p/>
+          <a:p>
+            <a:endParaRPr/>
+          </a:p>
         </p:txBody>
       </p:sp>
       <p:sp>
         <p:nvSpPr>
           <p:cNvPr id="39" name="Google Shape;39;p9"/>
-          <p:cNvSpPr txBox="1"/>
+          <p:cNvSpPr txBox="1">
+            <a:spLocks noGrp="1"/>
+          </p:cNvSpPr>
           <p:nvPr>
-            <p:ph idx="2" type="body"/>
+            <p:ph type="body" idx="2"/>
           </p:nvPr>
         </p:nvSpPr>
         <p:spPr>
@@ -4580,11 +4705,11 @@
           </a:prstGeom>
         </p:spPr>
         <p:txBody>
-          <a:bodyPr anchorCtr="0" anchor="ctr" bIns="91425" lIns="91425" spcFirstLastPara="1" rIns="91425" wrap="square" tIns="91425">
+          <a:bodyPr spcFirstLastPara="1" wrap="square" lIns="91425" tIns="91425" rIns="91425" bIns="91425" anchor="ctr" anchorCtr="0">
             <a:normAutofit/>
           </a:bodyPr>
           <a:lstStyle>
-            <a:lvl1pPr indent="-342900" lvl="0" marL="457200">
+            <a:lvl1pPr marL="457200" lvl="0" indent="-342900">
               <a:spcBef>
                 <a:spcPts val="0"/>
               </a:spcBef>
@@ -4595,7 +4720,7 @@
               <a:buChar char="●"/>
               <a:defRPr/>
             </a:lvl1pPr>
-            <a:lvl2pPr indent="-317500" lvl="1" marL="914400">
+            <a:lvl2pPr marL="914400" lvl="1" indent="-317500">
               <a:spcBef>
                 <a:spcPts val="0"/>
               </a:spcBef>
@@ -4606,7 +4731,7 @@
               <a:buChar char="○"/>
               <a:defRPr/>
             </a:lvl2pPr>
-            <a:lvl3pPr indent="-317500" lvl="2" marL="1371600">
+            <a:lvl3pPr marL="1371600" lvl="2" indent="-317500">
               <a:spcBef>
                 <a:spcPts val="0"/>
               </a:spcBef>
@@ -4617,7 +4742,7 @@
               <a:buChar char="■"/>
               <a:defRPr/>
             </a:lvl3pPr>
-            <a:lvl4pPr indent="-317500" lvl="3" marL="1828800">
+            <a:lvl4pPr marL="1828800" lvl="3" indent="-317500">
               <a:spcBef>
                 <a:spcPts val="0"/>
               </a:spcBef>
@@ -4628,7 +4753,7 @@
               <a:buChar char="●"/>
               <a:defRPr/>
             </a:lvl4pPr>
-            <a:lvl5pPr indent="-317500" lvl="4" marL="2286000">
+            <a:lvl5pPr marL="2286000" lvl="4" indent="-317500">
               <a:spcBef>
                 <a:spcPts val="0"/>
               </a:spcBef>
@@ -4639,7 +4764,7 @@
               <a:buChar char="○"/>
               <a:defRPr/>
             </a:lvl5pPr>
-            <a:lvl6pPr indent="-317500" lvl="5" marL="2743200">
+            <a:lvl6pPr marL="2743200" lvl="5" indent="-317500">
               <a:spcBef>
                 <a:spcPts val="0"/>
               </a:spcBef>
@@ -4650,7 +4775,7 @@
               <a:buChar char="■"/>
               <a:defRPr/>
             </a:lvl6pPr>
-            <a:lvl7pPr indent="-317500" lvl="6" marL="3200400">
+            <a:lvl7pPr marL="3200400" lvl="6" indent="-317500">
               <a:spcBef>
                 <a:spcPts val="0"/>
               </a:spcBef>
@@ -4661,7 +4786,7 @@
               <a:buChar char="●"/>
               <a:defRPr/>
             </a:lvl7pPr>
-            <a:lvl8pPr indent="-317500" lvl="7" marL="3657600">
+            <a:lvl8pPr marL="3657600" lvl="7" indent="-317500">
               <a:spcBef>
                 <a:spcPts val="0"/>
               </a:spcBef>
@@ -4672,7 +4797,7 @@
               <a:buChar char="○"/>
               <a:defRPr/>
             </a:lvl8pPr>
-            <a:lvl9pPr indent="-317500" lvl="8" marL="4114800">
+            <a:lvl9pPr marL="4114800" lvl="8" indent="-317500">
               <a:spcBef>
                 <a:spcPts val="0"/>
               </a:spcBef>
@@ -4684,15 +4809,19 @@
               <a:defRPr/>
             </a:lvl9pPr>
           </a:lstStyle>
-          <a:p/>
+          <a:p>
+            <a:endParaRPr/>
+          </a:p>
         </p:txBody>
       </p:sp>
       <p:sp>
         <p:nvSpPr>
           <p:cNvPr id="40" name="Google Shape;40;p9"/>
-          <p:cNvSpPr txBox="1"/>
+          <p:cNvSpPr txBox="1">
+            <a:spLocks noGrp="1"/>
+          </p:cNvSpPr>
           <p:nvPr>
-            <p:ph idx="12" type="sldNum"/>
+            <p:ph type="sldNum" idx="12"/>
           </p:nvPr>
         </p:nvSpPr>
         <p:spPr>
@@ -4705,7 +4834,7 @@
           </a:prstGeom>
         </p:spPr>
         <p:txBody>
-          <a:bodyPr anchorCtr="0" anchor="ctr" bIns="91425" lIns="91425" spcFirstLastPara="1" rIns="91425" wrap="square" tIns="91425">
+          <a:bodyPr spcFirstLastPara="1" wrap="square" lIns="91425" tIns="91425" rIns="91425" bIns="91425" anchor="ctr" anchorCtr="0">
             <a:normAutofit/>
           </a:bodyPr>
           <a:lstStyle>
@@ -4747,7 +4876,7 @@
             </a:lvl9pPr>
           </a:lstStyle>
           <a:p>
-            <a:pPr indent="0" lvl="0" marL="0" rtl="0" algn="r">
+            <a:pPr marL="0" lvl="0" indent="0" algn="r" rtl="0">
               <a:spcBef>
                 <a:spcPts val="0"/>
               </a:spcBef>
@@ -4773,11 +4902,11 @@
 </file>
 
 <file path=ppt/slideLayouts/slideLayout9.xml><?xml version="1.0" encoding="utf-8"?>
-<p:sldLayout xmlns:a="http://schemas.openxmlformats.org/drawingml/2006/main" xmlns:r="http://schemas.openxmlformats.org/officeDocument/2006/relationships" xmlns:mc="http://schemas.openxmlformats.org/markup-compatibility/2006" xmlns:mv="urn:schemas-microsoft-com:mac:vml" xmlns:p="http://schemas.openxmlformats.org/presentationml/2006/main" xmlns:c="http://schemas.openxmlformats.org/drawingml/2006/chart" xmlns:dgm="http://schemas.openxmlformats.org/drawingml/2006/diagram" xmlns:o="urn:schemas-microsoft-com:office:office" xmlns:v="urn:schemas-microsoft-com:vml" xmlns:pvml="urn:schemas-microsoft-com:office:powerpoint" xmlns:com="http://schemas.openxmlformats.org/drawingml/2006/compatibility" xmlns:p14="http://schemas.microsoft.com/office/powerpoint/2010/main" xmlns:p15="http://schemas.microsoft.com/office/powerpoint/2012/main" xmlns:ahyp="http://schemas.microsoft.com/office/drawing/2018/hyperlinkcolor" matchingName="Caption">
+<p:sldLayout xmlns:a="http://schemas.openxmlformats.org/drawingml/2006/main" xmlns:r="http://schemas.openxmlformats.org/officeDocument/2006/relationships" xmlns:p="http://schemas.openxmlformats.org/presentationml/2006/main" matchingName="Caption">
   <p:cSld name="CAPTION_ONLY">
     <p:spTree>
       <p:nvGrpSpPr>
-        <p:cNvPr id="41" name="Shape 41"/>
+        <p:cNvPr id="1" name="Shape 41"/>
         <p:cNvGrpSpPr/>
         <p:nvPr/>
       </p:nvGrpSpPr>
@@ -4792,9 +4921,11 @@
       <p:sp>
         <p:nvSpPr>
           <p:cNvPr id="42" name="Google Shape;42;p10"/>
-          <p:cNvSpPr txBox="1"/>
+          <p:cNvSpPr txBox="1">
+            <a:spLocks noGrp="1"/>
+          </p:cNvSpPr>
           <p:nvPr>
-            <p:ph idx="1" type="body"/>
+            <p:ph type="body" idx="1"/>
           </p:nvPr>
         </p:nvSpPr>
         <p:spPr>
@@ -4807,11 +4938,11 @@
           </a:prstGeom>
         </p:spPr>
         <p:txBody>
-          <a:bodyPr anchorCtr="0" anchor="ctr" bIns="91425" lIns="91425" spcFirstLastPara="1" rIns="91425" wrap="square" tIns="91425">
+          <a:bodyPr spcFirstLastPara="1" wrap="square" lIns="91425" tIns="91425" rIns="91425" bIns="91425" anchor="ctr" anchorCtr="0">
             <a:normAutofit/>
           </a:bodyPr>
           <a:lstStyle>
-            <a:lvl1pPr indent="-228600" lvl="0" marL="457200">
+            <a:lvl1pPr marL="457200" lvl="0" indent="-228600">
               <a:lnSpc>
                 <a:spcPct val="100000"/>
               </a:lnSpc>
@@ -4826,15 +4957,19 @@
               <a:defRPr/>
             </a:lvl1pPr>
           </a:lstStyle>
-          <a:p/>
+          <a:p>
+            <a:endParaRPr/>
+          </a:p>
         </p:txBody>
       </p:sp>
       <p:sp>
         <p:nvSpPr>
           <p:cNvPr id="43" name="Google Shape;43;p10"/>
-          <p:cNvSpPr txBox="1"/>
+          <p:cNvSpPr txBox="1">
+            <a:spLocks noGrp="1"/>
+          </p:cNvSpPr>
           <p:nvPr>
-            <p:ph idx="12" type="sldNum"/>
+            <p:ph type="sldNum" idx="12"/>
           </p:nvPr>
         </p:nvSpPr>
         <p:spPr>
@@ -4847,7 +4982,7 @@
           </a:prstGeom>
         </p:spPr>
         <p:txBody>
-          <a:bodyPr anchorCtr="0" anchor="ctr" bIns="91425" lIns="91425" spcFirstLastPara="1" rIns="91425" wrap="square" tIns="91425">
+          <a:bodyPr spcFirstLastPara="1" wrap="square" lIns="91425" tIns="91425" rIns="91425" bIns="91425" anchor="ctr" anchorCtr="0">
             <a:normAutofit/>
           </a:bodyPr>
           <a:lstStyle>
@@ -4889,7 +5024,7 @@
             </a:lvl9pPr>
           </a:lstStyle>
           <a:p>
-            <a:pPr indent="0" lvl="0" marL="0" rtl="0" algn="r">
+            <a:pPr marL="0" lvl="0" indent="0" algn="r" rtl="0">
               <a:spcBef>
                 <a:spcPts val="0"/>
               </a:spcBef>
@@ -4915,18 +5050,19 @@
 </file>
 
 <file path=ppt/slideMasters/slideMaster1.xml><?xml version="1.0" encoding="utf-8"?>
-<p:sldMaster xmlns:a="http://schemas.openxmlformats.org/drawingml/2006/main" xmlns:r="http://schemas.openxmlformats.org/officeDocument/2006/relationships" xmlns:mc="http://schemas.openxmlformats.org/markup-compatibility/2006" xmlns:mv="urn:schemas-microsoft-com:mac:vml" xmlns:p="http://schemas.openxmlformats.org/presentationml/2006/main" xmlns:c="http://schemas.openxmlformats.org/drawingml/2006/chart" xmlns:dgm="http://schemas.openxmlformats.org/drawingml/2006/diagram" xmlns:o="urn:schemas-microsoft-com:office:office" xmlns:v="urn:schemas-microsoft-com:vml" xmlns:pvml="urn:schemas-microsoft-com:office:powerpoint" xmlns:com="http://schemas.openxmlformats.org/drawingml/2006/compatibility" xmlns:p14="http://schemas.microsoft.com/office/powerpoint/2010/main" xmlns:p15="http://schemas.microsoft.com/office/powerpoint/2012/main" xmlns:ahyp="http://schemas.microsoft.com/office/drawing/2018/hyperlinkcolor">
+<p:sldMaster xmlns:a="http://schemas.openxmlformats.org/drawingml/2006/main" xmlns:r="http://schemas.openxmlformats.org/officeDocument/2006/relationships" xmlns:p="http://schemas.openxmlformats.org/presentationml/2006/main">
   <p:cSld name="simple-light-2">
     <p:bg>
       <p:bgPr>
         <a:solidFill>
           <a:schemeClr val="lt1"/>
         </a:solidFill>
+        <a:effectLst/>
       </p:bgPr>
     </p:bg>
     <p:spTree>
       <p:nvGrpSpPr>
-        <p:cNvPr id="5" name="Shape 5"/>
+        <p:cNvPr id="1" name="Shape 5"/>
         <p:cNvGrpSpPr/>
         <p:nvPr/>
       </p:nvGrpSpPr>
@@ -4941,7 +5077,9 @@
       <p:sp>
         <p:nvSpPr>
           <p:cNvPr id="6" name="Google Shape;6;p1"/>
-          <p:cNvSpPr txBox="1"/>
+          <p:cNvSpPr txBox="1">
+            <a:spLocks noGrp="1"/>
+          </p:cNvSpPr>
           <p:nvPr>
             <p:ph type="title"/>
           </p:nvPr>
@@ -4960,7 +5098,7 @@
           </a:ln>
         </p:spPr>
         <p:txBody>
-          <a:bodyPr anchorCtr="0" anchor="t" bIns="91425" lIns="91425" spcFirstLastPara="1" rIns="91425" wrap="square" tIns="91425">
+          <a:bodyPr spcFirstLastPara="1" wrap="square" lIns="91425" tIns="91425" rIns="91425" bIns="91425" anchor="t" anchorCtr="0">
             <a:normAutofit/>
           </a:bodyPr>
           <a:lstStyle>
@@ -5127,15 +5265,19 @@
               </a:defRPr>
             </a:lvl9pPr>
           </a:lstStyle>
-          <a:p/>
+          <a:p>
+            <a:endParaRPr/>
+          </a:p>
         </p:txBody>
       </p:sp>
       <p:sp>
         <p:nvSpPr>
           <p:cNvPr id="7" name="Google Shape;7;p1"/>
-          <p:cNvSpPr txBox="1"/>
+          <p:cNvSpPr txBox="1">
+            <a:spLocks noGrp="1"/>
+          </p:cNvSpPr>
           <p:nvPr>
-            <p:ph idx="1" type="body"/>
+            <p:ph type="body" idx="1"/>
           </p:nvPr>
         </p:nvSpPr>
         <p:spPr>
@@ -5152,11 +5294,11 @@
           </a:ln>
         </p:spPr>
         <p:txBody>
-          <a:bodyPr anchorCtr="0" anchor="t" bIns="91425" lIns="91425" spcFirstLastPara="1" rIns="91425" wrap="square" tIns="91425">
+          <a:bodyPr spcFirstLastPara="1" wrap="square" lIns="91425" tIns="91425" rIns="91425" bIns="91425" anchor="t" anchorCtr="0">
             <a:normAutofit/>
           </a:bodyPr>
           <a:lstStyle>
-            <a:lvl1pPr indent="-342900" lvl="0" marL="457200">
+            <a:lvl1pPr marL="457200" lvl="0" indent="-342900">
               <a:lnSpc>
                 <a:spcPct val="115000"/>
               </a:lnSpc>
@@ -5177,7 +5319,7 @@
                 </a:solidFill>
               </a:defRPr>
             </a:lvl1pPr>
-            <a:lvl2pPr indent="-317500" lvl="1" marL="914400">
+            <a:lvl2pPr marL="914400" lvl="1" indent="-317500">
               <a:lnSpc>
                 <a:spcPct val="115000"/>
               </a:lnSpc>
@@ -5198,7 +5340,7 @@
                 </a:solidFill>
               </a:defRPr>
             </a:lvl2pPr>
-            <a:lvl3pPr indent="-317500" lvl="2" marL="1371600">
+            <a:lvl3pPr marL="1371600" lvl="2" indent="-317500">
               <a:lnSpc>
                 <a:spcPct val="115000"/>
               </a:lnSpc>
@@ -5219,7 +5361,7 @@
                 </a:solidFill>
               </a:defRPr>
             </a:lvl3pPr>
-            <a:lvl4pPr indent="-317500" lvl="3" marL="1828800">
+            <a:lvl4pPr marL="1828800" lvl="3" indent="-317500">
               <a:lnSpc>
                 <a:spcPct val="115000"/>
               </a:lnSpc>
@@ -5240,7 +5382,7 @@
                 </a:solidFill>
               </a:defRPr>
             </a:lvl4pPr>
-            <a:lvl5pPr indent="-317500" lvl="4" marL="2286000">
+            <a:lvl5pPr marL="2286000" lvl="4" indent="-317500">
               <a:lnSpc>
                 <a:spcPct val="115000"/>
               </a:lnSpc>
@@ -5261,7 +5403,7 @@
                 </a:solidFill>
               </a:defRPr>
             </a:lvl5pPr>
-            <a:lvl6pPr indent="-317500" lvl="5" marL="2743200">
+            <a:lvl6pPr marL="2743200" lvl="5" indent="-317500">
               <a:lnSpc>
                 <a:spcPct val="115000"/>
               </a:lnSpc>
@@ -5282,7 +5424,7 @@
                 </a:solidFill>
               </a:defRPr>
             </a:lvl6pPr>
-            <a:lvl7pPr indent="-317500" lvl="6" marL="3200400">
+            <a:lvl7pPr marL="3200400" lvl="6" indent="-317500">
               <a:lnSpc>
                 <a:spcPct val="115000"/>
               </a:lnSpc>
@@ -5303,7 +5445,7 @@
                 </a:solidFill>
               </a:defRPr>
             </a:lvl7pPr>
-            <a:lvl8pPr indent="-317500" lvl="7" marL="3657600">
+            <a:lvl8pPr marL="3657600" lvl="7" indent="-317500">
               <a:lnSpc>
                 <a:spcPct val="115000"/>
               </a:lnSpc>
@@ -5324,7 +5466,7 @@
                 </a:solidFill>
               </a:defRPr>
             </a:lvl8pPr>
-            <a:lvl9pPr indent="-317500" lvl="8" marL="4114800">
+            <a:lvl9pPr marL="4114800" lvl="8" indent="-317500">
               <a:lnSpc>
                 <a:spcPct val="115000"/>
               </a:lnSpc>
@@ -5346,15 +5488,19 @@
               </a:defRPr>
             </a:lvl9pPr>
           </a:lstStyle>
-          <a:p/>
+          <a:p>
+            <a:endParaRPr/>
+          </a:p>
         </p:txBody>
       </p:sp>
       <p:sp>
         <p:nvSpPr>
           <p:cNvPr id="8" name="Google Shape;8;p1"/>
-          <p:cNvSpPr txBox="1"/>
+          <p:cNvSpPr txBox="1">
+            <a:spLocks noGrp="1"/>
+          </p:cNvSpPr>
           <p:nvPr>
-            <p:ph idx="12" type="sldNum"/>
+            <p:ph type="sldNum" idx="12"/>
           </p:nvPr>
         </p:nvSpPr>
         <p:spPr>
@@ -5371,7 +5517,7 @@
           </a:ln>
         </p:spPr>
         <p:txBody>
-          <a:bodyPr anchorCtr="0" anchor="ctr" bIns="91425" lIns="91425" spcFirstLastPara="1" rIns="91425" wrap="square" tIns="91425">
+          <a:bodyPr spcFirstLastPara="1" wrap="square" lIns="91425" tIns="91425" rIns="91425" bIns="91425" anchor="ctr" anchorCtr="0">
             <a:normAutofit/>
           </a:bodyPr>
           <a:lstStyle>
@@ -5449,7 +5595,7 @@
             </a:lvl9pPr>
           </a:lstStyle>
           <a:p>
-            <a:pPr indent="0" lvl="0" marL="0" rtl="0" algn="r">
+            <a:pPr marL="0" lvl="0" indent="0" algn="r" rtl="0">
               <a:spcBef>
                 <a:spcPts val="0"/>
               </a:spcBef>
@@ -5468,7 +5614,7 @@
       </p:sp>
     </p:spTree>
   </p:cSld>
-  <p:clrMap accent1="accent1" accent2="accent2" accent3="accent3" accent4="accent4" accent5="accent5" accent6="accent6" bg1="lt1" bg2="dk2" tx1="dk1" tx2="lt2" folHlink="folHlink" hlink="hlink"/>
+  <p:clrMap bg1="lt1" tx1="dk1" bg2="dk2" tx2="lt2" accent1="accent1" accent2="accent2" accent3="accent3" accent4="accent4" accent5="accent5" accent6="accent6" hlink="hlink" folHlink="folHlink"/>
   <p:sldLayoutIdLst>
     <p:sldLayoutId id="2147483648" r:id="rId1"/>
     <p:sldLayoutId id="2147483649" r:id="rId2"/>
@@ -5482,10 +5628,10 @@
     <p:sldLayoutId id="2147483657" r:id="rId10"/>
     <p:sldLayoutId id="2147483658" r:id="rId11"/>
   </p:sldLayoutIdLst>
-  <p:hf dt="0" ftr="0" hdr="0" sldNum="0"/>
+  <p:hf sldNum="0" hdr="0" ftr="0" dt="0"/>
   <p:txStyles>
     <p:titleStyle>
-      <a:defPPr lvl="0" marR="0" rtl="0" algn="l">
+      <a:defPPr marR="0" lvl="0" algn="l" rtl="0">
         <a:lnSpc>
           <a:spcPct val="100000"/>
         </a:lnSpc>
@@ -5496,7 +5642,7 @@
           <a:spcPts val="0"/>
         </a:spcAft>
       </a:defPPr>
-      <a:lvl1pPr lvl="0" marR="0" rtl="0" algn="l">
+      <a:lvl1pPr marR="0" lvl="0" algn="l" rtl="0">
         <a:lnSpc>
           <a:spcPct val="100000"/>
         </a:lnSpc>
@@ -5510,7 +5656,7 @@
           <a:srgbClr val="000000"/>
         </a:buClr>
         <a:buFont typeface="Arial"/>
-        <a:defRPr b="0" i="0" sz="1400" u="none" cap="none" strike="noStrike">
+        <a:defRPr sz="1400" b="0" i="0" u="none" strike="noStrike" cap="none">
           <a:solidFill>
             <a:srgbClr val="000000"/>
           </a:solidFill>
@@ -5520,7 +5666,7 @@
           <a:sym typeface="Arial"/>
         </a:defRPr>
       </a:lvl1pPr>
-      <a:lvl2pPr lvl="1" marR="0" rtl="0" algn="l">
+      <a:lvl2pPr marR="0" lvl="1" algn="l" rtl="0">
         <a:lnSpc>
           <a:spcPct val="100000"/>
         </a:lnSpc>
@@ -5534,7 +5680,7 @@
           <a:srgbClr val="000000"/>
         </a:buClr>
         <a:buFont typeface="Arial"/>
-        <a:defRPr b="0" i="0" sz="1400" u="none" cap="none" strike="noStrike">
+        <a:defRPr sz="1400" b="0" i="0" u="none" strike="noStrike" cap="none">
           <a:solidFill>
             <a:srgbClr val="000000"/>
           </a:solidFill>
@@ -5544,7 +5690,7 @@
           <a:sym typeface="Arial"/>
         </a:defRPr>
       </a:lvl2pPr>
-      <a:lvl3pPr lvl="2" marR="0" rtl="0" algn="l">
+      <a:lvl3pPr marR="0" lvl="2" algn="l" rtl="0">
         <a:lnSpc>
           <a:spcPct val="100000"/>
         </a:lnSpc>
@@ -5558,7 +5704,7 @@
           <a:srgbClr val="000000"/>
         </a:buClr>
         <a:buFont typeface="Arial"/>
-        <a:defRPr b="0" i="0" sz="1400" u="none" cap="none" strike="noStrike">
+        <a:defRPr sz="1400" b="0" i="0" u="none" strike="noStrike" cap="none">
           <a:solidFill>
             <a:srgbClr val="000000"/>
           </a:solidFill>
@@ -5568,7 +5714,7 @@
           <a:sym typeface="Arial"/>
         </a:defRPr>
       </a:lvl3pPr>
-      <a:lvl4pPr lvl="3" marR="0" rtl="0" algn="l">
+      <a:lvl4pPr marR="0" lvl="3" algn="l" rtl="0">
         <a:lnSpc>
           <a:spcPct val="100000"/>
         </a:lnSpc>
@@ -5582,7 +5728,7 @@
           <a:srgbClr val="000000"/>
         </a:buClr>
         <a:buFont typeface="Arial"/>
-        <a:defRPr b="0" i="0" sz="1400" u="none" cap="none" strike="noStrike">
+        <a:defRPr sz="1400" b="0" i="0" u="none" strike="noStrike" cap="none">
           <a:solidFill>
             <a:srgbClr val="000000"/>
           </a:solidFill>
@@ -5592,7 +5738,7 @@
           <a:sym typeface="Arial"/>
         </a:defRPr>
       </a:lvl4pPr>
-      <a:lvl5pPr lvl="4" marR="0" rtl="0" algn="l">
+      <a:lvl5pPr marR="0" lvl="4" algn="l" rtl="0">
         <a:lnSpc>
           <a:spcPct val="100000"/>
         </a:lnSpc>
@@ -5606,7 +5752,7 @@
           <a:srgbClr val="000000"/>
         </a:buClr>
         <a:buFont typeface="Arial"/>
-        <a:defRPr b="0" i="0" sz="1400" u="none" cap="none" strike="noStrike">
+        <a:defRPr sz="1400" b="0" i="0" u="none" strike="noStrike" cap="none">
           <a:solidFill>
             <a:srgbClr val="000000"/>
           </a:solidFill>
@@ -5616,7 +5762,7 @@
           <a:sym typeface="Arial"/>
         </a:defRPr>
       </a:lvl5pPr>
-      <a:lvl6pPr lvl="5" marR="0" rtl="0" algn="l">
+      <a:lvl6pPr marR="0" lvl="5" algn="l" rtl="0">
         <a:lnSpc>
           <a:spcPct val="100000"/>
         </a:lnSpc>
@@ -5630,7 +5776,7 @@
           <a:srgbClr val="000000"/>
         </a:buClr>
         <a:buFont typeface="Arial"/>
-        <a:defRPr b="0" i="0" sz="1400" u="none" cap="none" strike="noStrike">
+        <a:defRPr sz="1400" b="0" i="0" u="none" strike="noStrike" cap="none">
           <a:solidFill>
             <a:srgbClr val="000000"/>
           </a:solidFill>
@@ -5640,7 +5786,7 @@
           <a:sym typeface="Arial"/>
         </a:defRPr>
       </a:lvl6pPr>
-      <a:lvl7pPr lvl="6" marR="0" rtl="0" algn="l">
+      <a:lvl7pPr marR="0" lvl="6" algn="l" rtl="0">
         <a:lnSpc>
           <a:spcPct val="100000"/>
         </a:lnSpc>
@@ -5654,7 +5800,7 @@
           <a:srgbClr val="000000"/>
         </a:buClr>
         <a:buFont typeface="Arial"/>
-        <a:defRPr b="0" i="0" sz="1400" u="none" cap="none" strike="noStrike">
+        <a:defRPr sz="1400" b="0" i="0" u="none" strike="noStrike" cap="none">
           <a:solidFill>
             <a:srgbClr val="000000"/>
           </a:solidFill>
@@ -5664,7 +5810,7 @@
           <a:sym typeface="Arial"/>
         </a:defRPr>
       </a:lvl7pPr>
-      <a:lvl8pPr lvl="7" marR="0" rtl="0" algn="l">
+      <a:lvl8pPr marR="0" lvl="7" algn="l" rtl="0">
         <a:lnSpc>
           <a:spcPct val="100000"/>
         </a:lnSpc>
@@ -5678,7 +5824,7 @@
           <a:srgbClr val="000000"/>
         </a:buClr>
         <a:buFont typeface="Arial"/>
-        <a:defRPr b="0" i="0" sz="1400" u="none" cap="none" strike="noStrike">
+        <a:defRPr sz="1400" b="0" i="0" u="none" strike="noStrike" cap="none">
           <a:solidFill>
             <a:srgbClr val="000000"/>
           </a:solidFill>
@@ -5688,7 +5834,7 @@
           <a:sym typeface="Arial"/>
         </a:defRPr>
       </a:lvl8pPr>
-      <a:lvl9pPr lvl="8" marR="0" rtl="0" algn="l">
+      <a:lvl9pPr marR="0" lvl="8" algn="l" rtl="0">
         <a:lnSpc>
           <a:spcPct val="100000"/>
         </a:lnSpc>
@@ -5702,7 +5848,7 @@
           <a:srgbClr val="000000"/>
         </a:buClr>
         <a:buFont typeface="Arial"/>
-        <a:defRPr b="0" i="0" sz="1400" u="none" cap="none" strike="noStrike">
+        <a:defRPr sz="1400" b="0" i="0" u="none" strike="noStrike" cap="none">
           <a:solidFill>
             <a:srgbClr val="000000"/>
           </a:solidFill>
@@ -5714,7 +5860,7 @@
       </a:lvl9pPr>
     </p:titleStyle>
     <p:bodyStyle>
-      <a:defPPr lvl="0" marR="0" rtl="0" algn="l">
+      <a:defPPr marR="0" lvl="0" algn="l" rtl="0">
         <a:lnSpc>
           <a:spcPct val="100000"/>
         </a:lnSpc>
@@ -5725,7 +5871,7 @@
           <a:spcPts val="0"/>
         </a:spcAft>
       </a:defPPr>
-      <a:lvl1pPr lvl="0" marR="0" rtl="0" algn="l">
+      <a:lvl1pPr marR="0" lvl="0" algn="l" rtl="0">
         <a:lnSpc>
           <a:spcPct val="100000"/>
         </a:lnSpc>
@@ -5739,7 +5885,7 @@
           <a:srgbClr val="000000"/>
         </a:buClr>
         <a:buFont typeface="Arial"/>
-        <a:defRPr b="0" i="0" sz="1400" u="none" cap="none" strike="noStrike">
+        <a:defRPr sz="1400" b="0" i="0" u="none" strike="noStrike" cap="none">
           <a:solidFill>
             <a:srgbClr val="000000"/>
           </a:solidFill>
@@ -5749,7 +5895,7 @@
           <a:sym typeface="Arial"/>
         </a:defRPr>
       </a:lvl1pPr>
-      <a:lvl2pPr lvl="1" marR="0" rtl="0" algn="l">
+      <a:lvl2pPr marR="0" lvl="1" algn="l" rtl="0">
         <a:lnSpc>
           <a:spcPct val="100000"/>
         </a:lnSpc>
@@ -5763,7 +5909,7 @@
           <a:srgbClr val="000000"/>
         </a:buClr>
         <a:buFont typeface="Arial"/>
-        <a:defRPr b="0" i="0" sz="1400" u="none" cap="none" strike="noStrike">
+        <a:defRPr sz="1400" b="0" i="0" u="none" strike="noStrike" cap="none">
           <a:solidFill>
             <a:srgbClr val="000000"/>
           </a:solidFill>
@@ -5773,7 +5919,7 @@
           <a:sym typeface="Arial"/>
         </a:defRPr>
       </a:lvl2pPr>
-      <a:lvl3pPr lvl="2" marR="0" rtl="0" algn="l">
+      <a:lvl3pPr marR="0" lvl="2" algn="l" rtl="0">
         <a:lnSpc>
           <a:spcPct val="100000"/>
         </a:lnSpc>
@@ -5787,7 +5933,7 @@
           <a:srgbClr val="000000"/>
         </a:buClr>
         <a:buFont typeface="Arial"/>
-        <a:defRPr b="0" i="0" sz="1400" u="none" cap="none" strike="noStrike">
+        <a:defRPr sz="1400" b="0" i="0" u="none" strike="noStrike" cap="none">
           <a:solidFill>
             <a:srgbClr val="000000"/>
           </a:solidFill>
@@ -5797,7 +5943,7 @@
           <a:sym typeface="Arial"/>
         </a:defRPr>
       </a:lvl3pPr>
-      <a:lvl4pPr lvl="3" marR="0" rtl="0" algn="l">
+      <a:lvl4pPr marR="0" lvl="3" algn="l" rtl="0">
         <a:lnSpc>
           <a:spcPct val="100000"/>
         </a:lnSpc>
@@ -5811,7 +5957,7 @@
           <a:srgbClr val="000000"/>
         </a:buClr>
         <a:buFont typeface="Arial"/>
-        <a:defRPr b="0" i="0" sz="1400" u="none" cap="none" strike="noStrike">
+        <a:defRPr sz="1400" b="0" i="0" u="none" strike="noStrike" cap="none">
           <a:solidFill>
             <a:srgbClr val="000000"/>
           </a:solidFill>
@@ -5821,7 +5967,7 @@
           <a:sym typeface="Arial"/>
         </a:defRPr>
       </a:lvl4pPr>
-      <a:lvl5pPr lvl="4" marR="0" rtl="0" algn="l">
+      <a:lvl5pPr marR="0" lvl="4" algn="l" rtl="0">
         <a:lnSpc>
           <a:spcPct val="100000"/>
         </a:lnSpc>
@@ -5835,7 +5981,7 @@
           <a:srgbClr val="000000"/>
         </a:buClr>
         <a:buFont typeface="Arial"/>
-        <a:defRPr b="0" i="0" sz="1400" u="none" cap="none" strike="noStrike">
+        <a:defRPr sz="1400" b="0" i="0" u="none" strike="noStrike" cap="none">
           <a:solidFill>
             <a:srgbClr val="000000"/>
           </a:solidFill>
@@ -5845,7 +5991,7 @@
           <a:sym typeface="Arial"/>
         </a:defRPr>
       </a:lvl5pPr>
-      <a:lvl6pPr lvl="5" marR="0" rtl="0" algn="l">
+      <a:lvl6pPr marR="0" lvl="5" algn="l" rtl="0">
         <a:lnSpc>
           <a:spcPct val="100000"/>
         </a:lnSpc>
@@ -5859,7 +6005,7 @@
           <a:srgbClr val="000000"/>
         </a:buClr>
         <a:buFont typeface="Arial"/>
-        <a:defRPr b="0" i="0" sz="1400" u="none" cap="none" strike="noStrike">
+        <a:defRPr sz="1400" b="0" i="0" u="none" strike="noStrike" cap="none">
           <a:solidFill>
             <a:srgbClr val="000000"/>
           </a:solidFill>
@@ -5869,7 +6015,7 @@
           <a:sym typeface="Arial"/>
         </a:defRPr>
       </a:lvl6pPr>
-      <a:lvl7pPr lvl="6" marR="0" rtl="0" algn="l">
+      <a:lvl7pPr marR="0" lvl="6" algn="l" rtl="0">
         <a:lnSpc>
           <a:spcPct val="100000"/>
         </a:lnSpc>
@@ -5883,7 +6029,7 @@
           <a:srgbClr val="000000"/>
         </a:buClr>
         <a:buFont typeface="Arial"/>
-        <a:defRPr b="0" i="0" sz="1400" u="none" cap="none" strike="noStrike">
+        <a:defRPr sz="1400" b="0" i="0" u="none" strike="noStrike" cap="none">
           <a:solidFill>
             <a:srgbClr val="000000"/>
           </a:solidFill>
@@ -5893,7 +6039,7 @@
           <a:sym typeface="Arial"/>
         </a:defRPr>
       </a:lvl7pPr>
-      <a:lvl8pPr lvl="7" marR="0" rtl="0" algn="l">
+      <a:lvl8pPr marR="0" lvl="7" algn="l" rtl="0">
         <a:lnSpc>
           <a:spcPct val="100000"/>
         </a:lnSpc>
@@ -5907,7 +6053,7 @@
           <a:srgbClr val="000000"/>
         </a:buClr>
         <a:buFont typeface="Arial"/>
-        <a:defRPr b="0" i="0" sz="1400" u="none" cap="none" strike="noStrike">
+        <a:defRPr sz="1400" b="0" i="0" u="none" strike="noStrike" cap="none">
           <a:solidFill>
             <a:srgbClr val="000000"/>
           </a:solidFill>
@@ -5917,7 +6063,7 @@
           <a:sym typeface="Arial"/>
         </a:defRPr>
       </a:lvl8pPr>
-      <a:lvl9pPr lvl="8" marR="0" rtl="0" algn="l">
+      <a:lvl9pPr marR="0" lvl="8" algn="l" rtl="0">
         <a:lnSpc>
           <a:spcPct val="100000"/>
         </a:lnSpc>
@@ -5931,7 +6077,7 @@
           <a:srgbClr val="000000"/>
         </a:buClr>
         <a:buFont typeface="Arial"/>
-        <a:defRPr b="0" i="0" sz="1400" u="none" cap="none" strike="noStrike">
+        <a:defRPr sz="1400" b="0" i="0" u="none" strike="noStrike" cap="none">
           <a:solidFill>
             <a:srgbClr val="000000"/>
           </a:solidFill>
@@ -5943,7 +6089,7 @@
       </a:lvl9pPr>
     </p:bodyStyle>
     <p:otherStyle>
-      <a:defPPr lvl="0" marR="0" rtl="0" algn="l">
+      <a:defPPr marR="0" lvl="0" algn="l" rtl="0">
         <a:lnSpc>
           <a:spcPct val="100000"/>
         </a:lnSpc>
@@ -5954,7 +6100,7 @@
           <a:spcPts val="0"/>
         </a:spcAft>
       </a:defPPr>
-      <a:lvl1pPr lvl="0" marR="0" rtl="0" algn="l">
+      <a:lvl1pPr marR="0" lvl="0" algn="l" rtl="0">
         <a:lnSpc>
           <a:spcPct val="100000"/>
         </a:lnSpc>
@@ -5968,7 +6114,7 @@
           <a:srgbClr val="000000"/>
         </a:buClr>
         <a:buFont typeface="Arial"/>
-        <a:defRPr b="0" i="0" sz="1400" u="none" cap="none" strike="noStrike">
+        <a:defRPr sz="1400" b="0" i="0" u="none" strike="noStrike" cap="none">
           <a:solidFill>
             <a:srgbClr val="000000"/>
           </a:solidFill>
@@ -5978,7 +6124,7 @@
           <a:sym typeface="Arial"/>
         </a:defRPr>
       </a:lvl1pPr>
-      <a:lvl2pPr lvl="1" marR="0" rtl="0" algn="l">
+      <a:lvl2pPr marR="0" lvl="1" algn="l" rtl="0">
         <a:lnSpc>
           <a:spcPct val="100000"/>
         </a:lnSpc>
@@ -5992,7 +6138,7 @@
           <a:srgbClr val="000000"/>
         </a:buClr>
         <a:buFont typeface="Arial"/>
-        <a:defRPr b="0" i="0" sz="1400" u="none" cap="none" strike="noStrike">
+        <a:defRPr sz="1400" b="0" i="0" u="none" strike="noStrike" cap="none">
           <a:solidFill>
             <a:srgbClr val="000000"/>
           </a:solidFill>
@@ -6002,7 +6148,7 @@
           <a:sym typeface="Arial"/>
         </a:defRPr>
       </a:lvl2pPr>
-      <a:lvl3pPr lvl="2" marR="0" rtl="0" algn="l">
+      <a:lvl3pPr marR="0" lvl="2" algn="l" rtl="0">
         <a:lnSpc>
           <a:spcPct val="100000"/>
         </a:lnSpc>
@@ -6016,7 +6162,7 @@
           <a:srgbClr val="000000"/>
         </a:buClr>
         <a:buFont typeface="Arial"/>
-        <a:defRPr b="0" i="0" sz="1400" u="none" cap="none" strike="noStrike">
+        <a:defRPr sz="1400" b="0" i="0" u="none" strike="noStrike" cap="none">
           <a:solidFill>
             <a:srgbClr val="000000"/>
           </a:solidFill>
@@ -6026,7 +6172,7 @@
           <a:sym typeface="Arial"/>
         </a:defRPr>
       </a:lvl3pPr>
-      <a:lvl4pPr lvl="3" marR="0" rtl="0" algn="l">
+      <a:lvl4pPr marR="0" lvl="3" algn="l" rtl="0">
         <a:lnSpc>
           <a:spcPct val="100000"/>
         </a:lnSpc>
@@ -6040,7 +6186,7 @@
           <a:srgbClr val="000000"/>
         </a:buClr>
         <a:buFont typeface="Arial"/>
-        <a:defRPr b="0" i="0" sz="1400" u="none" cap="none" strike="noStrike">
+        <a:defRPr sz="1400" b="0" i="0" u="none" strike="noStrike" cap="none">
           <a:solidFill>
             <a:srgbClr val="000000"/>
           </a:solidFill>
@@ -6050,7 +6196,7 @@
           <a:sym typeface="Arial"/>
         </a:defRPr>
       </a:lvl4pPr>
-      <a:lvl5pPr lvl="4" marR="0" rtl="0" algn="l">
+      <a:lvl5pPr marR="0" lvl="4" algn="l" rtl="0">
         <a:lnSpc>
           <a:spcPct val="100000"/>
         </a:lnSpc>
@@ -6064,7 +6210,7 @@
           <a:srgbClr val="000000"/>
         </a:buClr>
         <a:buFont typeface="Arial"/>
-        <a:defRPr b="0" i="0" sz="1400" u="none" cap="none" strike="noStrike">
+        <a:defRPr sz="1400" b="0" i="0" u="none" strike="noStrike" cap="none">
           <a:solidFill>
             <a:srgbClr val="000000"/>
           </a:solidFill>
@@ -6074,7 +6220,7 @@
           <a:sym typeface="Arial"/>
         </a:defRPr>
       </a:lvl5pPr>
-      <a:lvl6pPr lvl="5" marR="0" rtl="0" algn="l">
+      <a:lvl6pPr marR="0" lvl="5" algn="l" rtl="0">
         <a:lnSpc>
           <a:spcPct val="100000"/>
         </a:lnSpc>
@@ -6088,7 +6234,7 @@
           <a:srgbClr val="000000"/>
         </a:buClr>
         <a:buFont typeface="Arial"/>
-        <a:defRPr b="0" i="0" sz="1400" u="none" cap="none" strike="noStrike">
+        <a:defRPr sz="1400" b="0" i="0" u="none" strike="noStrike" cap="none">
           <a:solidFill>
             <a:srgbClr val="000000"/>
           </a:solidFill>
@@ -6098,7 +6244,7 @@
           <a:sym typeface="Arial"/>
         </a:defRPr>
       </a:lvl6pPr>
-      <a:lvl7pPr lvl="6" marR="0" rtl="0" algn="l">
+      <a:lvl7pPr marR="0" lvl="6" algn="l" rtl="0">
         <a:lnSpc>
           <a:spcPct val="100000"/>
         </a:lnSpc>
@@ -6112,7 +6258,7 @@
           <a:srgbClr val="000000"/>
         </a:buClr>
         <a:buFont typeface="Arial"/>
-        <a:defRPr b="0" i="0" sz="1400" u="none" cap="none" strike="noStrike">
+        <a:defRPr sz="1400" b="0" i="0" u="none" strike="noStrike" cap="none">
           <a:solidFill>
             <a:srgbClr val="000000"/>
           </a:solidFill>
@@ -6122,7 +6268,7 @@
           <a:sym typeface="Arial"/>
         </a:defRPr>
       </a:lvl7pPr>
-      <a:lvl8pPr lvl="7" marR="0" rtl="0" algn="l">
+      <a:lvl8pPr marR="0" lvl="7" algn="l" rtl="0">
         <a:lnSpc>
           <a:spcPct val="100000"/>
         </a:lnSpc>
@@ -6136,7 +6282,7 @@
           <a:srgbClr val="000000"/>
         </a:buClr>
         <a:buFont typeface="Arial"/>
-        <a:defRPr b="0" i="0" sz="1400" u="none" cap="none" strike="noStrike">
+        <a:defRPr sz="1400" b="0" i="0" u="none" strike="noStrike" cap="none">
           <a:solidFill>
             <a:srgbClr val="000000"/>
           </a:solidFill>
@@ -6146,7 +6292,7 @@
           <a:sym typeface="Arial"/>
         </a:defRPr>
       </a:lvl8pPr>
-      <a:lvl9pPr lvl="8" marR="0" rtl="0" algn="l">
+      <a:lvl9pPr marR="0" lvl="8" algn="l" rtl="0">
         <a:lnSpc>
           <a:spcPct val="100000"/>
         </a:lnSpc>
@@ -6160,7 +6306,7 @@
           <a:srgbClr val="000000"/>
         </a:buClr>
         <a:buFont typeface="Arial"/>
-        <a:defRPr b="0" i="0" sz="1400" u="none" cap="none" strike="noStrike">
+        <a:defRPr sz="1400" b="0" i="0" u="none" strike="noStrike" cap="none">
           <a:solidFill>
             <a:srgbClr val="000000"/>
           </a:solidFill>
@@ -6176,18 +6322,19 @@
 </file>
 
 <file path=ppt/slides/slide1.xml><?xml version="1.0" encoding="utf-8"?>
-<p:sld xmlns:a="http://schemas.openxmlformats.org/drawingml/2006/main" xmlns:r="http://schemas.openxmlformats.org/officeDocument/2006/relationships" xmlns:mc="http://schemas.openxmlformats.org/markup-compatibility/2006" xmlns:mv="urn:schemas-microsoft-com:mac:vml" xmlns:p="http://schemas.openxmlformats.org/presentationml/2006/main" xmlns:c="http://schemas.openxmlformats.org/drawingml/2006/chart" xmlns:dgm="http://schemas.openxmlformats.org/drawingml/2006/diagram" xmlns:o="urn:schemas-microsoft-com:office:office" xmlns:v="urn:schemas-microsoft-com:vml" xmlns:pvml="urn:schemas-microsoft-com:office:powerpoint" xmlns:com="http://schemas.openxmlformats.org/drawingml/2006/compatibility" xmlns:p14="http://schemas.microsoft.com/office/powerpoint/2010/main" xmlns:p15="http://schemas.microsoft.com/office/powerpoint/2012/main" xmlns:ahyp="http://schemas.microsoft.com/office/drawing/2018/hyperlinkcolor">
+<p:sld xmlns:a="http://schemas.openxmlformats.org/drawingml/2006/main" xmlns:r="http://schemas.openxmlformats.org/officeDocument/2006/relationships" xmlns:p="http://schemas.openxmlformats.org/presentationml/2006/main">
   <p:cSld>
     <p:bg>
       <p:bgPr>
         <a:solidFill>
           <a:srgbClr val="808080"/>
         </a:solidFill>
+        <a:effectLst/>
       </p:bgPr>
     </p:bg>
     <p:spTree>
       <p:nvGrpSpPr>
-        <p:cNvPr id="53" name="Shape 53"/>
+        <p:cNvPr id="1" name="Shape 53"/>
         <p:cNvGrpSpPr/>
         <p:nvPr/>
       </p:nvGrpSpPr>
@@ -6208,18 +6355,19 @@
 </file>
 
 <file path=ppt/slides/slide2.xml><?xml version="1.0" encoding="utf-8"?>
-<p:sld xmlns:a="http://schemas.openxmlformats.org/drawingml/2006/main" xmlns:r="http://schemas.openxmlformats.org/officeDocument/2006/relationships" xmlns:mc="http://schemas.openxmlformats.org/markup-compatibility/2006" xmlns:mv="urn:schemas-microsoft-com:mac:vml" xmlns:p="http://schemas.openxmlformats.org/presentationml/2006/main" xmlns:c="http://schemas.openxmlformats.org/drawingml/2006/chart" xmlns:dgm="http://schemas.openxmlformats.org/drawingml/2006/diagram" xmlns:o="urn:schemas-microsoft-com:office:office" xmlns:v="urn:schemas-microsoft-com:vml" xmlns:pvml="urn:schemas-microsoft-com:office:powerpoint" xmlns:com="http://schemas.openxmlformats.org/drawingml/2006/compatibility" xmlns:p14="http://schemas.microsoft.com/office/powerpoint/2010/main" xmlns:p15="http://schemas.microsoft.com/office/powerpoint/2012/main" xmlns:ahyp="http://schemas.microsoft.com/office/drawing/2018/hyperlinkcolor">
+<p:sld xmlns:a="http://schemas.openxmlformats.org/drawingml/2006/main" xmlns:r="http://schemas.openxmlformats.org/officeDocument/2006/relationships" xmlns:p="http://schemas.openxmlformats.org/presentationml/2006/main">
   <p:cSld>
     <p:bg>
       <p:bgPr>
         <a:solidFill>
           <a:srgbClr val="808080"/>
         </a:solidFill>
+        <a:effectLst/>
       </p:bgPr>
     </p:bg>
     <p:spTree>
       <p:nvGrpSpPr>
-        <p:cNvPr id="57" name="Shape 57"/>
+        <p:cNvPr id="1" name="Shape 57"/>
         <p:cNvGrpSpPr/>
         <p:nvPr/>
       </p:nvGrpSpPr>
@@ -6251,12 +6399,12 @@
           </a:ln>
         </p:spPr>
         <p:txBody>
-          <a:bodyPr anchorCtr="0" anchor="t" bIns="91425" lIns="91425" spcFirstLastPara="1" rIns="91425" wrap="square" tIns="91425">
+          <a:bodyPr spcFirstLastPara="1" wrap="square" lIns="91425" tIns="91425" rIns="91425" bIns="91425" anchor="t" anchorCtr="0">
             <a:noAutofit/>
           </a:bodyPr>
           <a:lstStyle/>
           <a:p>
-            <a:pPr indent="0" lvl="0" marL="0" rtl="0" algn="ctr">
+            <a:pPr marL="0" lvl="0" indent="0" algn="ctr" rtl="0">
               <a:spcBef>
                 <a:spcPts val="0"/>
               </a:spcBef>
@@ -6290,18 +6438,19 @@
 </file>
 
 <file path=ppt/slides/slide3.xml><?xml version="1.0" encoding="utf-8"?>
-<p:sld xmlns:a="http://schemas.openxmlformats.org/drawingml/2006/main" xmlns:r="http://schemas.openxmlformats.org/officeDocument/2006/relationships" xmlns:mc="http://schemas.openxmlformats.org/markup-compatibility/2006" xmlns:mv="urn:schemas-microsoft-com:mac:vml" xmlns:p="http://schemas.openxmlformats.org/presentationml/2006/main" xmlns:c="http://schemas.openxmlformats.org/drawingml/2006/chart" xmlns:dgm="http://schemas.openxmlformats.org/drawingml/2006/diagram" xmlns:o="urn:schemas-microsoft-com:office:office" xmlns:v="urn:schemas-microsoft-com:vml" xmlns:pvml="urn:schemas-microsoft-com:office:powerpoint" xmlns:com="http://schemas.openxmlformats.org/drawingml/2006/compatibility" xmlns:p14="http://schemas.microsoft.com/office/powerpoint/2010/main" xmlns:p15="http://schemas.microsoft.com/office/powerpoint/2012/main" xmlns:ahyp="http://schemas.microsoft.com/office/drawing/2018/hyperlinkcolor">
+<p:sld xmlns:a="http://schemas.openxmlformats.org/drawingml/2006/main" xmlns:r="http://schemas.openxmlformats.org/officeDocument/2006/relationships" xmlns:p="http://schemas.openxmlformats.org/presentationml/2006/main">
   <p:cSld>
     <p:bg>
       <p:bgPr>
         <a:solidFill>
           <a:srgbClr val="808080"/>
         </a:solidFill>
+        <a:effectLst/>
       </p:bgPr>
     </p:bg>
     <p:spTree>
       <p:nvGrpSpPr>
-        <p:cNvPr id="62" name="Shape 62"/>
+        <p:cNvPr id="1" name="Shape 62"/>
         <p:cNvGrpSpPr/>
         <p:nvPr/>
       </p:nvGrpSpPr>
@@ -6322,18 +6471,19 @@
 </file>
 
 <file path=ppt/slides/slide4.xml><?xml version="1.0" encoding="utf-8"?>
-<p:sld xmlns:a="http://schemas.openxmlformats.org/drawingml/2006/main" xmlns:r="http://schemas.openxmlformats.org/officeDocument/2006/relationships" xmlns:mc="http://schemas.openxmlformats.org/markup-compatibility/2006" xmlns:mv="urn:schemas-microsoft-com:mac:vml" xmlns:p="http://schemas.openxmlformats.org/presentationml/2006/main" xmlns:c="http://schemas.openxmlformats.org/drawingml/2006/chart" xmlns:dgm="http://schemas.openxmlformats.org/drawingml/2006/diagram" xmlns:o="urn:schemas-microsoft-com:office:office" xmlns:v="urn:schemas-microsoft-com:vml" xmlns:pvml="urn:schemas-microsoft-com:office:powerpoint" xmlns:com="http://schemas.openxmlformats.org/drawingml/2006/compatibility" xmlns:p14="http://schemas.microsoft.com/office/powerpoint/2010/main" xmlns:p15="http://schemas.microsoft.com/office/powerpoint/2012/main" xmlns:ahyp="http://schemas.microsoft.com/office/drawing/2018/hyperlinkcolor">
+<p:sld xmlns:a="http://schemas.openxmlformats.org/drawingml/2006/main" xmlns:r="http://schemas.openxmlformats.org/officeDocument/2006/relationships" xmlns:p="http://schemas.openxmlformats.org/presentationml/2006/main">
   <p:cSld>
     <p:bg>
       <p:bgPr>
         <a:solidFill>
           <a:srgbClr val="808080"/>
         </a:solidFill>
+        <a:effectLst/>
       </p:bgPr>
     </p:bg>
     <p:spTree>
       <p:nvGrpSpPr>
-        <p:cNvPr id="66" name="Shape 66"/>
+        <p:cNvPr id="1" name="Shape 66"/>
         <p:cNvGrpSpPr/>
         <p:nvPr/>
       </p:nvGrpSpPr>
@@ -6365,12 +6515,12 @@
           </a:ln>
         </p:spPr>
         <p:txBody>
-          <a:bodyPr anchorCtr="0" anchor="t" bIns="91425" lIns="91425" spcFirstLastPara="1" rIns="91425" wrap="square" tIns="91425">
+          <a:bodyPr spcFirstLastPara="1" wrap="square" lIns="91425" tIns="91425" rIns="91425" bIns="91425" anchor="t" anchorCtr="0">
             <a:noAutofit/>
           </a:bodyPr>
           <a:lstStyle/>
           <a:p>
-            <a:pPr indent="0" lvl="0" marL="0" rtl="0" algn="ctr">
+            <a:pPr marL="0" lvl="0" indent="0" algn="ctr" rtl="0">
               <a:spcBef>
                 <a:spcPts val="0"/>
               </a:spcBef>
@@ -6415,12 +6565,12 @@
           </a:ln>
         </p:spPr>
         <p:txBody>
-          <a:bodyPr anchorCtr="0" anchor="t" bIns="91425" lIns="91425" spcFirstLastPara="1" rIns="91425" wrap="square" tIns="91425">
+          <a:bodyPr spcFirstLastPara="1" wrap="square" lIns="91425" tIns="91425" rIns="91425" bIns="91425" anchor="t" anchorCtr="0">
             <a:noAutofit/>
           </a:bodyPr>
           <a:lstStyle/>
           <a:p>
-            <a:pPr indent="0" lvl="0" marL="0" rtl="0" algn="ctr">
+            <a:pPr marL="0" lvl="0" indent="0" algn="ctr" rtl="0">
               <a:spcBef>
                 <a:spcPts val="0"/>
               </a:spcBef>
@@ -6462,14 +6612,14 @@
             <a:avLst/>
           </a:prstGeom>
           <a:noFill/>
-          <a:ln cap="flat" cmpd="sng" w="19050">
+          <a:ln w="19050" cap="flat" cmpd="sng">
             <a:solidFill>
               <a:schemeClr val="dk1"/>
             </a:solidFill>
             <a:prstDash val="solid"/>
             <a:round/>
-            <a:headEnd len="med" w="med" type="none"/>
-            <a:tailEnd len="med" w="med" type="none"/>
+            <a:headEnd type="none" w="med" len="med"/>
+            <a:tailEnd type="none" w="med" len="med"/>
           </a:ln>
         </p:spPr>
       </p:cxnSp>
@@ -6488,14 +6638,14 @@
             <a:avLst/>
           </a:prstGeom>
           <a:noFill/>
-          <a:ln cap="flat" cmpd="sng" w="19050">
+          <a:ln w="19050" cap="flat" cmpd="sng">
             <a:solidFill>
               <a:schemeClr val="lt1"/>
             </a:solidFill>
             <a:prstDash val="solid"/>
             <a:round/>
-            <a:headEnd len="med" w="med" type="none"/>
-            <a:tailEnd len="med" w="med" type="none"/>
+            <a:headEnd type="none" w="med" len="med"/>
+            <a:tailEnd type="none" w="med" len="med"/>
           </a:ln>
         </p:spPr>
       </p:cxnSp>
@@ -6514,14 +6664,14 @@
             <a:avLst/>
           </a:prstGeom>
           <a:noFill/>
-          <a:ln cap="flat" cmpd="sng" w="19050">
+          <a:ln w="19050" cap="flat" cmpd="sng">
             <a:solidFill>
               <a:schemeClr val="dk1"/>
             </a:solidFill>
             <a:prstDash val="solid"/>
             <a:round/>
-            <a:headEnd len="med" w="med" type="none"/>
-            <a:tailEnd len="med" w="med" type="none"/>
+            <a:headEnd type="none" w="med" len="med"/>
+            <a:tailEnd type="none" w="med" len="med"/>
           </a:ln>
         </p:spPr>
       </p:cxnSp>
@@ -6545,12 +6695,12 @@
           </a:ln>
         </p:spPr>
         <p:txBody>
-          <a:bodyPr anchorCtr="0" anchor="t" bIns="91425" lIns="91425" spcFirstLastPara="1" rIns="91425" wrap="square" tIns="91425">
+          <a:bodyPr spcFirstLastPara="1" wrap="square" lIns="91425" tIns="91425" rIns="91425" bIns="91425" anchor="t" anchorCtr="0">
             <a:noAutofit/>
           </a:bodyPr>
           <a:lstStyle/>
           <a:p>
-            <a:pPr indent="0" lvl="0" marL="0" rtl="0" algn="ctr">
+            <a:pPr marL="0" lvl="0" indent="0" algn="ctr" rtl="0">
               <a:spcBef>
                 <a:spcPts val="0"/>
               </a:spcBef>
@@ -6595,12 +6745,12 @@
           </a:ln>
         </p:spPr>
         <p:txBody>
-          <a:bodyPr anchorCtr="0" anchor="t" bIns="91425" lIns="91425" spcFirstLastPara="1" rIns="91425" wrap="square" tIns="91425">
+          <a:bodyPr spcFirstLastPara="1" wrap="square" lIns="91425" tIns="91425" rIns="91425" bIns="91425" anchor="t" anchorCtr="0">
             <a:noAutofit/>
           </a:bodyPr>
           <a:lstStyle/>
           <a:p>
-            <a:pPr indent="0" lvl="0" marL="0" rtl="0" algn="ctr">
+            <a:pPr marL="0" lvl="0" indent="0" algn="ctr" rtl="0">
               <a:spcBef>
                 <a:spcPts val="0"/>
               </a:spcBef>
@@ -6642,14 +6792,14 @@
             <a:avLst/>
           </a:prstGeom>
           <a:noFill/>
-          <a:ln cap="flat" cmpd="sng" w="19050">
+          <a:ln w="19050" cap="flat" cmpd="sng">
             <a:solidFill>
               <a:schemeClr val="dk1"/>
             </a:solidFill>
             <a:prstDash val="solid"/>
             <a:round/>
-            <a:headEnd len="med" w="med" type="none"/>
-            <a:tailEnd len="med" w="med" type="none"/>
+            <a:headEnd type="none" w="med" len="med"/>
+            <a:tailEnd type="none" w="med" len="med"/>
           </a:ln>
         </p:spPr>
       </p:cxnSp>
@@ -6668,14 +6818,14 @@
             <a:avLst/>
           </a:prstGeom>
           <a:noFill/>
-          <a:ln cap="flat" cmpd="sng" w="19050">
+          <a:ln w="19050" cap="flat" cmpd="sng">
             <a:solidFill>
               <a:schemeClr val="lt1"/>
             </a:solidFill>
             <a:prstDash val="solid"/>
             <a:round/>
-            <a:headEnd len="med" w="med" type="none"/>
-            <a:tailEnd len="med" w="med" type="none"/>
+            <a:headEnd type="none" w="med" len="med"/>
+            <a:tailEnd type="none" w="med" len="med"/>
           </a:ln>
         </p:spPr>
       </p:cxnSp>
@@ -6694,14 +6844,14 @@
             <a:avLst/>
           </a:prstGeom>
           <a:noFill/>
-          <a:ln cap="flat" cmpd="sng" w="19050">
+          <a:ln w="19050" cap="flat" cmpd="sng">
             <a:solidFill>
               <a:schemeClr val="dk1"/>
             </a:solidFill>
             <a:prstDash val="solid"/>
             <a:round/>
-            <a:headEnd len="med" w="med" type="none"/>
-            <a:tailEnd len="med" w="med" type="none"/>
+            <a:headEnd type="none" w="med" len="med"/>
+            <a:tailEnd type="none" w="med" len="med"/>
           </a:ln>
         </p:spPr>
       </p:cxnSp>
@@ -6725,12 +6875,12 @@
           </a:ln>
         </p:spPr>
         <p:txBody>
-          <a:bodyPr anchorCtr="0" anchor="t" bIns="91425" lIns="91425" spcFirstLastPara="1" rIns="91425" wrap="square" tIns="91425">
+          <a:bodyPr spcFirstLastPara="1" wrap="square" lIns="91425" tIns="91425" rIns="91425" bIns="91425" anchor="t" anchorCtr="0">
             <a:noAutofit/>
           </a:bodyPr>
           <a:lstStyle/>
           <a:p>
-            <a:pPr indent="0" lvl="0" marL="0" rtl="0" algn="ctr">
+            <a:pPr marL="0" lvl="0" indent="0" algn="ctr" rtl="0">
               <a:spcBef>
                 <a:spcPts val="0"/>
               </a:spcBef>
@@ -6775,12 +6925,12 @@
           </a:ln>
         </p:spPr>
         <p:txBody>
-          <a:bodyPr anchorCtr="0" anchor="t" bIns="91425" lIns="91425" spcFirstLastPara="1" rIns="91425" wrap="square" tIns="91425">
+          <a:bodyPr spcFirstLastPara="1" wrap="square" lIns="91425" tIns="91425" rIns="91425" bIns="91425" anchor="t" anchorCtr="0">
             <a:noAutofit/>
           </a:bodyPr>
           <a:lstStyle/>
           <a:p>
-            <a:pPr indent="0" lvl="0" marL="0" rtl="0" algn="ctr">
+            <a:pPr marL="0" lvl="0" indent="0" algn="ctr" rtl="0">
               <a:spcBef>
                 <a:spcPts val="0"/>
               </a:spcBef>
@@ -6822,14 +6972,14 @@
             <a:avLst/>
           </a:prstGeom>
           <a:noFill/>
-          <a:ln cap="flat" cmpd="sng" w="19050">
+          <a:ln w="19050" cap="flat" cmpd="sng">
             <a:solidFill>
               <a:schemeClr val="dk1"/>
             </a:solidFill>
             <a:prstDash val="solid"/>
             <a:round/>
-            <a:headEnd len="med" w="med" type="none"/>
-            <a:tailEnd len="med" w="med" type="none"/>
+            <a:headEnd type="none" w="med" len="med"/>
+            <a:tailEnd type="none" w="med" len="med"/>
           </a:ln>
         </p:spPr>
       </p:cxnSp>
@@ -6848,14 +6998,14 @@
             <a:avLst/>
           </a:prstGeom>
           <a:noFill/>
-          <a:ln cap="flat" cmpd="sng" w="19050">
+          <a:ln w="19050" cap="flat" cmpd="sng">
             <a:solidFill>
               <a:schemeClr val="lt1"/>
             </a:solidFill>
             <a:prstDash val="solid"/>
             <a:round/>
-            <a:headEnd len="med" w="med" type="none"/>
-            <a:tailEnd len="med" w="med" type="none"/>
+            <a:headEnd type="none" w="med" len="med"/>
+            <a:tailEnd type="none" w="med" len="med"/>
           </a:ln>
         </p:spPr>
       </p:cxnSp>
@@ -6874,14 +7024,14 @@
             <a:avLst/>
           </a:prstGeom>
           <a:noFill/>
-          <a:ln cap="flat" cmpd="sng" w="19050">
+          <a:ln w="19050" cap="flat" cmpd="sng">
             <a:solidFill>
               <a:schemeClr val="dk1"/>
             </a:solidFill>
             <a:prstDash val="solid"/>
             <a:round/>
-            <a:headEnd len="med" w="med" type="none"/>
-            <a:tailEnd len="med" w="med" type="none"/>
+            <a:headEnd type="none" w="med" len="med"/>
+            <a:tailEnd type="none" w="med" len="med"/>
           </a:ln>
         </p:spPr>
       </p:cxnSp>
@@ -6905,12 +7055,12 @@
           </a:ln>
         </p:spPr>
         <p:txBody>
-          <a:bodyPr anchorCtr="0" anchor="t" bIns="91425" lIns="91425" spcFirstLastPara="1" rIns="91425" wrap="square" tIns="91425">
+          <a:bodyPr spcFirstLastPara="1" wrap="square" lIns="91425" tIns="91425" rIns="91425" bIns="91425" anchor="t" anchorCtr="0">
             <a:noAutofit/>
           </a:bodyPr>
           <a:lstStyle/>
           <a:p>
-            <a:pPr indent="0" lvl="0" marL="0" rtl="0" algn="ctr">
+            <a:pPr marL="0" lvl="0" indent="0" algn="ctr" rtl="0">
               <a:spcBef>
                 <a:spcPts val="0"/>
               </a:spcBef>
@@ -6955,12 +7105,12 @@
           </a:ln>
         </p:spPr>
         <p:txBody>
-          <a:bodyPr anchorCtr="0" anchor="t" bIns="91425" lIns="91425" spcFirstLastPara="1" rIns="91425" wrap="square" tIns="91425">
+          <a:bodyPr spcFirstLastPara="1" wrap="square" lIns="91425" tIns="91425" rIns="91425" bIns="91425" anchor="t" anchorCtr="0">
             <a:noAutofit/>
           </a:bodyPr>
           <a:lstStyle/>
           <a:p>
-            <a:pPr indent="0" lvl="0" marL="0" rtl="0" algn="ctr">
+            <a:pPr marL="0" lvl="0" indent="0" algn="ctr" rtl="0">
               <a:spcBef>
                 <a:spcPts val="0"/>
               </a:spcBef>
@@ -7002,14 +7152,14 @@
             <a:avLst/>
           </a:prstGeom>
           <a:noFill/>
-          <a:ln cap="flat" cmpd="sng" w="19050">
+          <a:ln w="19050" cap="flat" cmpd="sng">
             <a:solidFill>
               <a:schemeClr val="dk1"/>
             </a:solidFill>
             <a:prstDash val="solid"/>
             <a:round/>
-            <a:headEnd len="med" w="med" type="none"/>
-            <a:tailEnd len="med" w="med" type="none"/>
+            <a:headEnd type="none" w="med" len="med"/>
+            <a:tailEnd type="none" w="med" len="med"/>
           </a:ln>
         </p:spPr>
       </p:cxnSp>
@@ -7028,14 +7178,14 @@
             <a:avLst/>
           </a:prstGeom>
           <a:noFill/>
-          <a:ln cap="flat" cmpd="sng" w="19050">
+          <a:ln w="19050" cap="flat" cmpd="sng">
             <a:solidFill>
               <a:schemeClr val="lt1"/>
             </a:solidFill>
             <a:prstDash val="solid"/>
             <a:round/>
-            <a:headEnd len="med" w="med" type="none"/>
-            <a:tailEnd len="med" w="med" type="none"/>
+            <a:headEnd type="none" w="med" len="med"/>
+            <a:tailEnd type="none" w="med" len="med"/>
           </a:ln>
         </p:spPr>
       </p:cxnSp>
@@ -7054,14 +7204,14 @@
             <a:avLst/>
           </a:prstGeom>
           <a:noFill/>
-          <a:ln cap="flat" cmpd="sng" w="19050">
+          <a:ln w="19050" cap="flat" cmpd="sng">
             <a:solidFill>
               <a:schemeClr val="dk1"/>
             </a:solidFill>
             <a:prstDash val="solid"/>
             <a:round/>
-            <a:headEnd len="med" w="med" type="none"/>
-            <a:tailEnd len="med" w="med" type="none"/>
+            <a:headEnd type="none" w="med" len="med"/>
+            <a:tailEnd type="none" w="med" len="med"/>
           </a:ln>
         </p:spPr>
       </p:cxnSp>
@@ -7085,12 +7235,12 @@
           </a:ln>
         </p:spPr>
         <p:txBody>
-          <a:bodyPr anchorCtr="0" anchor="t" bIns="91425" lIns="91425" spcFirstLastPara="1" rIns="91425" wrap="square" tIns="91425">
+          <a:bodyPr spcFirstLastPara="1" wrap="square" lIns="91425" tIns="91425" rIns="91425" bIns="91425" anchor="t" anchorCtr="0">
             <a:noAutofit/>
           </a:bodyPr>
           <a:lstStyle/>
           <a:p>
-            <a:pPr indent="0" lvl="0" marL="0" rtl="0" algn="ctr">
+            <a:pPr marL="0" lvl="0" indent="0" algn="ctr" rtl="0">
               <a:spcBef>
                 <a:spcPts val="0"/>
               </a:spcBef>
@@ -7135,12 +7285,12 @@
           </a:ln>
         </p:spPr>
         <p:txBody>
-          <a:bodyPr anchorCtr="0" anchor="t" bIns="91425" lIns="91425" spcFirstLastPara="1" rIns="91425" wrap="square" tIns="91425">
+          <a:bodyPr spcFirstLastPara="1" wrap="square" lIns="91425" tIns="91425" rIns="91425" bIns="91425" anchor="t" anchorCtr="0">
             <a:noAutofit/>
           </a:bodyPr>
           <a:lstStyle/>
           <a:p>
-            <a:pPr indent="0" lvl="0" marL="0" rtl="0" algn="ctr">
+            <a:pPr marL="0" lvl="0" indent="0" algn="ctr" rtl="0">
               <a:spcBef>
                 <a:spcPts val="0"/>
               </a:spcBef>
@@ -7182,14 +7332,14 @@
             <a:avLst/>
           </a:prstGeom>
           <a:noFill/>
-          <a:ln cap="flat" cmpd="sng" w="19050">
+          <a:ln w="19050" cap="flat" cmpd="sng">
             <a:solidFill>
               <a:schemeClr val="dk1"/>
             </a:solidFill>
             <a:prstDash val="solid"/>
             <a:round/>
-            <a:headEnd len="med" w="med" type="none"/>
-            <a:tailEnd len="med" w="med" type="none"/>
+            <a:headEnd type="none" w="med" len="med"/>
+            <a:tailEnd type="none" w="med" len="med"/>
           </a:ln>
         </p:spPr>
       </p:cxnSp>
@@ -7208,14 +7358,14 @@
             <a:avLst/>
           </a:prstGeom>
           <a:noFill/>
-          <a:ln cap="flat" cmpd="sng" w="19050">
+          <a:ln w="19050" cap="flat" cmpd="sng">
             <a:solidFill>
               <a:schemeClr val="lt1"/>
             </a:solidFill>
             <a:prstDash val="solid"/>
             <a:round/>
-            <a:headEnd len="med" w="med" type="none"/>
-            <a:tailEnd len="med" w="med" type="none"/>
+            <a:headEnd type="none" w="med" len="med"/>
+            <a:tailEnd type="none" w="med" len="med"/>
           </a:ln>
         </p:spPr>
       </p:cxnSp>
@@ -7234,14 +7384,14 @@
             <a:avLst/>
           </a:prstGeom>
           <a:noFill/>
-          <a:ln cap="flat" cmpd="sng" w="19050">
+          <a:ln w="19050" cap="flat" cmpd="sng">
             <a:solidFill>
               <a:schemeClr val="dk1"/>
             </a:solidFill>
             <a:prstDash val="solid"/>
             <a:round/>
-            <a:headEnd len="med" w="med" type="none"/>
-            <a:tailEnd len="med" w="med" type="none"/>
+            <a:headEnd type="none" w="med" len="med"/>
+            <a:tailEnd type="none" w="med" len="med"/>
           </a:ln>
         </p:spPr>
       </p:cxnSp>
@@ -7265,12 +7415,12 @@
           </a:ln>
         </p:spPr>
         <p:txBody>
-          <a:bodyPr anchorCtr="0" anchor="t" bIns="91425" lIns="91425" spcFirstLastPara="1" rIns="91425" wrap="square" tIns="91425">
+          <a:bodyPr spcFirstLastPara="1" wrap="square" lIns="91425" tIns="91425" rIns="91425" bIns="91425" anchor="t" anchorCtr="0">
             <a:noAutofit/>
           </a:bodyPr>
           <a:lstStyle/>
           <a:p>
-            <a:pPr indent="0" lvl="0" marL="0" rtl="0" algn="ctr">
+            <a:pPr marL="0" lvl="0" indent="0" algn="ctr" rtl="0">
               <a:spcBef>
                 <a:spcPts val="0"/>
               </a:spcBef>
@@ -7315,12 +7465,12 @@
           </a:ln>
         </p:spPr>
         <p:txBody>
-          <a:bodyPr anchorCtr="0" anchor="t" bIns="91425" lIns="91425" spcFirstLastPara="1" rIns="91425" wrap="square" tIns="91425">
+          <a:bodyPr spcFirstLastPara="1" wrap="square" lIns="91425" tIns="91425" rIns="91425" bIns="91425" anchor="t" anchorCtr="0">
             <a:noAutofit/>
           </a:bodyPr>
           <a:lstStyle/>
           <a:p>
-            <a:pPr indent="0" lvl="0" marL="0" rtl="0" algn="ctr">
+            <a:pPr marL="0" lvl="0" indent="0" algn="ctr" rtl="0">
               <a:spcBef>
                 <a:spcPts val="0"/>
               </a:spcBef>
@@ -7362,14 +7512,14 @@
             <a:avLst/>
           </a:prstGeom>
           <a:noFill/>
-          <a:ln cap="flat" cmpd="sng" w="19050">
+          <a:ln w="19050" cap="flat" cmpd="sng">
             <a:solidFill>
               <a:schemeClr val="dk1"/>
             </a:solidFill>
             <a:prstDash val="solid"/>
             <a:round/>
-            <a:headEnd len="med" w="med" type="none"/>
-            <a:tailEnd len="med" w="med" type="none"/>
+            <a:headEnd type="none" w="med" len="med"/>
+            <a:tailEnd type="none" w="med" len="med"/>
           </a:ln>
         </p:spPr>
       </p:cxnSp>
@@ -7388,14 +7538,14 @@
             <a:avLst/>
           </a:prstGeom>
           <a:noFill/>
-          <a:ln cap="flat" cmpd="sng" w="19050">
+          <a:ln w="19050" cap="flat" cmpd="sng">
             <a:solidFill>
               <a:schemeClr val="lt1"/>
             </a:solidFill>
             <a:prstDash val="solid"/>
             <a:round/>
-            <a:headEnd len="med" w="med" type="none"/>
-            <a:tailEnd len="med" w="med" type="none"/>
+            <a:headEnd type="none" w="med" len="med"/>
+            <a:tailEnd type="none" w="med" len="med"/>
           </a:ln>
         </p:spPr>
       </p:cxnSp>
@@ -7414,14 +7564,14 @@
             <a:avLst/>
           </a:prstGeom>
           <a:noFill/>
-          <a:ln cap="flat" cmpd="sng" w="19050">
+          <a:ln w="19050" cap="flat" cmpd="sng">
             <a:solidFill>
               <a:schemeClr val="dk1"/>
             </a:solidFill>
             <a:prstDash val="solid"/>
             <a:round/>
-            <a:headEnd len="med" w="med" type="none"/>
-            <a:tailEnd len="med" w="med" type="none"/>
+            <a:headEnd type="none" w="med" len="med"/>
+            <a:tailEnd type="none" w="med" len="med"/>
           </a:ln>
         </p:spPr>
       </p:cxnSp>
@@ -8117,12 +8267,12 @@
           </a:ln>
         </p:spPr>
         <p:txBody>
-          <a:bodyPr anchorCtr="0" anchor="t" bIns="91425" lIns="91425" spcFirstLastPara="1" rIns="91425" wrap="square" tIns="91425">
+          <a:bodyPr spcFirstLastPara="1" wrap="square" lIns="91425" tIns="91425" rIns="91425" bIns="91425" anchor="t" anchorCtr="0">
             <a:noAutofit/>
           </a:bodyPr>
           <a:lstStyle/>
           <a:p>
-            <a:pPr indent="0" lvl="0" marL="0" rtl="0" algn="ctr">
+            <a:pPr marL="0" lvl="0" indent="0" algn="ctr" rtl="0">
               <a:spcBef>
                 <a:spcPts val="0"/>
               </a:spcBef>
@@ -8167,12 +8317,12 @@
           </a:ln>
         </p:spPr>
         <p:txBody>
-          <a:bodyPr anchorCtr="0" anchor="t" bIns="91425" lIns="91425" spcFirstLastPara="1" rIns="91425" wrap="square" tIns="91425">
+          <a:bodyPr spcFirstLastPara="1" wrap="square" lIns="91425" tIns="91425" rIns="91425" bIns="91425" anchor="t" anchorCtr="0">
             <a:noAutofit/>
           </a:bodyPr>
           <a:lstStyle/>
           <a:p>
-            <a:pPr indent="0" lvl="0" marL="0" rtl="0" algn="ctr">
+            <a:pPr marL="0" lvl="0" indent="0" algn="ctr" rtl="0">
               <a:spcBef>
                 <a:spcPts val="0"/>
               </a:spcBef>
@@ -8217,12 +8367,12 @@
           </a:ln>
         </p:spPr>
         <p:txBody>
-          <a:bodyPr anchorCtr="0" anchor="t" bIns="91425" lIns="91425" spcFirstLastPara="1" rIns="91425" wrap="square" tIns="91425">
+          <a:bodyPr spcFirstLastPara="1" wrap="square" lIns="91425" tIns="91425" rIns="91425" bIns="91425" anchor="t" anchorCtr="0">
             <a:noAutofit/>
           </a:bodyPr>
           <a:lstStyle/>
           <a:p>
-            <a:pPr indent="0" lvl="0" marL="0" rtl="0" algn="ctr">
+            <a:pPr marL="0" lvl="0" indent="0" algn="ctr" rtl="0">
               <a:spcBef>
                 <a:spcPts val="0"/>
               </a:spcBef>
@@ -8267,12 +8417,12 @@
           </a:ln>
         </p:spPr>
         <p:txBody>
-          <a:bodyPr anchorCtr="0" anchor="t" bIns="91425" lIns="91425" spcFirstLastPara="1" rIns="91425" wrap="square" tIns="91425">
+          <a:bodyPr spcFirstLastPara="1" wrap="square" lIns="91425" tIns="91425" rIns="91425" bIns="91425" anchor="t" anchorCtr="0">
             <a:noAutofit/>
           </a:bodyPr>
           <a:lstStyle/>
           <a:p>
-            <a:pPr indent="0" lvl="0" marL="0" rtl="0" algn="ctr">
+            <a:pPr marL="0" lvl="0" indent="0" algn="ctr" rtl="0">
               <a:spcBef>
                 <a:spcPts val="0"/>
               </a:spcBef>
@@ -8317,12 +8467,12 @@
           </a:ln>
         </p:spPr>
         <p:txBody>
-          <a:bodyPr anchorCtr="0" anchor="t" bIns="91425" lIns="91425" spcFirstLastPara="1" rIns="91425" wrap="square" tIns="91425">
+          <a:bodyPr spcFirstLastPara="1" wrap="square" lIns="91425" tIns="91425" rIns="91425" bIns="91425" anchor="t" anchorCtr="0">
             <a:noAutofit/>
           </a:bodyPr>
           <a:lstStyle/>
           <a:p>
-            <a:pPr indent="0" lvl="0" marL="0" rtl="0" algn="ctr">
+            <a:pPr marL="0" lvl="0" indent="0" algn="ctr" rtl="0">
               <a:spcBef>
                 <a:spcPts val="0"/>
               </a:spcBef>
@@ -8367,12 +8517,12 @@
           </a:ln>
         </p:spPr>
         <p:txBody>
-          <a:bodyPr anchorCtr="0" anchor="t" bIns="91425" lIns="91425" spcFirstLastPara="1" rIns="91425" wrap="square" tIns="91425">
+          <a:bodyPr spcFirstLastPara="1" wrap="square" lIns="91425" tIns="91425" rIns="91425" bIns="91425" anchor="t" anchorCtr="0">
             <a:noAutofit/>
           </a:bodyPr>
           <a:lstStyle/>
           <a:p>
-            <a:pPr indent="0" lvl="0" marL="0" rtl="0" algn="ctr">
+            <a:pPr marL="0" lvl="0" indent="0" algn="ctr" rtl="0">
               <a:spcBef>
                 <a:spcPts val="0"/>
               </a:spcBef>
@@ -8417,12 +8567,12 @@
           </a:ln>
         </p:spPr>
         <p:txBody>
-          <a:bodyPr anchorCtr="0" anchor="t" bIns="91425" lIns="91425" spcFirstLastPara="1" rIns="91425" wrap="square" tIns="91425">
+          <a:bodyPr spcFirstLastPara="1" wrap="square" lIns="91425" tIns="91425" rIns="91425" bIns="91425" anchor="t" anchorCtr="0">
             <a:noAutofit/>
           </a:bodyPr>
           <a:lstStyle/>
           <a:p>
-            <a:pPr indent="0" lvl="0" marL="0" rtl="0" algn="ctr">
+            <a:pPr marL="0" lvl="0" indent="0" algn="ctr" rtl="0">
               <a:spcBef>
                 <a:spcPts val="0"/>
               </a:spcBef>
@@ -8467,12 +8617,12 @@
           </a:ln>
         </p:spPr>
         <p:txBody>
-          <a:bodyPr anchorCtr="0" anchor="t" bIns="91425" lIns="91425" spcFirstLastPara="1" rIns="91425" wrap="square" tIns="91425">
+          <a:bodyPr spcFirstLastPara="1" wrap="square" lIns="91425" tIns="91425" rIns="91425" bIns="91425" anchor="t" anchorCtr="0">
             <a:noAutofit/>
           </a:bodyPr>
           <a:lstStyle/>
           <a:p>
-            <a:pPr indent="0" lvl="0" marL="0" rtl="0" algn="ctr">
+            <a:pPr marL="0" lvl="0" indent="0" algn="ctr" rtl="0">
               <a:spcBef>
                 <a:spcPts val="0"/>
               </a:spcBef>
@@ -8517,12 +8667,12 @@
           </a:ln>
         </p:spPr>
         <p:txBody>
-          <a:bodyPr anchorCtr="0" anchor="t" bIns="91425" lIns="91425" spcFirstLastPara="1" rIns="91425" wrap="square" tIns="91425">
+          <a:bodyPr spcFirstLastPara="1" wrap="square" lIns="91425" tIns="91425" rIns="91425" bIns="91425" anchor="t" anchorCtr="0">
             <a:noAutofit/>
           </a:bodyPr>
           <a:lstStyle/>
           <a:p>
-            <a:pPr indent="0" lvl="0" marL="0" rtl="0" algn="ctr">
+            <a:pPr marL="0" lvl="0" indent="0" algn="ctr" rtl="0">
               <a:spcBef>
                 <a:spcPts val="0"/>
               </a:spcBef>
@@ -8567,12 +8717,12 @@
           </a:ln>
         </p:spPr>
         <p:txBody>
-          <a:bodyPr anchorCtr="0" anchor="t" bIns="91425" lIns="91425" spcFirstLastPara="1" rIns="91425" wrap="square" tIns="91425">
+          <a:bodyPr spcFirstLastPara="1" wrap="square" lIns="91425" tIns="91425" rIns="91425" bIns="91425" anchor="t" anchorCtr="0">
             <a:noAutofit/>
           </a:bodyPr>
           <a:lstStyle/>
           <a:p>
-            <a:pPr indent="0" lvl="0" marL="0" rtl="0" algn="ctr">
+            <a:pPr marL="0" lvl="0" indent="0" algn="ctr" rtl="0">
               <a:spcBef>
                 <a:spcPts val="0"/>
               </a:spcBef>
@@ -8617,12 +8767,12 @@
           </a:ln>
         </p:spPr>
         <p:txBody>
-          <a:bodyPr anchorCtr="0" anchor="t" bIns="91425" lIns="91425" spcFirstLastPara="1" rIns="91425" wrap="square" tIns="91425">
+          <a:bodyPr spcFirstLastPara="1" wrap="square" lIns="91425" tIns="91425" rIns="91425" bIns="91425" anchor="t" anchorCtr="0">
             <a:noAutofit/>
           </a:bodyPr>
           <a:lstStyle/>
           <a:p>
-            <a:pPr indent="0" lvl="0" marL="0" rtl="0" algn="ctr">
+            <a:pPr marL="0" lvl="0" indent="0" algn="ctr" rtl="0">
               <a:spcBef>
                 <a:spcPts val="0"/>
               </a:spcBef>
@@ -8667,12 +8817,12 @@
           </a:ln>
         </p:spPr>
         <p:txBody>
-          <a:bodyPr anchorCtr="0" anchor="t" bIns="91425" lIns="91425" spcFirstLastPara="1" rIns="91425" wrap="square" tIns="91425">
+          <a:bodyPr spcFirstLastPara="1" wrap="square" lIns="91425" tIns="91425" rIns="91425" bIns="91425" anchor="t" anchorCtr="0">
             <a:noAutofit/>
           </a:bodyPr>
           <a:lstStyle/>
           <a:p>
-            <a:pPr indent="0" lvl="0" marL="0" rtl="0" algn="ctr">
+            <a:pPr marL="0" lvl="0" indent="0" algn="ctr" rtl="0">
               <a:spcBef>
                 <a:spcPts val="0"/>
               </a:spcBef>
@@ -8705,32 +8855,32 @@
   <p:timing>
     <p:tnLst>
       <p:par>
-        <p:cTn dur="indefinite" nodeType="tmRoot" restart="never">
+        <p:cTn id="1" dur="indefinite" restart="never" nodeType="tmRoot">
           <p:childTnLst>
             <p:seq concurrent="1" nextAc="seek">
-              <p:cTn dur="indefinite" id="2" nodeType="mainSeq">
+              <p:cTn id="2" dur="indefinite" nodeType="mainSeq">
                 <p:childTnLst>
                   <p:par>
-                    <p:cTn fill="hold">
+                    <p:cTn id="3" fill="hold">
                       <p:stCondLst>
                         <p:cond delay="indefinite"/>
                       </p:stCondLst>
                       <p:childTnLst>
                         <p:par>
-                          <p:cTn fill="hold">
+                          <p:cTn id="4" fill="hold">
                             <p:stCondLst>
                               <p:cond delay="0"/>
                             </p:stCondLst>
                             <p:childTnLst>
                               <p:par>
-                                <p:cTn fill="hold" nodeType="clickEffect" presetClass="entr" presetID="1" presetSubtype="0">
+                                <p:cTn id="5" presetID="1" presetClass="entr" presetSubtype="0" fill="hold" nodeType="clickEffect">
                                   <p:stCondLst>
                                     <p:cond delay="0"/>
                                   </p:stCondLst>
                                   <p:childTnLst>
                                     <p:set>
                                       <p:cBhvr>
-                                        <p:cTn dur="1" fill="hold">
+                                        <p:cTn id="6" dur="1" fill="hold">
                                           <p:stCondLst>
                                             <p:cond delay="0"/>
                                           </p:stCondLst>
@@ -8750,14 +8900,14 @@
                                 </p:cTn>
                               </p:par>
                               <p:par>
-                                <p:cTn fill="hold" nodeType="withEffect" presetClass="entr" presetID="1" presetSubtype="0">
+                                <p:cTn id="7" presetID="1" presetClass="entr" presetSubtype="0" fill="hold" nodeType="withEffect">
                                   <p:stCondLst>
                                     <p:cond delay="0"/>
                                   </p:stCondLst>
                                   <p:childTnLst>
                                     <p:set>
                                       <p:cBhvr>
-                                        <p:cTn dur="1" fill="hold">
+                                        <p:cTn id="8" dur="1" fill="hold">
                                           <p:stCondLst>
                                             <p:cond delay="0"/>
                                           </p:stCondLst>
@@ -8777,14 +8927,14 @@
                                 </p:cTn>
                               </p:par>
                               <p:par>
-                                <p:cTn fill="hold" nodeType="withEffect" presetClass="entr" presetID="1" presetSubtype="0">
+                                <p:cTn id="9" presetID="1" presetClass="entr" presetSubtype="0" fill="hold" nodeType="withEffect">
                                   <p:stCondLst>
                                     <p:cond delay="0"/>
                                   </p:stCondLst>
                                   <p:childTnLst>
                                     <p:set>
                                       <p:cBhvr>
-                                        <p:cTn dur="1" fill="hold">
+                                        <p:cTn id="10" dur="1" fill="hold">
                                           <p:stCondLst>
                                             <p:cond delay="0"/>
                                           </p:stCondLst>
@@ -8804,14 +8954,14 @@
                                 </p:cTn>
                               </p:par>
                               <p:par>
-                                <p:cTn fill="hold" nodeType="withEffect" presetClass="entr" presetID="1" presetSubtype="0">
+                                <p:cTn id="11" presetID="1" presetClass="entr" presetSubtype="0" fill="hold" nodeType="withEffect">
                                   <p:stCondLst>
                                     <p:cond delay="0"/>
                                   </p:stCondLst>
                                   <p:childTnLst>
                                     <p:set>
                                       <p:cBhvr>
-                                        <p:cTn dur="1" fill="hold">
+                                        <p:cTn id="12" dur="1" fill="hold">
                                           <p:stCondLst>
                                             <p:cond delay="0"/>
                                           </p:stCondLst>
@@ -8837,26 +8987,26 @@
                     </p:cTn>
                   </p:par>
                   <p:par>
-                    <p:cTn fill="hold">
+                    <p:cTn id="13" fill="hold">
                       <p:stCondLst>
                         <p:cond delay="indefinite"/>
                       </p:stCondLst>
                       <p:childTnLst>
                         <p:par>
-                          <p:cTn fill="hold">
+                          <p:cTn id="14" fill="hold">
                             <p:stCondLst>
                               <p:cond delay="0"/>
                             </p:stCondLst>
                             <p:childTnLst>
                               <p:par>
-                                <p:cTn fill="hold" nodeType="clickEffect" presetClass="entr" presetID="1" presetSubtype="0">
+                                <p:cTn id="15" presetID="1" presetClass="entr" presetSubtype="0" fill="hold" nodeType="clickEffect">
                                   <p:stCondLst>
                                     <p:cond delay="0"/>
                                   </p:stCondLst>
                                   <p:childTnLst>
                                     <p:set>
                                       <p:cBhvr>
-                                        <p:cTn dur="1" fill="hold">
+                                        <p:cTn id="16" dur="1" fill="hold">
                                           <p:stCondLst>
                                             <p:cond delay="0"/>
                                           </p:stCondLst>
@@ -8876,14 +9026,14 @@
                                 </p:cTn>
                               </p:par>
                               <p:par>
-                                <p:cTn fill="hold" nodeType="withEffect" presetClass="entr" presetID="1" presetSubtype="0">
+                                <p:cTn id="17" presetID="1" presetClass="entr" presetSubtype="0" fill="hold" nodeType="withEffect">
                                   <p:stCondLst>
                                     <p:cond delay="0"/>
                                   </p:stCondLst>
                                   <p:childTnLst>
                                     <p:set>
                                       <p:cBhvr>
-                                        <p:cTn dur="1" fill="hold">
+                                        <p:cTn id="18" dur="1" fill="hold">
                                           <p:stCondLst>
                                             <p:cond delay="0"/>
                                           </p:stCondLst>
@@ -8903,14 +9053,14 @@
                                 </p:cTn>
                               </p:par>
                               <p:par>
-                                <p:cTn fill="hold" nodeType="withEffect" presetClass="entr" presetID="1" presetSubtype="0">
+                                <p:cTn id="19" presetID="1" presetClass="entr" presetSubtype="0" fill="hold" nodeType="withEffect">
                                   <p:stCondLst>
                                     <p:cond delay="0"/>
                                   </p:stCondLst>
                                   <p:childTnLst>
                                     <p:set>
                                       <p:cBhvr>
-                                        <p:cTn dur="1" fill="hold">
+                                        <p:cTn id="20" dur="1" fill="hold">
                                           <p:stCondLst>
                                             <p:cond delay="0"/>
                                           </p:stCondLst>
@@ -8930,14 +9080,14 @@
                                 </p:cTn>
                               </p:par>
                               <p:par>
-                                <p:cTn fill="hold" nodeType="withEffect" presetClass="entr" presetID="1" presetSubtype="0">
+                                <p:cTn id="21" presetID="1" presetClass="entr" presetSubtype="0" fill="hold" nodeType="withEffect">
                                   <p:stCondLst>
                                     <p:cond delay="0"/>
                                   </p:stCondLst>
                                   <p:childTnLst>
                                     <p:set>
                                       <p:cBhvr>
-                                        <p:cTn dur="1" fill="hold">
+                                        <p:cTn id="22" dur="1" fill="hold">
                                           <p:stCondLst>
                                             <p:cond delay="0"/>
                                           </p:stCondLst>
@@ -8957,14 +9107,14 @@
                                 </p:cTn>
                               </p:par>
                               <p:par>
-                                <p:cTn fill="hold" nodeType="withEffect" presetClass="entr" presetID="1" presetSubtype="0">
+                                <p:cTn id="23" presetID="1" presetClass="entr" presetSubtype="0" fill="hold" nodeType="withEffect">
                                   <p:stCondLst>
                                     <p:cond delay="0"/>
                                   </p:stCondLst>
                                   <p:childTnLst>
                                     <p:set>
                                       <p:cBhvr>
-                                        <p:cTn dur="1" fill="hold">
+                                        <p:cTn id="24" dur="1" fill="hold">
                                           <p:stCondLst>
                                             <p:cond delay="0"/>
                                           </p:stCondLst>
@@ -8984,14 +9134,14 @@
                                 </p:cTn>
                               </p:par>
                               <p:par>
-                                <p:cTn fill="hold" nodeType="withEffect" presetClass="entr" presetID="1" presetSubtype="0">
+                                <p:cTn id="25" presetID="1" presetClass="entr" presetSubtype="0" fill="hold" nodeType="withEffect">
                                   <p:stCondLst>
                                     <p:cond delay="0"/>
                                   </p:stCondLst>
                                   <p:childTnLst>
                                     <p:set>
                                       <p:cBhvr>
-                                        <p:cTn dur="1" fill="hold">
+                                        <p:cTn id="26" dur="1" fill="hold">
                                           <p:stCondLst>
                                             <p:cond delay="0"/>
                                           </p:stCondLst>
@@ -9011,14 +9161,14 @@
                                 </p:cTn>
                               </p:par>
                               <p:par>
-                                <p:cTn fill="hold" nodeType="withEffect" presetClass="entr" presetID="1" presetSubtype="0">
+                                <p:cTn id="27" presetID="1" presetClass="entr" presetSubtype="0" fill="hold" nodeType="withEffect">
                                   <p:stCondLst>
                                     <p:cond delay="0"/>
                                   </p:stCondLst>
                                   <p:childTnLst>
                                     <p:set>
                                       <p:cBhvr>
-                                        <p:cTn dur="1" fill="hold">
+                                        <p:cTn id="28" dur="1" fill="hold">
                                           <p:stCondLst>
                                             <p:cond delay="0"/>
                                           </p:stCondLst>
@@ -9038,14 +9188,14 @@
                                 </p:cTn>
                               </p:par>
                               <p:par>
-                                <p:cTn fill="hold" nodeType="withEffect" presetClass="entr" presetID="1" presetSubtype="0">
+                                <p:cTn id="29" presetID="1" presetClass="entr" presetSubtype="0" fill="hold" nodeType="withEffect">
                                   <p:stCondLst>
                                     <p:cond delay="0"/>
                                   </p:stCondLst>
                                   <p:childTnLst>
                                     <p:set>
                                       <p:cBhvr>
-                                        <p:cTn dur="1" fill="hold">
+                                        <p:cTn id="30" dur="1" fill="hold">
                                           <p:stCondLst>
                                             <p:cond delay="0"/>
                                           </p:stCondLst>
@@ -9071,26 +9221,26 @@
                     </p:cTn>
                   </p:par>
                   <p:par>
-                    <p:cTn fill="hold">
+                    <p:cTn id="31" fill="hold">
                       <p:stCondLst>
                         <p:cond delay="indefinite"/>
                       </p:stCondLst>
                       <p:childTnLst>
                         <p:par>
-                          <p:cTn fill="hold">
+                          <p:cTn id="32" fill="hold">
                             <p:stCondLst>
                               <p:cond delay="0"/>
                             </p:stCondLst>
                             <p:childTnLst>
                               <p:par>
-                                <p:cTn fill="hold" nodeType="clickEffect" presetClass="entr" presetID="1" presetSubtype="0">
+                                <p:cTn id="33" presetID="1" presetClass="entr" presetSubtype="0" fill="hold" nodeType="clickEffect">
                                   <p:stCondLst>
                                     <p:cond delay="0"/>
                                   </p:stCondLst>
                                   <p:childTnLst>
                                     <p:set>
                                       <p:cBhvr>
-                                        <p:cTn dur="1" fill="hold">
+                                        <p:cTn id="34" dur="1" fill="hold">
                                           <p:stCondLst>
                                             <p:cond delay="0"/>
                                           </p:stCondLst>
@@ -9110,14 +9260,14 @@
                                 </p:cTn>
                               </p:par>
                               <p:par>
-                                <p:cTn fill="hold" nodeType="withEffect" presetClass="entr" presetID="1" presetSubtype="0">
+                                <p:cTn id="35" presetID="1" presetClass="entr" presetSubtype="0" fill="hold" nodeType="withEffect">
                                   <p:stCondLst>
                                     <p:cond delay="0"/>
                                   </p:stCondLst>
                                   <p:childTnLst>
                                     <p:set>
                                       <p:cBhvr>
-                                        <p:cTn dur="1" fill="hold">
+                                        <p:cTn id="36" dur="1" fill="hold">
                                           <p:stCondLst>
                                             <p:cond delay="0"/>
                                           </p:stCondLst>
@@ -9137,14 +9287,14 @@
                                 </p:cTn>
                               </p:par>
                               <p:par>
-                                <p:cTn fill="hold" nodeType="withEffect" presetClass="entr" presetID="1" presetSubtype="0">
+                                <p:cTn id="37" presetID="1" presetClass="entr" presetSubtype="0" fill="hold" nodeType="withEffect">
                                   <p:stCondLst>
                                     <p:cond delay="0"/>
                                   </p:stCondLst>
                                   <p:childTnLst>
                                     <p:set>
                                       <p:cBhvr>
-                                        <p:cTn dur="1" fill="hold">
+                                        <p:cTn id="38" dur="1" fill="hold">
                                           <p:stCondLst>
                                             <p:cond delay="0"/>
                                           </p:stCondLst>
@@ -9164,14 +9314,14 @@
                                 </p:cTn>
                               </p:par>
                               <p:par>
-                                <p:cTn fill="hold" nodeType="withEffect" presetClass="entr" presetID="1" presetSubtype="0">
+                                <p:cTn id="39" presetID="1" presetClass="entr" presetSubtype="0" fill="hold" nodeType="withEffect">
                                   <p:stCondLst>
                                     <p:cond delay="0"/>
                                   </p:stCondLst>
                                   <p:childTnLst>
                                     <p:set>
                                       <p:cBhvr>
-                                        <p:cTn dur="1" fill="hold">
+                                        <p:cTn id="40" dur="1" fill="hold">
                                           <p:stCondLst>
                                             <p:cond delay="0"/>
                                           </p:stCondLst>
@@ -9191,14 +9341,14 @@
                                 </p:cTn>
                               </p:par>
                               <p:par>
-                                <p:cTn fill="hold" nodeType="withEffect" presetClass="entr" presetID="1" presetSubtype="0">
+                                <p:cTn id="41" presetID="1" presetClass="entr" presetSubtype="0" fill="hold" nodeType="withEffect">
                                   <p:stCondLst>
                                     <p:cond delay="0"/>
                                   </p:stCondLst>
                                   <p:childTnLst>
                                     <p:set>
                                       <p:cBhvr>
-                                        <p:cTn dur="1" fill="hold">
+                                        <p:cTn id="42" dur="1" fill="hold">
                                           <p:stCondLst>
                                             <p:cond delay="0"/>
                                           </p:stCondLst>
@@ -9218,14 +9368,14 @@
                                 </p:cTn>
                               </p:par>
                               <p:par>
-                                <p:cTn fill="hold" nodeType="withEffect" presetClass="entr" presetID="1" presetSubtype="0">
+                                <p:cTn id="43" presetID="1" presetClass="entr" presetSubtype="0" fill="hold" nodeType="withEffect">
                                   <p:stCondLst>
                                     <p:cond delay="0"/>
                                   </p:stCondLst>
                                   <p:childTnLst>
                                     <p:set>
                                       <p:cBhvr>
-                                        <p:cTn dur="1" fill="hold">
+                                        <p:cTn id="44" dur="1" fill="hold">
                                           <p:stCondLst>
                                             <p:cond delay="0"/>
                                           </p:stCondLst>
@@ -9245,14 +9395,14 @@
                                 </p:cTn>
                               </p:par>
                               <p:par>
-                                <p:cTn fill="hold" nodeType="withEffect" presetClass="entr" presetID="1" presetSubtype="0">
+                                <p:cTn id="45" presetID="1" presetClass="entr" presetSubtype="0" fill="hold" nodeType="withEffect">
                                   <p:stCondLst>
                                     <p:cond delay="0"/>
                                   </p:stCondLst>
                                   <p:childTnLst>
                                     <p:set>
                                       <p:cBhvr>
-                                        <p:cTn dur="1" fill="hold">
+                                        <p:cTn id="46" dur="1" fill="hold">
                                           <p:stCondLst>
                                             <p:cond delay="0"/>
                                           </p:stCondLst>
@@ -9272,14 +9422,14 @@
                                 </p:cTn>
                               </p:par>
                               <p:par>
-                                <p:cTn fill="hold" nodeType="withEffect" presetClass="entr" presetID="1" presetSubtype="0">
+                                <p:cTn id="47" presetID="1" presetClass="entr" presetSubtype="0" fill="hold" nodeType="withEffect">
                                   <p:stCondLst>
                                     <p:cond delay="0"/>
                                   </p:stCondLst>
                                   <p:childTnLst>
                                     <p:set>
                                       <p:cBhvr>
-                                        <p:cTn dur="1" fill="hold">
+                                        <p:cTn id="48" dur="1" fill="hold">
                                           <p:stCondLst>
                                             <p:cond delay="0"/>
                                           </p:stCondLst>
@@ -9305,26 +9455,26 @@
                     </p:cTn>
                   </p:par>
                   <p:par>
-                    <p:cTn fill="hold">
+                    <p:cTn id="49" fill="hold">
                       <p:stCondLst>
                         <p:cond delay="indefinite"/>
                       </p:stCondLst>
                       <p:childTnLst>
                         <p:par>
-                          <p:cTn fill="hold">
+                          <p:cTn id="50" fill="hold">
                             <p:stCondLst>
                               <p:cond delay="0"/>
                             </p:stCondLst>
                             <p:childTnLst>
                               <p:par>
-                                <p:cTn fill="hold" nodeType="clickEffect" presetClass="entr" presetID="1" presetSubtype="0">
+                                <p:cTn id="51" presetID="1" presetClass="entr" presetSubtype="0" fill="hold" nodeType="clickEffect">
                                   <p:stCondLst>
                                     <p:cond delay="0"/>
                                   </p:stCondLst>
                                   <p:childTnLst>
                                     <p:set>
                                       <p:cBhvr>
-                                        <p:cTn dur="1" fill="hold">
+                                        <p:cTn id="52" dur="1" fill="hold">
                                           <p:stCondLst>
                                             <p:cond delay="0"/>
                                           </p:stCondLst>
@@ -9344,14 +9494,14 @@
                                 </p:cTn>
                               </p:par>
                               <p:par>
-                                <p:cTn fill="hold" nodeType="withEffect" presetClass="entr" presetID="1" presetSubtype="0">
+                                <p:cTn id="53" presetID="1" presetClass="entr" presetSubtype="0" fill="hold" nodeType="withEffect">
                                   <p:stCondLst>
                                     <p:cond delay="0"/>
                                   </p:stCondLst>
                                   <p:childTnLst>
                                     <p:set>
                                       <p:cBhvr>
-                                        <p:cTn dur="1" fill="hold">
+                                        <p:cTn id="54" dur="1" fill="hold">
                                           <p:stCondLst>
                                             <p:cond delay="0"/>
                                           </p:stCondLst>
@@ -9371,14 +9521,14 @@
                                 </p:cTn>
                               </p:par>
                               <p:par>
-                                <p:cTn fill="hold" nodeType="withEffect" presetClass="entr" presetID="1" presetSubtype="0">
+                                <p:cTn id="55" presetID="1" presetClass="entr" presetSubtype="0" fill="hold" nodeType="withEffect">
                                   <p:stCondLst>
                                     <p:cond delay="0"/>
                                   </p:stCondLst>
                                   <p:childTnLst>
                                     <p:set>
                                       <p:cBhvr>
-                                        <p:cTn dur="1" fill="hold">
+                                        <p:cTn id="56" dur="1" fill="hold">
                                           <p:stCondLst>
                                             <p:cond delay="0"/>
                                           </p:stCondLst>
@@ -9398,14 +9548,14 @@
                                 </p:cTn>
                               </p:par>
                               <p:par>
-                                <p:cTn fill="hold" nodeType="withEffect" presetClass="entr" presetID="1" presetSubtype="0">
+                                <p:cTn id="57" presetID="1" presetClass="entr" presetSubtype="0" fill="hold" nodeType="withEffect">
                                   <p:stCondLst>
                                     <p:cond delay="0"/>
                                   </p:stCondLst>
                                   <p:childTnLst>
                                     <p:set>
                                       <p:cBhvr>
-                                        <p:cTn dur="1" fill="hold">
+                                        <p:cTn id="58" dur="1" fill="hold">
                                           <p:stCondLst>
                                             <p:cond delay="0"/>
                                           </p:stCondLst>
@@ -9425,14 +9575,14 @@
                                 </p:cTn>
                               </p:par>
                               <p:par>
-                                <p:cTn fill="hold" nodeType="withEffect" presetClass="entr" presetID="1" presetSubtype="0">
+                                <p:cTn id="59" presetID="1" presetClass="entr" presetSubtype="0" fill="hold" nodeType="withEffect">
                                   <p:stCondLst>
                                     <p:cond delay="0"/>
                                   </p:stCondLst>
                                   <p:childTnLst>
                                     <p:set>
                                       <p:cBhvr>
-                                        <p:cTn dur="1" fill="hold">
+                                        <p:cTn id="60" dur="1" fill="hold">
                                           <p:stCondLst>
                                             <p:cond delay="0"/>
                                           </p:stCondLst>
@@ -9452,14 +9602,14 @@
                                 </p:cTn>
                               </p:par>
                               <p:par>
-                                <p:cTn fill="hold" nodeType="withEffect" presetClass="entr" presetID="1" presetSubtype="0">
+                                <p:cTn id="61" presetID="1" presetClass="entr" presetSubtype="0" fill="hold" nodeType="withEffect">
                                   <p:stCondLst>
                                     <p:cond delay="0"/>
                                   </p:stCondLst>
                                   <p:childTnLst>
                                     <p:set>
                                       <p:cBhvr>
-                                        <p:cTn dur="1" fill="hold">
+                                        <p:cTn id="62" dur="1" fill="hold">
                                           <p:stCondLst>
                                             <p:cond delay="0"/>
                                           </p:stCondLst>
@@ -9485,26 +9635,26 @@
                     </p:cTn>
                   </p:par>
                   <p:par>
-                    <p:cTn fill="hold">
+                    <p:cTn id="63" fill="hold">
                       <p:stCondLst>
                         <p:cond delay="indefinite"/>
                       </p:stCondLst>
                       <p:childTnLst>
                         <p:par>
-                          <p:cTn fill="hold">
+                          <p:cTn id="64" fill="hold">
                             <p:stCondLst>
                               <p:cond delay="0"/>
                             </p:stCondLst>
                             <p:childTnLst>
                               <p:par>
-                                <p:cTn fill="hold" nodeType="clickEffect" presetClass="entr" presetID="1" presetSubtype="0">
+                                <p:cTn id="65" presetID="1" presetClass="entr" presetSubtype="0" fill="hold" nodeType="clickEffect">
                                   <p:stCondLst>
                                     <p:cond delay="0"/>
                                   </p:stCondLst>
                                   <p:childTnLst>
                                     <p:set>
                                       <p:cBhvr>
-                                        <p:cTn dur="1" fill="hold">
+                                        <p:cTn id="66" dur="1" fill="hold">
                                           <p:stCondLst>
                                             <p:cond delay="0"/>
                                           </p:stCondLst>
@@ -9524,14 +9674,14 @@
                                 </p:cTn>
                               </p:par>
                               <p:par>
-                                <p:cTn fill="hold" nodeType="withEffect" presetClass="entr" presetID="1" presetSubtype="0">
+                                <p:cTn id="67" presetID="1" presetClass="entr" presetSubtype="0" fill="hold" nodeType="withEffect">
                                   <p:stCondLst>
                                     <p:cond delay="0"/>
                                   </p:stCondLst>
                                   <p:childTnLst>
                                     <p:set>
                                       <p:cBhvr>
-                                        <p:cTn dur="1" fill="hold">
+                                        <p:cTn id="68" dur="1" fill="hold">
                                           <p:stCondLst>
                                             <p:cond delay="0"/>
                                           </p:stCondLst>
@@ -9551,14 +9701,14 @@
                                 </p:cTn>
                               </p:par>
                               <p:par>
-                                <p:cTn fill="hold" nodeType="withEffect" presetClass="entr" presetID="1" presetSubtype="0">
+                                <p:cTn id="69" presetID="1" presetClass="entr" presetSubtype="0" fill="hold" nodeType="withEffect">
                                   <p:stCondLst>
                                     <p:cond delay="0"/>
                                   </p:stCondLst>
                                   <p:childTnLst>
                                     <p:set>
                                       <p:cBhvr>
-                                        <p:cTn dur="1" fill="hold">
+                                        <p:cTn id="70" dur="1" fill="hold">
                                           <p:stCondLst>
                                             <p:cond delay="0"/>
                                           </p:stCondLst>
@@ -9578,14 +9728,14 @@
                                 </p:cTn>
                               </p:par>
                               <p:par>
-                                <p:cTn fill="hold" nodeType="withEffect" presetClass="entr" presetID="1" presetSubtype="0">
+                                <p:cTn id="71" presetID="1" presetClass="entr" presetSubtype="0" fill="hold" nodeType="withEffect">
                                   <p:stCondLst>
                                     <p:cond delay="0"/>
                                   </p:stCondLst>
                                   <p:childTnLst>
                                     <p:set>
                                       <p:cBhvr>
-                                        <p:cTn dur="1" fill="hold">
+                                        <p:cTn id="72" dur="1" fill="hold">
                                           <p:stCondLst>
                                             <p:cond delay="0"/>
                                           </p:stCondLst>
@@ -9605,14 +9755,14 @@
                                 </p:cTn>
                               </p:par>
                               <p:par>
-                                <p:cTn fill="hold" nodeType="withEffect" presetClass="entr" presetID="1" presetSubtype="0">
+                                <p:cTn id="73" presetID="1" presetClass="entr" presetSubtype="0" fill="hold" nodeType="withEffect">
                                   <p:stCondLst>
                                     <p:cond delay="0"/>
                                   </p:stCondLst>
                                   <p:childTnLst>
                                     <p:set>
                                       <p:cBhvr>
-                                        <p:cTn dur="1" fill="hold">
+                                        <p:cTn id="74" dur="1" fill="hold">
                                           <p:stCondLst>
                                             <p:cond delay="0"/>
                                           </p:stCondLst>
@@ -9632,14 +9782,14 @@
                                 </p:cTn>
                               </p:par>
                               <p:par>
-                                <p:cTn fill="hold" nodeType="withEffect" presetClass="entr" presetID="1" presetSubtype="0">
+                                <p:cTn id="75" presetID="1" presetClass="entr" presetSubtype="0" fill="hold" nodeType="withEffect">
                                   <p:stCondLst>
                                     <p:cond delay="0"/>
                                   </p:stCondLst>
                                   <p:childTnLst>
                                     <p:set>
                                       <p:cBhvr>
-                                        <p:cTn dur="1" fill="hold">
+                                        <p:cTn id="76" dur="1" fill="hold">
                                           <p:stCondLst>
                                             <p:cond delay="0"/>
                                           </p:stCondLst>
@@ -9665,26 +9815,26 @@
                     </p:cTn>
                   </p:par>
                   <p:par>
-                    <p:cTn fill="hold">
+                    <p:cTn id="77" fill="hold">
                       <p:stCondLst>
                         <p:cond delay="indefinite"/>
                       </p:stCondLst>
                       <p:childTnLst>
                         <p:par>
-                          <p:cTn fill="hold">
+                          <p:cTn id="78" fill="hold">
                             <p:stCondLst>
                               <p:cond delay="0"/>
                             </p:stCondLst>
                             <p:childTnLst>
                               <p:par>
-                                <p:cTn fill="hold" nodeType="clickEffect" presetClass="entr" presetID="1" presetSubtype="0">
+                                <p:cTn id="79" presetID="1" presetClass="entr" presetSubtype="0" fill="hold" nodeType="clickEffect">
                                   <p:stCondLst>
                                     <p:cond delay="0"/>
                                   </p:stCondLst>
                                   <p:childTnLst>
                                     <p:set>
                                       <p:cBhvr>
-                                        <p:cTn dur="1" fill="hold">
+                                        <p:cTn id="80" dur="1" fill="hold">
                                           <p:stCondLst>
                                             <p:cond delay="0"/>
                                           </p:stCondLst>
@@ -9704,14 +9854,14 @@
                                 </p:cTn>
                               </p:par>
                               <p:par>
-                                <p:cTn fill="hold" nodeType="withEffect" presetClass="entr" presetID="1" presetSubtype="0">
+                                <p:cTn id="81" presetID="1" presetClass="entr" presetSubtype="0" fill="hold" nodeType="withEffect">
                                   <p:stCondLst>
                                     <p:cond delay="0"/>
                                   </p:stCondLst>
                                   <p:childTnLst>
                                     <p:set>
                                       <p:cBhvr>
-                                        <p:cTn dur="1" fill="hold">
+                                        <p:cTn id="82" dur="1" fill="hold">
                                           <p:stCondLst>
                                             <p:cond delay="0"/>
                                           </p:stCondLst>
@@ -9731,14 +9881,14 @@
                                 </p:cTn>
                               </p:par>
                               <p:par>
-                                <p:cTn fill="hold" nodeType="withEffect" presetClass="entr" presetID="1" presetSubtype="0">
+                                <p:cTn id="83" presetID="1" presetClass="entr" presetSubtype="0" fill="hold" nodeType="withEffect">
                                   <p:stCondLst>
                                     <p:cond delay="0"/>
                                   </p:stCondLst>
                                   <p:childTnLst>
                                     <p:set>
                                       <p:cBhvr>
-                                        <p:cTn dur="1" fill="hold">
+                                        <p:cTn id="84" dur="1" fill="hold">
                                           <p:stCondLst>
                                             <p:cond delay="0"/>
                                           </p:stCondLst>
@@ -9758,14 +9908,14 @@
                                 </p:cTn>
                               </p:par>
                               <p:par>
-                                <p:cTn fill="hold" nodeType="withEffect" presetClass="entr" presetID="1" presetSubtype="0">
+                                <p:cTn id="85" presetID="1" presetClass="entr" presetSubtype="0" fill="hold" nodeType="withEffect">
                                   <p:stCondLst>
                                     <p:cond delay="0"/>
                                   </p:stCondLst>
                                   <p:childTnLst>
                                     <p:set>
                                       <p:cBhvr>
-                                        <p:cTn dur="1" fill="hold">
+                                        <p:cTn id="86" dur="1" fill="hold">
                                           <p:stCondLst>
                                             <p:cond delay="0"/>
                                           </p:stCondLst>
@@ -9785,14 +9935,14 @@
                                 </p:cTn>
                               </p:par>
                               <p:par>
-                                <p:cTn fill="hold" nodeType="withEffect" presetClass="entr" presetID="1" presetSubtype="0">
+                                <p:cTn id="87" presetID="1" presetClass="entr" presetSubtype="0" fill="hold" nodeType="withEffect">
                                   <p:stCondLst>
                                     <p:cond delay="0"/>
                                   </p:stCondLst>
                                   <p:childTnLst>
                                     <p:set>
                                       <p:cBhvr>
-                                        <p:cTn dur="1" fill="hold">
+                                        <p:cTn id="88" dur="1" fill="hold">
                                           <p:stCondLst>
                                             <p:cond delay="0"/>
                                           </p:stCondLst>
@@ -9812,14 +9962,14 @@
                                 </p:cTn>
                               </p:par>
                               <p:par>
-                                <p:cTn fill="hold" nodeType="withEffect" presetClass="entr" presetID="1" presetSubtype="0">
+                                <p:cTn id="89" presetID="1" presetClass="entr" presetSubtype="0" fill="hold" nodeType="withEffect">
                                   <p:stCondLst>
                                     <p:cond delay="0"/>
                                   </p:stCondLst>
                                   <p:childTnLst>
                                     <p:set>
                                       <p:cBhvr>
-                                        <p:cTn dur="1" fill="hold">
+                                        <p:cTn id="90" dur="1" fill="hold">
                                           <p:stCondLst>
                                             <p:cond delay="0"/>
                                           </p:stCondLst>
@@ -9845,26 +9995,26 @@
                     </p:cTn>
                   </p:par>
                   <p:par>
-                    <p:cTn fill="hold">
+                    <p:cTn id="91" fill="hold">
                       <p:stCondLst>
                         <p:cond delay="indefinite"/>
                       </p:stCondLst>
                       <p:childTnLst>
                         <p:par>
-                          <p:cTn fill="hold">
+                          <p:cTn id="92" fill="hold">
                             <p:stCondLst>
                               <p:cond delay="0"/>
                             </p:stCondLst>
                             <p:childTnLst>
                               <p:par>
-                                <p:cTn fill="hold" nodeType="clickEffect" presetClass="entr" presetID="1" presetSubtype="0">
+                                <p:cTn id="93" presetID="1" presetClass="entr" presetSubtype="0" fill="hold" nodeType="clickEffect">
                                   <p:stCondLst>
                                     <p:cond delay="0"/>
                                   </p:stCondLst>
                                   <p:childTnLst>
                                     <p:set>
                                       <p:cBhvr>
-                                        <p:cTn dur="1" fill="hold">
+                                        <p:cTn id="94" dur="1" fill="hold">
                                           <p:stCondLst>
                                             <p:cond delay="0"/>
                                           </p:stCondLst>
@@ -9884,14 +10034,14 @@
                                 </p:cTn>
                               </p:par>
                               <p:par>
-                                <p:cTn fill="hold" nodeType="withEffect" presetClass="entr" presetID="1" presetSubtype="0">
+                                <p:cTn id="95" presetID="1" presetClass="entr" presetSubtype="0" fill="hold" nodeType="withEffect">
                                   <p:stCondLst>
                                     <p:cond delay="0"/>
                                   </p:stCondLst>
                                   <p:childTnLst>
                                     <p:set>
                                       <p:cBhvr>
-                                        <p:cTn dur="1" fill="hold">
+                                        <p:cTn id="96" dur="1" fill="hold">
                                           <p:stCondLst>
                                             <p:cond delay="0"/>
                                           </p:stCondLst>
@@ -9911,14 +10061,14 @@
                                 </p:cTn>
                               </p:par>
                               <p:par>
-                                <p:cTn fill="hold" nodeType="withEffect" presetClass="entr" presetID="1" presetSubtype="0">
+                                <p:cTn id="97" presetID="1" presetClass="entr" presetSubtype="0" fill="hold" nodeType="withEffect">
                                   <p:stCondLst>
                                     <p:cond delay="0"/>
                                   </p:stCondLst>
                                   <p:childTnLst>
                                     <p:set>
                                       <p:cBhvr>
-                                        <p:cTn dur="1" fill="hold">
+                                        <p:cTn id="98" dur="1" fill="hold">
                                           <p:stCondLst>
                                             <p:cond delay="0"/>
                                           </p:stCondLst>
@@ -9938,14 +10088,14 @@
                                 </p:cTn>
                               </p:par>
                               <p:par>
-                                <p:cTn fill="hold" nodeType="withEffect" presetClass="entr" presetID="1" presetSubtype="0">
+                                <p:cTn id="99" presetID="1" presetClass="entr" presetSubtype="0" fill="hold" nodeType="withEffect">
                                   <p:stCondLst>
                                     <p:cond delay="0"/>
                                   </p:stCondLst>
                                   <p:childTnLst>
                                     <p:set>
                                       <p:cBhvr>
-                                        <p:cTn dur="1" fill="hold">
+                                        <p:cTn id="100" dur="1" fill="hold">
                                           <p:stCondLst>
                                             <p:cond delay="0"/>
                                           </p:stCondLst>
@@ -9965,14 +10115,14 @@
                                 </p:cTn>
                               </p:par>
                               <p:par>
-                                <p:cTn fill="hold" nodeType="withEffect" presetClass="entr" presetID="1" presetSubtype="0">
+                                <p:cTn id="101" presetID="1" presetClass="entr" presetSubtype="0" fill="hold" nodeType="withEffect">
                                   <p:stCondLst>
                                     <p:cond delay="0"/>
                                   </p:stCondLst>
                                   <p:childTnLst>
                                     <p:set>
                                       <p:cBhvr>
-                                        <p:cTn dur="1" fill="hold">
+                                        <p:cTn id="102" dur="1" fill="hold">
                                           <p:stCondLst>
                                             <p:cond delay="0"/>
                                           </p:stCondLst>
@@ -9992,14 +10142,14 @@
                                 </p:cTn>
                               </p:par>
                               <p:par>
-                                <p:cTn fill="hold" nodeType="withEffect" presetClass="entr" presetID="1" presetSubtype="0">
+                                <p:cTn id="103" presetID="1" presetClass="entr" presetSubtype="0" fill="hold" nodeType="withEffect">
                                   <p:stCondLst>
                                     <p:cond delay="0"/>
                                   </p:stCondLst>
                                   <p:childTnLst>
                                     <p:set>
                                       <p:cBhvr>
-                                        <p:cTn dur="1" fill="hold">
+                                        <p:cTn id="104" dur="1" fill="hold">
                                           <p:stCondLst>
                                             <p:cond delay="0"/>
                                           </p:stCondLst>
@@ -10025,26 +10175,26 @@
                     </p:cTn>
                   </p:par>
                   <p:par>
-                    <p:cTn fill="hold">
+                    <p:cTn id="105" fill="hold">
                       <p:stCondLst>
                         <p:cond delay="indefinite"/>
                       </p:stCondLst>
                       <p:childTnLst>
                         <p:par>
-                          <p:cTn fill="hold">
+                          <p:cTn id="106" fill="hold">
                             <p:stCondLst>
                               <p:cond delay="0"/>
                             </p:stCondLst>
                             <p:childTnLst>
                               <p:par>
-                                <p:cTn fill="hold" nodeType="clickEffect" presetClass="entr" presetID="1" presetSubtype="0">
+                                <p:cTn id="107" presetID="1" presetClass="entr" presetSubtype="0" fill="hold" nodeType="clickEffect">
                                   <p:stCondLst>
                                     <p:cond delay="0"/>
                                   </p:stCondLst>
                                   <p:childTnLst>
                                     <p:set>
                                       <p:cBhvr>
-                                        <p:cTn dur="1" fill="hold">
+                                        <p:cTn id="108" dur="1" fill="hold">
                                           <p:stCondLst>
                                             <p:cond delay="0"/>
                                           </p:stCondLst>
@@ -10064,14 +10214,14 @@
                                 </p:cTn>
                               </p:par>
                               <p:par>
-                                <p:cTn fill="hold" nodeType="withEffect" presetClass="entr" presetID="1" presetSubtype="0">
+                                <p:cTn id="109" presetID="1" presetClass="entr" presetSubtype="0" fill="hold" nodeType="withEffect">
                                   <p:stCondLst>
                                     <p:cond delay="0"/>
                                   </p:stCondLst>
                                   <p:childTnLst>
                                     <p:set>
                                       <p:cBhvr>
-                                        <p:cTn dur="1" fill="hold">
+                                        <p:cTn id="110" dur="1" fill="hold">
                                           <p:stCondLst>
                                             <p:cond delay="0"/>
                                           </p:stCondLst>
@@ -10091,14 +10241,14 @@
                                 </p:cTn>
                               </p:par>
                               <p:par>
-                                <p:cTn fill="hold" nodeType="withEffect" presetClass="entr" presetID="1" presetSubtype="0">
+                                <p:cTn id="111" presetID="1" presetClass="entr" presetSubtype="0" fill="hold" nodeType="withEffect">
                                   <p:stCondLst>
                                     <p:cond delay="0"/>
                                   </p:stCondLst>
                                   <p:childTnLst>
                                     <p:set>
                                       <p:cBhvr>
-                                        <p:cTn dur="1" fill="hold">
+                                        <p:cTn id="112" dur="1" fill="hold">
                                           <p:stCondLst>
                                             <p:cond delay="0"/>
                                           </p:stCondLst>
@@ -10118,14 +10268,14 @@
                                 </p:cTn>
                               </p:par>
                               <p:par>
-                                <p:cTn fill="hold" nodeType="withEffect" presetClass="entr" presetID="1" presetSubtype="0">
+                                <p:cTn id="113" presetID="1" presetClass="entr" presetSubtype="0" fill="hold" nodeType="withEffect">
                                   <p:stCondLst>
                                     <p:cond delay="0"/>
                                   </p:stCondLst>
                                   <p:childTnLst>
                                     <p:set>
                                       <p:cBhvr>
-                                        <p:cTn dur="1" fill="hold">
+                                        <p:cTn id="114" dur="1" fill="hold">
                                           <p:stCondLst>
                                             <p:cond delay="0"/>
                                           </p:stCondLst>
@@ -10145,14 +10295,14 @@
                                 </p:cTn>
                               </p:par>
                               <p:par>
-                                <p:cTn fill="hold" nodeType="withEffect" presetClass="entr" presetID="1" presetSubtype="0">
+                                <p:cTn id="115" presetID="1" presetClass="entr" presetSubtype="0" fill="hold" nodeType="withEffect">
                                   <p:stCondLst>
                                     <p:cond delay="0"/>
                                   </p:stCondLst>
                                   <p:childTnLst>
                                     <p:set>
                                       <p:cBhvr>
-                                        <p:cTn dur="1" fill="hold">
+                                        <p:cTn id="116" dur="1" fill="hold">
                                           <p:stCondLst>
                                             <p:cond delay="0"/>
                                           </p:stCondLst>
@@ -10172,14 +10322,14 @@
                                 </p:cTn>
                               </p:par>
                               <p:par>
-                                <p:cTn fill="hold" nodeType="withEffect" presetClass="entr" presetID="1" presetSubtype="0">
+                                <p:cTn id="117" presetID="1" presetClass="entr" presetSubtype="0" fill="hold" nodeType="withEffect">
                                   <p:stCondLst>
                                     <p:cond delay="0"/>
                                   </p:stCondLst>
                                   <p:childTnLst>
                                     <p:set>
                                       <p:cBhvr>
-                                        <p:cTn dur="1" fill="hold">
+                                        <p:cTn id="118" dur="1" fill="hold">
                                           <p:stCondLst>
                                             <p:cond delay="0"/>
                                           </p:stCondLst>
@@ -10205,26 +10355,26 @@
                     </p:cTn>
                   </p:par>
                   <p:par>
-                    <p:cTn fill="hold">
+                    <p:cTn id="119" fill="hold">
                       <p:stCondLst>
                         <p:cond delay="indefinite"/>
                       </p:stCondLst>
                       <p:childTnLst>
                         <p:par>
-                          <p:cTn fill="hold">
+                          <p:cTn id="120" fill="hold">
                             <p:stCondLst>
                               <p:cond delay="0"/>
                             </p:stCondLst>
                             <p:childTnLst>
                               <p:par>
-                                <p:cTn fill="hold" nodeType="clickEffect" presetClass="exit" presetID="1" presetSubtype="0">
+                                <p:cTn id="121" presetID="1" presetClass="exit" presetSubtype="0" fill="hold" nodeType="clickEffect">
                                   <p:stCondLst>
                                     <p:cond delay="0"/>
                                   </p:stCondLst>
                                   <p:childTnLst>
                                     <p:set>
                                       <p:cBhvr>
-                                        <p:cTn dur="1" fill="hold">
+                                        <p:cTn id="122" dur="1" fill="hold">
                                           <p:stCondLst>
                                             <p:cond delay="0"/>
                                           </p:stCondLst>
@@ -10244,14 +10394,14 @@
                                 </p:cTn>
                               </p:par>
                               <p:par>
-                                <p:cTn fill="hold" nodeType="withEffect" presetClass="exit" presetID="1" presetSubtype="0">
+                                <p:cTn id="123" presetID="1" presetClass="exit" presetSubtype="0" fill="hold" nodeType="withEffect">
                                   <p:stCondLst>
                                     <p:cond delay="0"/>
                                   </p:stCondLst>
                                   <p:childTnLst>
                                     <p:set>
                                       <p:cBhvr>
-                                        <p:cTn dur="1" fill="hold">
+                                        <p:cTn id="124" dur="1" fill="hold">
                                           <p:stCondLst>
                                             <p:cond delay="0"/>
                                           </p:stCondLst>
@@ -10271,14 +10421,14 @@
                                 </p:cTn>
                               </p:par>
                               <p:par>
-                                <p:cTn fill="hold" nodeType="withEffect" presetClass="exit" presetID="1" presetSubtype="0">
+                                <p:cTn id="125" presetID="1" presetClass="exit" presetSubtype="0" fill="hold" nodeType="withEffect">
                                   <p:stCondLst>
                                     <p:cond delay="0"/>
                                   </p:stCondLst>
                                   <p:childTnLst>
                                     <p:set>
                                       <p:cBhvr>
-                                        <p:cTn dur="1" fill="hold">
+                                        <p:cTn id="126" dur="1" fill="hold">
                                           <p:stCondLst>
                                             <p:cond delay="0"/>
                                           </p:stCondLst>
@@ -10298,14 +10448,14 @@
                                 </p:cTn>
                               </p:par>
                               <p:par>
-                                <p:cTn fill="hold" nodeType="withEffect" presetClass="exit" presetID="1" presetSubtype="0">
+                                <p:cTn id="127" presetID="1" presetClass="exit" presetSubtype="0" fill="hold" nodeType="withEffect">
                                   <p:stCondLst>
                                     <p:cond delay="0"/>
                                   </p:stCondLst>
                                   <p:childTnLst>
                                     <p:set>
                                       <p:cBhvr>
-                                        <p:cTn dur="1" fill="hold">
+                                        <p:cTn id="128" dur="1" fill="hold">
                                           <p:stCondLst>
                                             <p:cond delay="0"/>
                                           </p:stCondLst>
@@ -10325,14 +10475,14 @@
                                 </p:cTn>
                               </p:par>
                               <p:par>
-                                <p:cTn fill="hold" nodeType="withEffect" presetClass="exit" presetID="1" presetSubtype="0">
+                                <p:cTn id="129" presetID="1" presetClass="exit" presetSubtype="0" fill="hold" nodeType="withEffect">
                                   <p:stCondLst>
                                     <p:cond delay="0"/>
                                   </p:stCondLst>
                                   <p:childTnLst>
                                     <p:set>
                                       <p:cBhvr>
-                                        <p:cTn dur="1" fill="hold">
+                                        <p:cTn id="130" dur="1" fill="hold">
                                           <p:stCondLst>
                                             <p:cond delay="0"/>
                                           </p:stCondLst>
@@ -10352,14 +10502,14 @@
                                 </p:cTn>
                               </p:par>
                               <p:par>
-                                <p:cTn fill="hold" nodeType="withEffect" presetClass="exit" presetID="1" presetSubtype="0">
+                                <p:cTn id="131" presetID="1" presetClass="exit" presetSubtype="0" fill="hold" nodeType="withEffect">
                                   <p:stCondLst>
                                     <p:cond delay="0"/>
                                   </p:stCondLst>
                                   <p:childTnLst>
                                     <p:set>
                                       <p:cBhvr>
-                                        <p:cTn dur="1" fill="hold">
+                                        <p:cTn id="132" dur="1" fill="hold">
                                           <p:stCondLst>
                                             <p:cond delay="0"/>
                                           </p:stCondLst>
@@ -10379,14 +10529,14 @@
                                 </p:cTn>
                               </p:par>
                               <p:par>
-                                <p:cTn fill="hold" nodeType="withEffect" presetClass="exit" presetID="1" presetSubtype="0">
+                                <p:cTn id="133" presetID="1" presetClass="exit" presetSubtype="0" fill="hold" nodeType="withEffect">
                                   <p:stCondLst>
                                     <p:cond delay="0"/>
                                   </p:stCondLst>
                                   <p:childTnLst>
                                     <p:set>
                                       <p:cBhvr>
-                                        <p:cTn dur="1" fill="hold">
+                                        <p:cTn id="134" dur="1" fill="hold">
                                           <p:stCondLst>
                                             <p:cond delay="0"/>
                                           </p:stCondLst>
@@ -10406,14 +10556,14 @@
                                 </p:cTn>
                               </p:par>
                               <p:par>
-                                <p:cTn fill="hold" nodeType="withEffect" presetClass="exit" presetID="1" presetSubtype="0">
+                                <p:cTn id="135" presetID="1" presetClass="exit" presetSubtype="0" fill="hold" nodeType="withEffect">
                                   <p:stCondLst>
                                     <p:cond delay="0"/>
                                   </p:stCondLst>
                                   <p:childTnLst>
                                     <p:set>
                                       <p:cBhvr>
-                                        <p:cTn dur="1" fill="hold">
+                                        <p:cTn id="136" dur="1" fill="hold">
                                           <p:stCondLst>
                                             <p:cond delay="0"/>
                                           </p:stCondLst>
@@ -10433,14 +10583,14 @@
                                 </p:cTn>
                               </p:par>
                               <p:par>
-                                <p:cTn fill="hold" nodeType="withEffect" presetClass="exit" presetID="1" presetSubtype="0">
+                                <p:cTn id="137" presetID="1" presetClass="exit" presetSubtype="0" fill="hold" nodeType="withEffect">
                                   <p:stCondLst>
                                     <p:cond delay="0"/>
                                   </p:stCondLst>
                                   <p:childTnLst>
                                     <p:set>
                                       <p:cBhvr>
-                                        <p:cTn dur="1" fill="hold">
+                                        <p:cTn id="138" dur="1" fill="hold">
                                           <p:stCondLst>
                                             <p:cond delay="0"/>
                                           </p:stCondLst>
@@ -10460,14 +10610,14 @@
                                 </p:cTn>
                               </p:par>
                               <p:par>
-                                <p:cTn fill="hold" nodeType="withEffect" presetClass="exit" presetID="1" presetSubtype="0">
+                                <p:cTn id="139" presetID="1" presetClass="exit" presetSubtype="0" fill="hold" nodeType="withEffect">
                                   <p:stCondLst>
                                     <p:cond delay="0"/>
                                   </p:stCondLst>
                                   <p:childTnLst>
                                     <p:set>
                                       <p:cBhvr>
-                                        <p:cTn dur="1" fill="hold">
+                                        <p:cTn id="140" dur="1" fill="hold">
                                           <p:stCondLst>
                                             <p:cond delay="0"/>
                                           </p:stCondLst>
@@ -10487,14 +10637,14 @@
                                 </p:cTn>
                               </p:par>
                               <p:par>
-                                <p:cTn fill="hold" nodeType="withEffect" presetClass="exit" presetID="1" presetSubtype="0">
+                                <p:cTn id="141" presetID="1" presetClass="exit" presetSubtype="0" fill="hold" nodeType="withEffect">
                                   <p:stCondLst>
                                     <p:cond delay="0"/>
                                   </p:stCondLst>
                                   <p:childTnLst>
                                     <p:set>
                                       <p:cBhvr>
-                                        <p:cTn dur="1" fill="hold">
+                                        <p:cTn id="142" dur="1" fill="hold">
                                           <p:stCondLst>
                                             <p:cond delay="0"/>
                                           </p:stCondLst>
@@ -10514,14 +10664,14 @@
                                 </p:cTn>
                               </p:par>
                               <p:par>
-                                <p:cTn fill="hold" nodeType="withEffect" presetClass="exit" presetID="1" presetSubtype="0">
+                                <p:cTn id="143" presetID="1" presetClass="exit" presetSubtype="0" fill="hold" nodeType="withEffect">
                                   <p:stCondLst>
                                     <p:cond delay="0"/>
                                   </p:stCondLst>
                                   <p:childTnLst>
                                     <p:set>
                                       <p:cBhvr>
-                                        <p:cTn dur="1" fill="hold">
+                                        <p:cTn id="144" dur="1" fill="hold">
                                           <p:stCondLst>
                                             <p:cond delay="0"/>
                                           </p:stCondLst>
@@ -10541,14 +10691,14 @@
                                 </p:cTn>
                               </p:par>
                               <p:par>
-                                <p:cTn fill="hold" nodeType="withEffect" presetClass="exit" presetID="1" presetSubtype="0">
+                                <p:cTn id="145" presetID="1" presetClass="exit" presetSubtype="0" fill="hold" nodeType="withEffect">
                                   <p:stCondLst>
                                     <p:cond delay="0"/>
                                   </p:stCondLst>
                                   <p:childTnLst>
                                     <p:set>
                                       <p:cBhvr>
-                                        <p:cTn dur="1" fill="hold">
+                                        <p:cTn id="146" dur="1" fill="hold">
                                           <p:stCondLst>
                                             <p:cond delay="0"/>
                                           </p:stCondLst>
@@ -10568,14 +10718,14 @@
                                 </p:cTn>
                               </p:par>
                               <p:par>
-                                <p:cTn fill="hold" nodeType="withEffect" presetClass="exit" presetID="1" presetSubtype="0">
+                                <p:cTn id="147" presetID="1" presetClass="exit" presetSubtype="0" fill="hold" nodeType="withEffect">
                                   <p:stCondLst>
                                     <p:cond delay="0"/>
                                   </p:stCondLst>
                                   <p:childTnLst>
                                     <p:set>
                                       <p:cBhvr>
-                                        <p:cTn dur="1" fill="hold">
+                                        <p:cTn id="148" dur="1" fill="hold">
                                           <p:stCondLst>
                                             <p:cond delay="0"/>
                                           </p:stCondLst>
@@ -10595,14 +10745,14 @@
                                 </p:cTn>
                               </p:par>
                               <p:par>
-                                <p:cTn fill="hold" nodeType="withEffect" presetClass="exit" presetID="1" presetSubtype="0">
+                                <p:cTn id="149" presetID="1" presetClass="exit" presetSubtype="0" fill="hold" nodeType="withEffect">
                                   <p:stCondLst>
                                     <p:cond delay="0"/>
                                   </p:stCondLst>
                                   <p:childTnLst>
                                     <p:set>
                                       <p:cBhvr>
-                                        <p:cTn dur="1" fill="hold">
+                                        <p:cTn id="150" dur="1" fill="hold">
                                           <p:stCondLst>
                                             <p:cond delay="0"/>
                                           </p:stCondLst>
@@ -10622,14 +10772,14 @@
                                 </p:cTn>
                               </p:par>
                               <p:par>
-                                <p:cTn fill="hold" nodeType="withEffect" presetClass="exit" presetID="1" presetSubtype="0">
+                                <p:cTn id="151" presetID="1" presetClass="exit" presetSubtype="0" fill="hold" nodeType="withEffect">
                                   <p:stCondLst>
                                     <p:cond delay="0"/>
                                   </p:stCondLst>
                                   <p:childTnLst>
                                     <p:set>
                                       <p:cBhvr>
-                                        <p:cTn dur="1" fill="hold">
+                                        <p:cTn id="152" dur="1" fill="hold">
                                           <p:stCondLst>
                                             <p:cond delay="0"/>
                                           </p:stCondLst>
@@ -10649,14 +10799,14 @@
                                 </p:cTn>
                               </p:par>
                               <p:par>
-                                <p:cTn fill="hold" nodeType="withEffect" presetClass="exit" presetID="1" presetSubtype="0">
+                                <p:cTn id="153" presetID="1" presetClass="exit" presetSubtype="0" fill="hold" nodeType="withEffect">
                                   <p:stCondLst>
                                     <p:cond delay="0"/>
                                   </p:stCondLst>
                                   <p:childTnLst>
                                     <p:set>
                                       <p:cBhvr>
-                                        <p:cTn dur="1" fill="hold">
+                                        <p:cTn id="154" dur="1" fill="hold">
                                           <p:stCondLst>
                                             <p:cond delay="0"/>
                                           </p:stCondLst>
@@ -10676,14 +10826,14 @@
                                 </p:cTn>
                               </p:par>
                               <p:par>
-                                <p:cTn fill="hold" nodeType="withEffect" presetClass="exit" presetID="1" presetSubtype="0">
+                                <p:cTn id="155" presetID="1" presetClass="exit" presetSubtype="0" fill="hold" nodeType="withEffect">
                                   <p:stCondLst>
                                     <p:cond delay="0"/>
                                   </p:stCondLst>
                                   <p:childTnLst>
                                     <p:set>
                                       <p:cBhvr>
-                                        <p:cTn dur="1" fill="hold">
+                                        <p:cTn id="156" dur="1" fill="hold">
                                           <p:stCondLst>
                                             <p:cond delay="0"/>
                                           </p:stCondLst>
@@ -10703,14 +10853,14 @@
                                 </p:cTn>
                               </p:par>
                               <p:par>
-                                <p:cTn fill="hold" nodeType="withEffect" presetClass="exit" presetID="1" presetSubtype="0">
+                                <p:cTn id="157" presetID="1" presetClass="exit" presetSubtype="0" fill="hold" nodeType="withEffect">
                                   <p:stCondLst>
                                     <p:cond delay="0"/>
                                   </p:stCondLst>
                                   <p:childTnLst>
                                     <p:set>
                                       <p:cBhvr>
-                                        <p:cTn dur="1" fill="hold">
+                                        <p:cTn id="158" dur="1" fill="hold">
                                           <p:stCondLst>
                                             <p:cond delay="0"/>
                                           </p:stCondLst>
@@ -10730,14 +10880,14 @@
                                 </p:cTn>
                               </p:par>
                               <p:par>
-                                <p:cTn fill="hold" nodeType="withEffect" presetClass="exit" presetID="1" presetSubtype="0">
+                                <p:cTn id="159" presetID="1" presetClass="exit" presetSubtype="0" fill="hold" nodeType="withEffect">
                                   <p:stCondLst>
                                     <p:cond delay="0"/>
                                   </p:stCondLst>
                                   <p:childTnLst>
                                     <p:set>
                                       <p:cBhvr>
-                                        <p:cTn dur="1" fill="hold">
+                                        <p:cTn id="160" dur="1" fill="hold">
                                           <p:stCondLst>
                                             <p:cond delay="0"/>
                                           </p:stCondLst>
@@ -10757,14 +10907,14 @@
                                 </p:cTn>
                               </p:par>
                               <p:par>
-                                <p:cTn fill="hold" nodeType="withEffect" presetClass="exit" presetID="1" presetSubtype="0">
+                                <p:cTn id="161" presetID="1" presetClass="exit" presetSubtype="0" fill="hold" nodeType="withEffect">
                                   <p:stCondLst>
                                     <p:cond delay="0"/>
                                   </p:stCondLst>
                                   <p:childTnLst>
                                     <p:set>
                                       <p:cBhvr>
-                                        <p:cTn dur="1" fill="hold">
+                                        <p:cTn id="162" dur="1" fill="hold">
                                           <p:stCondLst>
                                             <p:cond delay="0"/>
                                           </p:stCondLst>
@@ -10784,14 +10934,14 @@
                                 </p:cTn>
                               </p:par>
                               <p:par>
-                                <p:cTn fill="hold" nodeType="withEffect" presetClass="exit" presetID="1" presetSubtype="0">
+                                <p:cTn id="163" presetID="1" presetClass="exit" presetSubtype="0" fill="hold" nodeType="withEffect">
                                   <p:stCondLst>
                                     <p:cond delay="0"/>
                                   </p:stCondLst>
                                   <p:childTnLst>
                                     <p:set>
                                       <p:cBhvr>
-                                        <p:cTn dur="1" fill="hold">
+                                        <p:cTn id="164" dur="1" fill="hold">
                                           <p:stCondLst>
                                             <p:cond delay="0"/>
                                           </p:stCondLst>
@@ -10811,14 +10961,14 @@
                                 </p:cTn>
                               </p:par>
                               <p:par>
-                                <p:cTn fill="hold" nodeType="withEffect" presetClass="exit" presetID="1" presetSubtype="0">
+                                <p:cTn id="165" presetID="1" presetClass="exit" presetSubtype="0" fill="hold" nodeType="withEffect">
                                   <p:stCondLst>
                                     <p:cond delay="0"/>
                                   </p:stCondLst>
                                   <p:childTnLst>
                                     <p:set>
                                       <p:cBhvr>
-                                        <p:cTn dur="1" fill="hold">
+                                        <p:cTn id="166" dur="1" fill="hold">
                                           <p:stCondLst>
                                             <p:cond delay="0"/>
                                           </p:stCondLst>
@@ -10838,14 +10988,14 @@
                                 </p:cTn>
                               </p:par>
                               <p:par>
-                                <p:cTn fill="hold" nodeType="withEffect" presetClass="exit" presetID="1" presetSubtype="0">
+                                <p:cTn id="167" presetID="1" presetClass="exit" presetSubtype="0" fill="hold" nodeType="withEffect">
                                   <p:stCondLst>
                                     <p:cond delay="0"/>
                                   </p:stCondLst>
                                   <p:childTnLst>
                                     <p:set>
                                       <p:cBhvr>
-                                        <p:cTn dur="1" fill="hold">
+                                        <p:cTn id="168" dur="1" fill="hold">
                                           <p:stCondLst>
                                             <p:cond delay="0"/>
                                           </p:stCondLst>
@@ -10871,26 +11021,26 @@
                     </p:cTn>
                   </p:par>
                   <p:par>
-                    <p:cTn fill="hold">
+                    <p:cTn id="169" fill="hold">
                       <p:stCondLst>
                         <p:cond delay="indefinite"/>
                       </p:stCondLst>
                       <p:childTnLst>
                         <p:par>
-                          <p:cTn fill="hold">
+                          <p:cTn id="170" fill="hold">
                             <p:stCondLst>
                               <p:cond delay="0"/>
                             </p:stCondLst>
                             <p:childTnLst>
                               <p:par>
-                                <p:cTn fill="hold" nodeType="clickEffect" presetClass="entr" presetID="1" presetSubtype="0">
+                                <p:cTn id="171" presetID="1" presetClass="entr" presetSubtype="0" fill="hold" nodeType="clickEffect">
                                   <p:stCondLst>
                                     <p:cond delay="0"/>
                                   </p:stCondLst>
                                   <p:childTnLst>
                                     <p:set>
                                       <p:cBhvr>
-                                        <p:cTn dur="1" fill="hold">
+                                        <p:cTn id="172" dur="1" fill="hold">
                                           <p:stCondLst>
                                             <p:cond delay="0"/>
                                           </p:stCondLst>
@@ -10910,14 +11060,14 @@
                                 </p:cTn>
                               </p:par>
                               <p:par>
-                                <p:cTn fill="hold" nodeType="withEffect" presetClass="entr" presetID="1" presetSubtype="0">
+                                <p:cTn id="173" presetID="1" presetClass="entr" presetSubtype="0" fill="hold" nodeType="withEffect">
                                   <p:stCondLst>
                                     <p:cond delay="0"/>
                                   </p:stCondLst>
                                   <p:childTnLst>
                                     <p:set>
                                       <p:cBhvr>
-                                        <p:cTn dur="1" fill="hold">
+                                        <p:cTn id="174" dur="1" fill="hold">
                                           <p:stCondLst>
                                             <p:cond delay="0"/>
                                           </p:stCondLst>
@@ -10937,14 +11087,14 @@
                                 </p:cTn>
                               </p:par>
                               <p:par>
-                                <p:cTn fill="hold" nodeType="withEffect" presetClass="entr" presetID="1" presetSubtype="0">
+                                <p:cTn id="175" presetID="1" presetClass="entr" presetSubtype="0" fill="hold" nodeType="withEffect">
                                   <p:stCondLst>
                                     <p:cond delay="0"/>
                                   </p:stCondLst>
                                   <p:childTnLst>
                                     <p:set>
                                       <p:cBhvr>
-                                        <p:cTn dur="1" fill="hold">
+                                        <p:cTn id="176" dur="1" fill="hold">
                                           <p:stCondLst>
                                             <p:cond delay="0"/>
                                           </p:stCondLst>
@@ -10964,14 +11114,14 @@
                                 </p:cTn>
                               </p:par>
                               <p:par>
-                                <p:cTn fill="hold" nodeType="withEffect" presetClass="entr" presetID="1" presetSubtype="0">
+                                <p:cTn id="177" presetID="1" presetClass="entr" presetSubtype="0" fill="hold" nodeType="withEffect">
                                   <p:stCondLst>
                                     <p:cond delay="0"/>
                                   </p:stCondLst>
                                   <p:childTnLst>
                                     <p:set>
                                       <p:cBhvr>
-                                        <p:cTn dur="1" fill="hold">
+                                        <p:cTn id="178" dur="1" fill="hold">
                                           <p:stCondLst>
                                             <p:cond delay="0"/>
                                           </p:stCondLst>
@@ -10991,14 +11141,14 @@
                                 </p:cTn>
                               </p:par>
                               <p:par>
-                                <p:cTn fill="hold" nodeType="withEffect" presetClass="entr" presetID="1" presetSubtype="0">
+                                <p:cTn id="179" presetID="1" presetClass="entr" presetSubtype="0" fill="hold" nodeType="withEffect">
                                   <p:stCondLst>
                                     <p:cond delay="0"/>
                                   </p:stCondLst>
                                   <p:childTnLst>
                                     <p:set>
                                       <p:cBhvr>
-                                        <p:cTn dur="1" fill="hold">
+                                        <p:cTn id="180" dur="1" fill="hold">
                                           <p:stCondLst>
                                             <p:cond delay="0"/>
                                           </p:stCondLst>
@@ -11018,14 +11168,14 @@
                                 </p:cTn>
                               </p:par>
                               <p:par>
-                                <p:cTn fill="hold" nodeType="withEffect" presetClass="entr" presetID="1" presetSubtype="0">
+                                <p:cTn id="181" presetID="1" presetClass="entr" presetSubtype="0" fill="hold" nodeType="withEffect">
                                   <p:stCondLst>
                                     <p:cond delay="0"/>
                                   </p:stCondLst>
                                   <p:childTnLst>
                                     <p:set>
                                       <p:cBhvr>
-                                        <p:cTn dur="1" fill="hold">
+                                        <p:cTn id="182" dur="1" fill="hold">
                                           <p:stCondLst>
                                             <p:cond delay="0"/>
                                           </p:stCondLst>
@@ -11051,26 +11201,26 @@
                     </p:cTn>
                   </p:par>
                   <p:par>
-                    <p:cTn fill="hold">
+                    <p:cTn id="183" fill="hold">
                       <p:stCondLst>
                         <p:cond delay="indefinite"/>
                       </p:stCondLst>
                       <p:childTnLst>
                         <p:par>
-                          <p:cTn fill="hold">
+                          <p:cTn id="184" fill="hold">
                             <p:stCondLst>
                               <p:cond delay="0"/>
                             </p:stCondLst>
                             <p:childTnLst>
                               <p:par>
-                                <p:cTn fill="hold" nodeType="clickEffect" presetClass="entr" presetID="1" presetSubtype="0">
+                                <p:cTn id="185" presetID="1" presetClass="entr" presetSubtype="0" fill="hold" nodeType="clickEffect">
                                   <p:stCondLst>
                                     <p:cond delay="0"/>
                                   </p:stCondLst>
                                   <p:childTnLst>
                                     <p:set>
                                       <p:cBhvr>
-                                        <p:cTn dur="1" fill="hold">
+                                        <p:cTn id="186" dur="1" fill="hold">
                                           <p:stCondLst>
                                             <p:cond delay="0"/>
                                           </p:stCondLst>
@@ -11090,14 +11240,14 @@
                                 </p:cTn>
                               </p:par>
                               <p:par>
-                                <p:cTn fill="hold" nodeType="withEffect" presetClass="entr" presetID="1" presetSubtype="0">
+                                <p:cTn id="187" presetID="1" presetClass="entr" presetSubtype="0" fill="hold" nodeType="withEffect">
                                   <p:stCondLst>
                                     <p:cond delay="0"/>
                                   </p:stCondLst>
                                   <p:childTnLst>
                                     <p:set>
                                       <p:cBhvr>
-                                        <p:cTn dur="1" fill="hold">
+                                        <p:cTn id="188" dur="1" fill="hold">
                                           <p:stCondLst>
                                             <p:cond delay="0"/>
                                           </p:stCondLst>
@@ -11117,14 +11267,14 @@
                                 </p:cTn>
                               </p:par>
                               <p:par>
-                                <p:cTn fill="hold" nodeType="withEffect" presetClass="entr" presetID="1" presetSubtype="0">
+                                <p:cTn id="189" presetID="1" presetClass="entr" presetSubtype="0" fill="hold" nodeType="withEffect">
                                   <p:stCondLst>
                                     <p:cond delay="0"/>
                                   </p:stCondLst>
                                   <p:childTnLst>
                                     <p:set>
                                       <p:cBhvr>
-                                        <p:cTn dur="1" fill="hold">
+                                        <p:cTn id="190" dur="1" fill="hold">
                                           <p:stCondLst>
                                             <p:cond delay="0"/>
                                           </p:stCondLst>
@@ -11144,14 +11294,14 @@
                                 </p:cTn>
                               </p:par>
                               <p:par>
-                                <p:cTn fill="hold" nodeType="withEffect" presetClass="entr" presetID="1" presetSubtype="0">
+                                <p:cTn id="191" presetID="1" presetClass="entr" presetSubtype="0" fill="hold" nodeType="withEffect">
                                   <p:stCondLst>
                                     <p:cond delay="0"/>
                                   </p:stCondLst>
                                   <p:childTnLst>
                                     <p:set>
                                       <p:cBhvr>
-                                        <p:cTn dur="1" fill="hold">
+                                        <p:cTn id="192" dur="1" fill="hold">
                                           <p:stCondLst>
                                             <p:cond delay="0"/>
                                           </p:stCondLst>
@@ -11171,14 +11321,14 @@
                                 </p:cTn>
                               </p:par>
                               <p:par>
-                                <p:cTn fill="hold" nodeType="withEffect" presetClass="entr" presetID="1" presetSubtype="0">
+                                <p:cTn id="193" presetID="1" presetClass="entr" presetSubtype="0" fill="hold" nodeType="withEffect">
                                   <p:stCondLst>
                                     <p:cond delay="0"/>
                                   </p:stCondLst>
                                   <p:childTnLst>
                                     <p:set>
                                       <p:cBhvr>
-                                        <p:cTn dur="1" fill="hold">
+                                        <p:cTn id="194" dur="1" fill="hold">
                                           <p:stCondLst>
                                             <p:cond delay="0"/>
                                           </p:stCondLst>
@@ -11198,14 +11348,14 @@
                                 </p:cTn>
                               </p:par>
                               <p:par>
-                                <p:cTn fill="hold" nodeType="withEffect" presetClass="entr" presetID="1" presetSubtype="0">
+                                <p:cTn id="195" presetID="1" presetClass="entr" presetSubtype="0" fill="hold" nodeType="withEffect">
                                   <p:stCondLst>
                                     <p:cond delay="0"/>
                                   </p:stCondLst>
                                   <p:childTnLst>
                                     <p:set>
                                       <p:cBhvr>
-                                        <p:cTn dur="1" fill="hold">
+                                        <p:cTn id="196" dur="1" fill="hold">
                                           <p:stCondLst>
                                             <p:cond delay="0"/>
                                           </p:stCondLst>
@@ -11233,14 +11383,14 @@
                 </p:childTnLst>
               </p:cTn>
               <p:prevCondLst>
-                <p:cond evt="onPrev">
+                <p:cond evt="onPrev" delay="0">
                   <p:tgtEl>
                     <p:sldTgt/>
                   </p:tgtEl>
                 </p:cond>
               </p:prevCondLst>
               <p:nextCondLst>
-                <p:cond evt="onNext">
+                <p:cond evt="onNext" delay="0">
                   <p:tgtEl>
                     <p:sldTgt/>
                   </p:tgtEl>
@@ -11256,18 +11406,19 @@
 </file>
 
 <file path=ppt/slides/slide5.xml><?xml version="1.0" encoding="utf-8"?>
-<p:sld xmlns:a="http://schemas.openxmlformats.org/drawingml/2006/main" xmlns:r="http://schemas.openxmlformats.org/officeDocument/2006/relationships" xmlns:mc="http://schemas.openxmlformats.org/markup-compatibility/2006" xmlns:mv="urn:schemas-microsoft-com:mac:vml" xmlns:p="http://schemas.openxmlformats.org/presentationml/2006/main" xmlns:c="http://schemas.openxmlformats.org/drawingml/2006/chart" xmlns:dgm="http://schemas.openxmlformats.org/drawingml/2006/diagram" xmlns:o="urn:schemas-microsoft-com:office:office" xmlns:v="urn:schemas-microsoft-com:vml" xmlns:pvml="urn:schemas-microsoft-com:office:powerpoint" xmlns:com="http://schemas.openxmlformats.org/drawingml/2006/compatibility" xmlns:p14="http://schemas.microsoft.com/office/powerpoint/2010/main" xmlns:p15="http://schemas.microsoft.com/office/powerpoint/2012/main" xmlns:ahyp="http://schemas.microsoft.com/office/drawing/2018/hyperlinkcolor">
+<p:sld xmlns:a="http://schemas.openxmlformats.org/drawingml/2006/main" xmlns:r="http://schemas.openxmlformats.org/officeDocument/2006/relationships" xmlns:p="http://schemas.openxmlformats.org/presentationml/2006/main">
   <p:cSld>
     <p:bg>
       <p:bgPr>
         <a:solidFill>
           <a:srgbClr val="808080"/>
         </a:solidFill>
+        <a:effectLst/>
       </p:bgPr>
     </p:bg>
     <p:spTree>
       <p:nvGrpSpPr>
-        <p:cNvPr id="136" name="Shape 136"/>
+        <p:cNvPr id="1" name="Shape 136"/>
         <p:cNvGrpSpPr/>
         <p:nvPr/>
       </p:nvGrpSpPr>
@@ -11400,7 +11551,288 @@
 </file>
 
 <file path=ppt/theme/theme1.xml><?xml version="1.0" encoding="utf-8"?>
-<a:theme xmlns:a="http://schemas.openxmlformats.org/drawingml/2006/main" xmlns:r="http://schemas.openxmlformats.org/officeDocument/2006/relationships">
+<a:theme xmlns:a="http://schemas.openxmlformats.org/drawingml/2006/main" name="Simple Light">
+  <a:themeElements>
+    <a:clrScheme name="Simple Light">
+      <a:dk1>
+        <a:srgbClr val="000000"/>
+      </a:dk1>
+      <a:lt1>
+        <a:srgbClr val="FFFFFF"/>
+      </a:lt1>
+      <a:dk2>
+        <a:srgbClr val="595959"/>
+      </a:dk2>
+      <a:lt2>
+        <a:srgbClr val="EEEEEE"/>
+      </a:lt2>
+      <a:accent1>
+        <a:srgbClr val="4285F4"/>
+      </a:accent1>
+      <a:accent2>
+        <a:srgbClr val="212121"/>
+      </a:accent2>
+      <a:accent3>
+        <a:srgbClr val="78909C"/>
+      </a:accent3>
+      <a:accent4>
+        <a:srgbClr val="FFAB40"/>
+      </a:accent4>
+      <a:accent5>
+        <a:srgbClr val="0097A7"/>
+      </a:accent5>
+      <a:accent6>
+        <a:srgbClr val="EEFF41"/>
+      </a:accent6>
+      <a:hlink>
+        <a:srgbClr val="0097A7"/>
+      </a:hlink>
+      <a:folHlink>
+        <a:srgbClr val="0097A7"/>
+      </a:folHlink>
+    </a:clrScheme>
+    <a:fontScheme name="Office">
+      <a:majorFont>
+        <a:latin typeface="Arial"/>
+        <a:ea typeface=""/>
+        <a:cs typeface=""/>
+        <a:font script="Jpan" typeface="ＭＳ Ｐゴシック"/>
+        <a:font script="Hang" typeface="맑은 고딕"/>
+        <a:font script="Hans" typeface="宋体"/>
+        <a:font script="Hant" typeface="新細明體"/>
+        <a:font script="Arab" typeface="Times New Roman"/>
+        <a:font script="Hebr" typeface="Times New Roman"/>
+        <a:font script="Thai" typeface="Angsana New"/>
+        <a:font script="Ethi" typeface="Nyala"/>
+        <a:font script="Beng" typeface="Vrinda"/>
+        <a:font script="Gujr" typeface="Shruti"/>
+        <a:font script="Khmr" typeface="MoolBoran"/>
+        <a:font script="Knda" typeface="Tunga"/>
+        <a:font script="Guru" typeface="Raavi"/>
+        <a:font script="Cans" typeface="Euphemia"/>
+        <a:font script="Cher" typeface="Plantagenet Cherokee"/>
+        <a:font script="Yiii" typeface="Microsoft Yi Baiti"/>
+        <a:font script="Tibt" typeface="Microsoft Himalaya"/>
+        <a:font script="Thaa" typeface="MV Boli"/>
+        <a:font script="Deva" typeface="Mangal"/>
+        <a:font script="Telu" typeface="Gautami"/>
+        <a:font script="Taml" typeface="Latha"/>
+        <a:font script="Syrc" typeface="Estrangelo Edessa"/>
+        <a:font script="Orya" typeface="Kalinga"/>
+        <a:font script="Mlym" typeface="Kartika"/>
+        <a:font script="Laoo" typeface="DokChampa"/>
+        <a:font script="Sinh" typeface="Iskoola Pota"/>
+        <a:font script="Mong" typeface="Mongolian Baiti"/>
+        <a:font script="Viet" typeface="Times New Roman"/>
+        <a:font script="Uigh" typeface="Microsoft Uighur"/>
+        <a:font script="Geor" typeface="Sylfaen"/>
+      </a:majorFont>
+      <a:minorFont>
+        <a:latin typeface="Arial"/>
+        <a:ea typeface=""/>
+        <a:cs typeface=""/>
+        <a:font script="Jpan" typeface="ＭＳ Ｐゴシック"/>
+        <a:font script="Hang" typeface="맑은 고딕"/>
+        <a:font script="Hans" typeface="宋体"/>
+        <a:font script="Hant" typeface="新細明體"/>
+        <a:font script="Arab" typeface="Arial"/>
+        <a:font script="Hebr" typeface="Arial"/>
+        <a:font script="Thai" typeface="Cordia New"/>
+        <a:font script="Ethi" typeface="Nyala"/>
+        <a:font script="Beng" typeface="Vrinda"/>
+        <a:font script="Gujr" typeface="Shruti"/>
+        <a:font script="Khmr" typeface="DaunPenh"/>
+        <a:font script="Knda" typeface="Tunga"/>
+        <a:font script="Guru" typeface="Raavi"/>
+        <a:font script="Cans" typeface="Euphemia"/>
+        <a:font script="Cher" typeface="Plantagenet Cherokee"/>
+        <a:font script="Yiii" typeface="Microsoft Yi Baiti"/>
+        <a:font script="Tibt" typeface="Microsoft Himalaya"/>
+        <a:font script="Thaa" typeface="MV Boli"/>
+        <a:font script="Deva" typeface="Mangal"/>
+        <a:font script="Telu" typeface="Gautami"/>
+        <a:font script="Taml" typeface="Latha"/>
+        <a:font script="Syrc" typeface="Estrangelo Edessa"/>
+        <a:font script="Orya" typeface="Kalinga"/>
+        <a:font script="Mlym" typeface="Kartika"/>
+        <a:font script="Laoo" typeface="DokChampa"/>
+        <a:font script="Sinh" typeface="Iskoola Pota"/>
+        <a:font script="Mong" typeface="Mongolian Baiti"/>
+        <a:font script="Viet" typeface="Arial"/>
+        <a:font script="Uigh" typeface="Microsoft Uighur"/>
+        <a:font script="Geor" typeface="Sylfaen"/>
+      </a:minorFont>
+    </a:fontScheme>
+    <a:fmtScheme name="Office">
+      <a:fillStyleLst>
+        <a:solidFill>
+          <a:schemeClr val="phClr"/>
+        </a:solidFill>
+        <a:gradFill rotWithShape="1">
+          <a:gsLst>
+            <a:gs pos="0">
+              <a:schemeClr val="phClr">
+                <a:tint val="50000"/>
+                <a:satMod val="300000"/>
+              </a:schemeClr>
+            </a:gs>
+            <a:gs pos="35000">
+              <a:schemeClr val="phClr">
+                <a:tint val="37000"/>
+                <a:satMod val="300000"/>
+              </a:schemeClr>
+            </a:gs>
+            <a:gs pos="100000">
+              <a:schemeClr val="phClr">
+                <a:tint val="15000"/>
+                <a:satMod val="350000"/>
+              </a:schemeClr>
+            </a:gs>
+          </a:gsLst>
+          <a:lin ang="16200000" scaled="1"/>
+        </a:gradFill>
+        <a:gradFill rotWithShape="1">
+          <a:gsLst>
+            <a:gs pos="0">
+              <a:schemeClr val="phClr">
+                <a:tint val="100000"/>
+                <a:shade val="100000"/>
+                <a:satMod val="130000"/>
+              </a:schemeClr>
+            </a:gs>
+            <a:gs pos="100000">
+              <a:schemeClr val="phClr">
+                <a:tint val="50000"/>
+                <a:shade val="100000"/>
+                <a:satMod val="350000"/>
+              </a:schemeClr>
+            </a:gs>
+          </a:gsLst>
+          <a:lin ang="16200000" scaled="0"/>
+        </a:gradFill>
+      </a:fillStyleLst>
+      <a:lnStyleLst>
+        <a:ln w="9525" cap="flat" cmpd="sng" algn="ctr">
+          <a:solidFill>
+            <a:schemeClr val="phClr">
+              <a:shade val="95000"/>
+              <a:satMod val="105000"/>
+            </a:schemeClr>
+          </a:solidFill>
+          <a:prstDash val="solid"/>
+        </a:ln>
+        <a:ln w="25400" cap="flat" cmpd="sng" algn="ctr">
+          <a:solidFill>
+            <a:schemeClr val="phClr"/>
+          </a:solidFill>
+          <a:prstDash val="solid"/>
+        </a:ln>
+        <a:ln w="38100" cap="flat" cmpd="sng" algn="ctr">
+          <a:solidFill>
+            <a:schemeClr val="phClr"/>
+          </a:solidFill>
+          <a:prstDash val="solid"/>
+        </a:ln>
+      </a:lnStyleLst>
+      <a:effectStyleLst>
+        <a:effectStyle>
+          <a:effectLst>
+            <a:outerShdw blurRad="40000" dist="20000" dir="5400000" rotWithShape="0">
+              <a:srgbClr val="000000">
+                <a:alpha val="38000"/>
+              </a:srgbClr>
+            </a:outerShdw>
+          </a:effectLst>
+        </a:effectStyle>
+        <a:effectStyle>
+          <a:effectLst>
+            <a:outerShdw blurRad="40000" dist="23000" dir="5400000" rotWithShape="0">
+              <a:srgbClr val="000000">
+                <a:alpha val="35000"/>
+              </a:srgbClr>
+            </a:outerShdw>
+          </a:effectLst>
+        </a:effectStyle>
+        <a:effectStyle>
+          <a:effectLst>
+            <a:outerShdw blurRad="40000" dist="23000" dir="5400000" rotWithShape="0">
+              <a:srgbClr val="000000">
+                <a:alpha val="35000"/>
+              </a:srgbClr>
+            </a:outerShdw>
+          </a:effectLst>
+          <a:scene3d>
+            <a:camera prst="orthographicFront">
+              <a:rot lat="0" lon="0" rev="0"/>
+            </a:camera>
+            <a:lightRig rig="threePt" dir="t">
+              <a:rot lat="0" lon="0" rev="1200000"/>
+            </a:lightRig>
+          </a:scene3d>
+          <a:sp3d>
+            <a:bevelT w="63500" h="25400"/>
+          </a:sp3d>
+        </a:effectStyle>
+      </a:effectStyleLst>
+      <a:bgFillStyleLst>
+        <a:solidFill>
+          <a:schemeClr val="phClr"/>
+        </a:solidFill>
+        <a:gradFill rotWithShape="1">
+          <a:gsLst>
+            <a:gs pos="0">
+              <a:schemeClr val="phClr">
+                <a:tint val="40000"/>
+                <a:satMod val="350000"/>
+              </a:schemeClr>
+            </a:gs>
+            <a:gs pos="40000">
+              <a:schemeClr val="phClr">
+                <a:tint val="45000"/>
+                <a:shade val="99000"/>
+                <a:satMod val="350000"/>
+              </a:schemeClr>
+            </a:gs>
+            <a:gs pos="100000">
+              <a:schemeClr val="phClr">
+                <a:shade val="20000"/>
+                <a:satMod val="255000"/>
+              </a:schemeClr>
+            </a:gs>
+          </a:gsLst>
+          <a:path path="circle">
+            <a:fillToRect l="50000" t="-80000" r="50000" b="180000"/>
+          </a:path>
+        </a:gradFill>
+        <a:gradFill rotWithShape="1">
+          <a:gsLst>
+            <a:gs pos="0">
+              <a:schemeClr val="phClr">
+                <a:tint val="80000"/>
+                <a:satMod val="300000"/>
+              </a:schemeClr>
+            </a:gs>
+            <a:gs pos="100000">
+              <a:schemeClr val="phClr">
+                <a:shade val="30000"/>
+                <a:satMod val="200000"/>
+              </a:schemeClr>
+            </a:gs>
+          </a:gsLst>
+          <a:path path="circle">
+            <a:fillToRect l="50000" t="50000" r="50000" b="50000"/>
+          </a:path>
+        </a:gradFill>
+      </a:bgFillStyleLst>
+    </a:fmtScheme>
+  </a:themeElements>
+  <a:objectDefaults/>
+  <a:extraClrSchemeLst/>
+</a:theme>
+</file>
+
+<file path=ppt/theme/theme2.xml><?xml version="1.0" encoding="utf-8"?>
+<a:theme xmlns:a="http://schemas.openxmlformats.org/drawingml/2006/main">
   <a:themeElements>
     <a:clrScheme name="Default">
       <a:dk1>
@@ -11675,284 +12107,7 @@
       </a:bgFillStyleLst>
     </a:fmtScheme>
   </a:themeElements>
-</a:theme>
-</file>
-
-<file path=ppt/theme/theme2.xml><?xml version="1.0" encoding="utf-8"?>
-<a:theme xmlns:a="http://schemas.openxmlformats.org/drawingml/2006/main" xmlns:r="http://schemas.openxmlformats.org/officeDocument/2006/relationships" name="Simple Light">
-  <a:themeElements>
-    <a:clrScheme name="Simple Light">
-      <a:dk1>
-        <a:srgbClr val="000000"/>
-      </a:dk1>
-      <a:lt1>
-        <a:srgbClr val="FFFFFF"/>
-      </a:lt1>
-      <a:dk2>
-        <a:srgbClr val="595959"/>
-      </a:dk2>
-      <a:lt2>
-        <a:srgbClr val="EEEEEE"/>
-      </a:lt2>
-      <a:accent1>
-        <a:srgbClr val="4285F4"/>
-      </a:accent1>
-      <a:accent2>
-        <a:srgbClr val="212121"/>
-      </a:accent2>
-      <a:accent3>
-        <a:srgbClr val="78909C"/>
-      </a:accent3>
-      <a:accent4>
-        <a:srgbClr val="FFAB40"/>
-      </a:accent4>
-      <a:accent5>
-        <a:srgbClr val="0097A7"/>
-      </a:accent5>
-      <a:accent6>
-        <a:srgbClr val="EEFF41"/>
-      </a:accent6>
-      <a:hlink>
-        <a:srgbClr val="0097A7"/>
-      </a:hlink>
-      <a:folHlink>
-        <a:srgbClr val="0097A7"/>
-      </a:folHlink>
-    </a:clrScheme>
-    <a:fontScheme name="Office">
-      <a:majorFont>
-        <a:latin typeface="Arial"/>
-        <a:ea typeface=""/>
-        <a:cs typeface=""/>
-        <a:font script="Jpan" typeface="ＭＳ Ｐゴシック"/>
-        <a:font script="Hang" typeface="맑은 고딕"/>
-        <a:font script="Hans" typeface="宋体"/>
-        <a:font script="Hant" typeface="新細明體"/>
-        <a:font script="Arab" typeface="Times New Roman"/>
-        <a:font script="Hebr" typeface="Times New Roman"/>
-        <a:font script="Thai" typeface="Angsana New"/>
-        <a:font script="Ethi" typeface="Nyala"/>
-        <a:font script="Beng" typeface="Vrinda"/>
-        <a:font script="Gujr" typeface="Shruti"/>
-        <a:font script="Khmr" typeface="MoolBoran"/>
-        <a:font script="Knda" typeface="Tunga"/>
-        <a:font script="Guru" typeface="Raavi"/>
-        <a:font script="Cans" typeface="Euphemia"/>
-        <a:font script="Cher" typeface="Plantagenet Cherokee"/>
-        <a:font script="Yiii" typeface="Microsoft Yi Baiti"/>
-        <a:font script="Tibt" typeface="Microsoft Himalaya"/>
-        <a:font script="Thaa" typeface="MV Boli"/>
-        <a:font script="Deva" typeface="Mangal"/>
-        <a:font script="Telu" typeface="Gautami"/>
-        <a:font script="Taml" typeface="Latha"/>
-        <a:font script="Syrc" typeface="Estrangelo Edessa"/>
-        <a:font script="Orya" typeface="Kalinga"/>
-        <a:font script="Mlym" typeface="Kartika"/>
-        <a:font script="Laoo" typeface="DokChampa"/>
-        <a:font script="Sinh" typeface="Iskoola Pota"/>
-        <a:font script="Mong" typeface="Mongolian Baiti"/>
-        <a:font script="Viet" typeface="Times New Roman"/>
-        <a:font script="Uigh" typeface="Microsoft Uighur"/>
-        <a:font script="Geor" typeface="Sylfaen"/>
-      </a:majorFont>
-      <a:minorFont>
-        <a:latin typeface="Arial"/>
-        <a:ea typeface=""/>
-        <a:cs typeface=""/>
-        <a:font script="Jpan" typeface="ＭＳ Ｐゴシック"/>
-        <a:font script="Hang" typeface="맑은 고딕"/>
-        <a:font script="Hans" typeface="宋体"/>
-        <a:font script="Hant" typeface="新細明體"/>
-        <a:font script="Arab" typeface="Arial"/>
-        <a:font script="Hebr" typeface="Arial"/>
-        <a:font script="Thai" typeface="Cordia New"/>
-        <a:font script="Ethi" typeface="Nyala"/>
-        <a:font script="Beng" typeface="Vrinda"/>
-        <a:font script="Gujr" typeface="Shruti"/>
-        <a:font script="Khmr" typeface="DaunPenh"/>
-        <a:font script="Knda" typeface="Tunga"/>
-        <a:font script="Guru" typeface="Raavi"/>
-        <a:font script="Cans" typeface="Euphemia"/>
-        <a:font script="Cher" typeface="Plantagenet Cherokee"/>
-        <a:font script="Yiii" typeface="Microsoft Yi Baiti"/>
-        <a:font script="Tibt" typeface="Microsoft Himalaya"/>
-        <a:font script="Thaa" typeface="MV Boli"/>
-        <a:font script="Deva" typeface="Mangal"/>
-        <a:font script="Telu" typeface="Gautami"/>
-        <a:font script="Taml" typeface="Latha"/>
-        <a:font script="Syrc" typeface="Estrangelo Edessa"/>
-        <a:font script="Orya" typeface="Kalinga"/>
-        <a:font script="Mlym" typeface="Kartika"/>
-        <a:font script="Laoo" typeface="DokChampa"/>
-        <a:font script="Sinh" typeface="Iskoola Pota"/>
-        <a:font script="Mong" typeface="Mongolian Baiti"/>
-        <a:font script="Viet" typeface="Arial"/>
-        <a:font script="Uigh" typeface="Microsoft Uighur"/>
-        <a:font script="Geor" typeface="Sylfaen"/>
-      </a:minorFont>
-    </a:fontScheme>
-    <a:fmtScheme name="Office">
-      <a:fillStyleLst>
-        <a:solidFill>
-          <a:schemeClr val="phClr"/>
-        </a:solidFill>
-        <a:gradFill rotWithShape="1">
-          <a:gsLst>
-            <a:gs pos="0">
-              <a:schemeClr val="phClr">
-                <a:tint val="50000"/>
-                <a:satMod val="300000"/>
-              </a:schemeClr>
-            </a:gs>
-            <a:gs pos="35000">
-              <a:schemeClr val="phClr">
-                <a:tint val="37000"/>
-                <a:satMod val="300000"/>
-              </a:schemeClr>
-            </a:gs>
-            <a:gs pos="100000">
-              <a:schemeClr val="phClr">
-                <a:tint val="15000"/>
-                <a:satMod val="350000"/>
-              </a:schemeClr>
-            </a:gs>
-          </a:gsLst>
-          <a:lin ang="16200000" scaled="1"/>
-        </a:gradFill>
-        <a:gradFill rotWithShape="1">
-          <a:gsLst>
-            <a:gs pos="0">
-              <a:schemeClr val="phClr">
-                <a:tint val="100000"/>
-                <a:shade val="100000"/>
-                <a:satMod val="130000"/>
-              </a:schemeClr>
-            </a:gs>
-            <a:gs pos="100000">
-              <a:schemeClr val="phClr">
-                <a:tint val="50000"/>
-                <a:shade val="100000"/>
-                <a:satMod val="350000"/>
-              </a:schemeClr>
-            </a:gs>
-          </a:gsLst>
-          <a:lin ang="16200000" scaled="0"/>
-        </a:gradFill>
-      </a:fillStyleLst>
-      <a:lnStyleLst>
-        <a:ln w="9525" cap="flat" cmpd="sng" algn="ctr">
-          <a:solidFill>
-            <a:schemeClr val="phClr">
-              <a:shade val="95000"/>
-              <a:satMod val="105000"/>
-            </a:schemeClr>
-          </a:solidFill>
-          <a:prstDash val="solid"/>
-        </a:ln>
-        <a:ln w="25400" cap="flat" cmpd="sng" algn="ctr">
-          <a:solidFill>
-            <a:schemeClr val="phClr"/>
-          </a:solidFill>
-          <a:prstDash val="solid"/>
-        </a:ln>
-        <a:ln w="38100" cap="flat" cmpd="sng" algn="ctr">
-          <a:solidFill>
-            <a:schemeClr val="phClr"/>
-          </a:solidFill>
-          <a:prstDash val="solid"/>
-        </a:ln>
-      </a:lnStyleLst>
-      <a:effectStyleLst>
-        <a:effectStyle>
-          <a:effectLst>
-            <a:outerShdw blurRad="40000" dist="20000" dir="5400000" rotWithShape="0">
-              <a:srgbClr val="000000">
-                <a:alpha val="38000"/>
-              </a:srgbClr>
-            </a:outerShdw>
-          </a:effectLst>
-        </a:effectStyle>
-        <a:effectStyle>
-          <a:effectLst>
-            <a:outerShdw blurRad="40000" dist="23000" dir="5400000" rotWithShape="0">
-              <a:srgbClr val="000000">
-                <a:alpha val="35000"/>
-              </a:srgbClr>
-            </a:outerShdw>
-          </a:effectLst>
-        </a:effectStyle>
-        <a:effectStyle>
-          <a:effectLst>
-            <a:outerShdw blurRad="40000" dist="23000" dir="5400000" rotWithShape="0">
-              <a:srgbClr val="000000">
-                <a:alpha val="35000"/>
-              </a:srgbClr>
-            </a:outerShdw>
-          </a:effectLst>
-          <a:scene3d>
-            <a:camera prst="orthographicFront">
-              <a:rot lat="0" lon="0" rev="0"/>
-            </a:camera>
-            <a:lightRig rig="threePt" dir="t">
-              <a:rot lat="0" lon="0" rev="1200000"/>
-            </a:lightRig>
-          </a:scene3d>
-          <a:sp3d>
-            <a:bevelT w="63500" h="25400"/>
-          </a:sp3d>
-        </a:effectStyle>
-      </a:effectStyleLst>
-      <a:bgFillStyleLst>
-        <a:solidFill>
-          <a:schemeClr val="phClr"/>
-        </a:solidFill>
-        <a:gradFill rotWithShape="1">
-          <a:gsLst>
-            <a:gs pos="0">
-              <a:schemeClr val="phClr">
-                <a:tint val="40000"/>
-                <a:satMod val="350000"/>
-              </a:schemeClr>
-            </a:gs>
-            <a:gs pos="40000">
-              <a:schemeClr val="phClr">
-                <a:tint val="45000"/>
-                <a:shade val="99000"/>
-                <a:satMod val="350000"/>
-              </a:schemeClr>
-            </a:gs>
-            <a:gs pos="100000">
-              <a:schemeClr val="phClr">
-                <a:shade val="20000"/>
-                <a:satMod val="255000"/>
-              </a:schemeClr>
-            </a:gs>
-          </a:gsLst>
-          <a:path path="circle">
-            <a:fillToRect l="50000" t="-80000" r="50000" b="180000"/>
-          </a:path>
-        </a:gradFill>
-        <a:gradFill rotWithShape="1">
-          <a:gsLst>
-            <a:gs pos="0">
-              <a:schemeClr val="phClr">
-                <a:tint val="80000"/>
-                <a:satMod val="300000"/>
-              </a:schemeClr>
-            </a:gs>
-            <a:gs pos="100000">
-              <a:schemeClr val="phClr">
-                <a:shade val="30000"/>
-                <a:satMod val="200000"/>
-              </a:schemeClr>
-            </a:gs>
-          </a:gsLst>
-          <a:path path="circle">
-            <a:fillToRect l="50000" t="50000" r="50000" b="50000"/>
-          </a:path>
-        </a:gradFill>
-      </a:bgFillStyleLst>
-    </a:fmtScheme>
-  </a:themeElements>
+  <a:objectDefaults/>
+  <a:extraClrSchemeLst/>
 </a:theme>
 </file>
--- a/instructions.pptx
+++ b/instructions.pptx
@@ -1348,7 +1348,15 @@
                   <a:schemeClr val="dk1"/>
                 </a:solidFill>
               </a:rPr>
-              <a:t>[ANIMATE again] To summarize, you must move the marker to where you think the target falls, and if you are unsure, you can take a risk and move it towards Shape1 [ANIMATE], or be safe, and move it towards Shape2 [ANIMATE]. Your goal is to maximize your gains and minimize your losses.</a:t>
+              <a:t>[ANIMATE again] To summarize, you must move the marker to where you think the target falls, and if you are unsure, you can take a risk and move it towards Shape1 [ANIMATE], or be safe, and move it towards Shape2 [ANIMATE]. It is important to note that you may be wrong on some of the difficult trials, but if you are consistent in your choice between risk &amp; safety, you will eventually gain a good number of coins. Your goal is to maximize your gains and minimize your losses across the </a:t>
+            </a:r>
+            <a:r>
+              <a:rPr lang="en" sz="1000">
+                <a:solidFill>
+                  <a:schemeClr val="dk1"/>
+                </a:solidFill>
+              </a:rPr>
+              <a:t>entire session.</a:t>
             </a:r>
             <a:endParaRPr sz="1000" dirty="0">
               <a:solidFill>
